--- a/98_plan/00_pptx/06_MninCraft.pptx
+++ b/98_plan/00_pptx/06_MninCraft.pptx
@@ -5,8 +5,7 @@
     <p:sldMasterId id="2147483648" r:id="rId1"/>
   </p:sldMasterIdLst>
   <p:sldIdLst>
-    <p:sldId id="256" r:id="rId2"/>
-    <p:sldId id="257" r:id="rId3"/>
+    <p:sldId id="259" r:id="rId2"/>
   </p:sldIdLst>
   <p:sldSz cx="12192000" cy="6858000"/>
   <p:notesSz cx="6858000" cy="9144000"/>
@@ -105,6 +104,11 @@
       </a:defRPr>
     </a:lvl9pPr>
   </p:defaultTextStyle>
+  <p:extLst>
+    <p:ext uri="{EFAFB233-063F-42B5-8137-9DF3F51BA10A}">
+      <p15:sldGuideLst xmlns:p15="http://schemas.microsoft.com/office/powerpoint/2012/main"/>
+    </p:ext>
+  </p:extLst>
 </p:presentation>
 </file>
 
@@ -255,7 +259,7 @@
           <a:p>
             <a:fld id="{846CE23E-733E-4794-AFAC-F15591D885D5}" type="datetimeFigureOut">
               <a:rPr kumimoji="1" lang="ja-JP" altLang="en-US" smtClean="0"/>
-              <a:t>2024/4/23</a:t>
+              <a:t>2024/4/24</a:t>
             </a:fld>
             <a:endParaRPr kumimoji="1" lang="ja-JP" altLang="en-US"/>
           </a:p>
@@ -485,7 +489,7 @@
           <a:p>
             <a:fld id="{846CE23E-733E-4794-AFAC-F15591D885D5}" type="datetimeFigureOut">
               <a:rPr kumimoji="1" lang="ja-JP" altLang="en-US" smtClean="0"/>
-              <a:t>2024/4/23</a:t>
+              <a:t>2024/4/24</a:t>
             </a:fld>
             <a:endParaRPr kumimoji="1" lang="ja-JP" altLang="en-US"/>
           </a:p>
@@ -725,7 +729,7 @@
           <a:p>
             <a:fld id="{846CE23E-733E-4794-AFAC-F15591D885D5}" type="datetimeFigureOut">
               <a:rPr kumimoji="1" lang="ja-JP" altLang="en-US" smtClean="0"/>
-              <a:t>2024/4/23</a:t>
+              <a:t>2024/4/24</a:t>
             </a:fld>
             <a:endParaRPr kumimoji="1" lang="ja-JP" altLang="en-US"/>
           </a:p>
@@ -955,7 +959,7 @@
           <a:p>
             <a:fld id="{846CE23E-733E-4794-AFAC-F15591D885D5}" type="datetimeFigureOut">
               <a:rPr kumimoji="1" lang="ja-JP" altLang="en-US" smtClean="0"/>
-              <a:t>2024/4/23</a:t>
+              <a:t>2024/4/24</a:t>
             </a:fld>
             <a:endParaRPr kumimoji="1" lang="ja-JP" altLang="en-US"/>
           </a:p>
@@ -1230,7 +1234,7 @@
           <a:p>
             <a:fld id="{846CE23E-733E-4794-AFAC-F15591D885D5}" type="datetimeFigureOut">
               <a:rPr kumimoji="1" lang="ja-JP" altLang="en-US" smtClean="0"/>
-              <a:t>2024/4/23</a:t>
+              <a:t>2024/4/24</a:t>
             </a:fld>
             <a:endParaRPr kumimoji="1" lang="ja-JP" altLang="en-US"/>
           </a:p>
@@ -1559,7 +1563,7 @@
           <a:p>
             <a:fld id="{846CE23E-733E-4794-AFAC-F15591D885D5}" type="datetimeFigureOut">
               <a:rPr kumimoji="1" lang="ja-JP" altLang="en-US" smtClean="0"/>
-              <a:t>2024/4/23</a:t>
+              <a:t>2024/4/24</a:t>
             </a:fld>
             <a:endParaRPr kumimoji="1" lang="ja-JP" altLang="en-US"/>
           </a:p>
@@ -2035,7 +2039,7 @@
           <a:p>
             <a:fld id="{846CE23E-733E-4794-AFAC-F15591D885D5}" type="datetimeFigureOut">
               <a:rPr kumimoji="1" lang="ja-JP" altLang="en-US" smtClean="0"/>
-              <a:t>2024/4/23</a:t>
+              <a:t>2024/4/24</a:t>
             </a:fld>
             <a:endParaRPr kumimoji="1" lang="ja-JP" altLang="en-US"/>
           </a:p>
@@ -2176,7 +2180,7 @@
           <a:p>
             <a:fld id="{846CE23E-733E-4794-AFAC-F15591D885D5}" type="datetimeFigureOut">
               <a:rPr kumimoji="1" lang="ja-JP" altLang="en-US" smtClean="0"/>
-              <a:t>2024/4/23</a:t>
+              <a:t>2024/4/24</a:t>
             </a:fld>
             <a:endParaRPr kumimoji="1" lang="ja-JP" altLang="en-US"/>
           </a:p>
@@ -2289,7 +2293,7 @@
           <a:p>
             <a:fld id="{846CE23E-733E-4794-AFAC-F15591D885D5}" type="datetimeFigureOut">
               <a:rPr kumimoji="1" lang="ja-JP" altLang="en-US" smtClean="0"/>
-              <a:t>2024/4/23</a:t>
+              <a:t>2024/4/24</a:t>
             </a:fld>
             <a:endParaRPr kumimoji="1" lang="ja-JP" altLang="en-US"/>
           </a:p>
@@ -2632,7 +2636,7 @@
           <a:p>
             <a:fld id="{846CE23E-733E-4794-AFAC-F15591D885D5}" type="datetimeFigureOut">
               <a:rPr kumimoji="1" lang="ja-JP" altLang="en-US" smtClean="0"/>
-              <a:t>2024/4/23</a:t>
+              <a:t>2024/4/24</a:t>
             </a:fld>
             <a:endParaRPr kumimoji="1" lang="ja-JP" altLang="en-US"/>
           </a:p>
@@ -2920,7 +2924,7 @@
           <a:p>
             <a:fld id="{846CE23E-733E-4794-AFAC-F15591D885D5}" type="datetimeFigureOut">
               <a:rPr kumimoji="1" lang="ja-JP" altLang="en-US" smtClean="0"/>
-              <a:t>2024/4/23</a:t>
+              <a:t>2024/4/24</a:t>
             </a:fld>
             <a:endParaRPr kumimoji="1" lang="ja-JP" altLang="en-US"/>
           </a:p>
@@ -3193,7 +3197,7 @@
           <a:p>
             <a:fld id="{846CE23E-733E-4794-AFAC-F15591D885D5}" type="datetimeFigureOut">
               <a:rPr kumimoji="1" lang="ja-JP" altLang="en-US" smtClean="0"/>
-              <a:t>2024/4/23</a:t>
+              <a:t>2024/4/24</a:t>
             </a:fld>
             <a:endParaRPr kumimoji="1" lang="ja-JP" altLang="en-US"/>
           </a:p>
@@ -3600,16 +3604,11 @@
       <p:bgPr>
         <a:gradFill>
           <a:gsLst>
-            <a:gs pos="50000">
-              <a:srgbClr val="FFDB69"/>
+            <a:gs pos="0">
+              <a:schemeClr val="tx1"/>
             </a:gs>
-            <a:gs pos="0">
-              <a:schemeClr val="accent6">
-                <a:lumMod val="75000"/>
-              </a:schemeClr>
-            </a:gs>
-            <a:gs pos="100000">
-              <a:schemeClr val="accent6">
+            <a:gs pos="46000">
+              <a:schemeClr val="accent5">
                 <a:lumMod val="75000"/>
               </a:schemeClr>
             </a:gs>
@@ -3635,10 +3634,10 @@
       </p:grpSpPr>
       <p:pic>
         <p:nvPicPr>
-          <p:cNvPr id="64" name="図 63" descr="挿絵 が含まれている画像&#10;&#10;自動的に生成された説明">
-            <a:extLst>
-              <a:ext uri="{FF2B5EF4-FFF2-40B4-BE49-F238E27FC236}">
-                <a16:creationId xmlns:a16="http://schemas.microsoft.com/office/drawing/2014/main" id="{BD277EAF-5269-8F29-428F-48F0DA8BDC19}"/>
+          <p:cNvPr id="59" name="図 58" descr="建物, テーブル, ウィンドウ が含まれている画像&#10;&#10;自動的に生成された説明">
+            <a:extLst>
+              <a:ext uri="{FF2B5EF4-FFF2-40B4-BE49-F238E27FC236}">
+                <a16:creationId xmlns:a16="http://schemas.microsoft.com/office/drawing/2014/main" id="{19D165ED-70E7-1B99-EBE9-96D088B20092}"/>
               </a:ext>
             </a:extLst>
           </p:cNvPr>
@@ -3661,8 +3660,8 @@
         </p:blipFill>
         <p:spPr>
           <a:xfrm>
-            <a:off x="6573746" y="4907093"/>
-            <a:ext cx="3201715" cy="2401286"/>
+            <a:off x="8917076" y="4132735"/>
+            <a:ext cx="3147168" cy="1790951"/>
           </a:xfrm>
           <a:prstGeom prst="rect">
             <a:avLst/>
@@ -3671,10 +3670,10 @@
       </p:pic>
       <p:pic>
         <p:nvPicPr>
-          <p:cNvPr id="68" name="図 67" descr="Cgで描かれたアニメ&#10;&#10;低い精度で自動的に生成された説明">
-            <a:extLst>
-              <a:ext uri="{FF2B5EF4-FFF2-40B4-BE49-F238E27FC236}">
-                <a16:creationId xmlns:a16="http://schemas.microsoft.com/office/drawing/2014/main" id="{437922B4-B722-E803-DDEE-C0EA3CBB82CD}"/>
+          <p:cNvPr id="23" name="図 22" descr="黒い背景と白い文字&#10;&#10;中程度の精度で自動的に生成された説明">
+            <a:extLst>
+              <a:ext uri="{FF2B5EF4-FFF2-40B4-BE49-F238E27FC236}">
+                <a16:creationId xmlns:a16="http://schemas.microsoft.com/office/drawing/2014/main" id="{6008091D-CB87-DE3F-9046-05A11F325C06}"/>
               </a:ext>
             </a:extLst>
           </p:cNvPr>
@@ -3697,8 +3696,8 @@
         </p:blipFill>
         <p:spPr>
           <a:xfrm>
-            <a:off x="6880670" y="5908555"/>
-            <a:ext cx="855759" cy="855759"/>
+            <a:off x="8749553" y="162890"/>
+            <a:ext cx="2196923" cy="2010185"/>
           </a:xfrm>
           <a:prstGeom prst="rect">
             <a:avLst/>
@@ -3707,46 +3706,10 @@
       </p:pic>
       <p:pic>
         <p:nvPicPr>
-          <p:cNvPr id="73" name="図 72" descr="Cgで描かれたアニメ&#10;&#10;低い精度で自動的に生成された説明">
-            <a:extLst>
-              <a:ext uri="{FF2B5EF4-FFF2-40B4-BE49-F238E27FC236}">
-                <a16:creationId xmlns:a16="http://schemas.microsoft.com/office/drawing/2014/main" id="{B777B42D-D52C-7A07-A153-CF57EB02895E}"/>
-              </a:ext>
-            </a:extLst>
-          </p:cNvPr>
-          <p:cNvPicPr>
-            <a:picLocks noChangeAspect="1"/>
-          </p:cNvPicPr>
-          <p:nvPr/>
-        </p:nvPicPr>
-        <p:blipFill>
-          <a:blip r:embed="rId3">
-            <a:extLst>
-              <a:ext uri="{28A0092B-C50C-407E-A947-70E740481C1C}">
-                <a14:useLocalDpi xmlns:a14="http://schemas.microsoft.com/office/drawing/2010/main" val="0"/>
-              </a:ext>
-            </a:extLst>
-          </a:blip>
-          <a:stretch>
-            <a:fillRect/>
-          </a:stretch>
-        </p:blipFill>
-        <p:spPr>
-          <a:xfrm>
-            <a:off x="8222840" y="5974991"/>
-            <a:ext cx="855759" cy="855759"/>
-          </a:xfrm>
-          <a:prstGeom prst="rect">
-            <a:avLst/>
-          </a:prstGeom>
-        </p:spPr>
-      </p:pic>
-      <p:pic>
-        <p:nvPicPr>
-          <p:cNvPr id="50" name="図 49" descr="食品 が含まれている画像&#10;&#10;自動的に生成された説明">
-            <a:extLst>
-              <a:ext uri="{FF2B5EF4-FFF2-40B4-BE49-F238E27FC236}">
-                <a16:creationId xmlns:a16="http://schemas.microsoft.com/office/drawing/2014/main" id="{63FC06C5-0184-2975-FD4F-FEE9002985AD}"/>
+          <p:cNvPr id="21" name="図 20" descr="女の子, 子供, 持つ, クマ が含まれている画像&#10;&#10;自動的に生成された説明">
+            <a:extLst>
+              <a:ext uri="{FF2B5EF4-FFF2-40B4-BE49-F238E27FC236}">
+                <a16:creationId xmlns:a16="http://schemas.microsoft.com/office/drawing/2014/main" id="{56735338-E65C-05A2-4E00-1175E3099DC8}"/>
               </a:ext>
             </a:extLst>
           </p:cNvPr>
@@ -3768,57 +3731,28 @@
           </a:stretch>
         </p:blipFill>
         <p:spPr>
-          <a:xfrm>
-            <a:off x="6837474" y="3583550"/>
-            <a:ext cx="2046865" cy="2046865"/>
+          <a:xfrm flipH="1">
+            <a:off x="2226061" y="2173075"/>
+            <a:ext cx="1445617" cy="1445617"/>
           </a:xfrm>
           <a:prstGeom prst="rect">
             <a:avLst/>
           </a:prstGeom>
+          <a:effectLst>
+            <a:glow rad="190500">
+              <a:schemeClr val="accent1">
+                <a:alpha val="60000"/>
+              </a:schemeClr>
+            </a:glow>
+          </a:effectLst>
         </p:spPr>
       </p:pic>
       <p:pic>
         <p:nvPicPr>
-          <p:cNvPr id="49" name="図 48" descr="食品 が含まれている画像&#10;&#10;自動的に生成された説明">
-            <a:extLst>
-              <a:ext uri="{FF2B5EF4-FFF2-40B4-BE49-F238E27FC236}">
-                <a16:creationId xmlns:a16="http://schemas.microsoft.com/office/drawing/2014/main" id="{8FF06922-0797-591D-CE37-02F48A127F7F}"/>
-              </a:ext>
-            </a:extLst>
-          </p:cNvPr>
-          <p:cNvPicPr>
-            <a:picLocks noChangeAspect="1"/>
-          </p:cNvPicPr>
-          <p:nvPr/>
-        </p:nvPicPr>
-        <p:blipFill>
-          <a:blip r:embed="rId4">
-            <a:extLst>
-              <a:ext uri="{28A0092B-C50C-407E-A947-70E740481C1C}">
-                <a14:useLocalDpi xmlns:a14="http://schemas.microsoft.com/office/drawing/2010/main" val="0"/>
-              </a:ext>
-            </a:extLst>
-          </a:blip>
-          <a:stretch>
-            <a:fillRect/>
-          </a:stretch>
-        </p:blipFill>
-        <p:spPr>
-          <a:xfrm>
-            <a:off x="5963817" y="3405087"/>
-            <a:ext cx="2046865" cy="2046865"/>
-          </a:xfrm>
-          <a:prstGeom prst="rect">
-            <a:avLst/>
-          </a:prstGeom>
-        </p:spPr>
-      </p:pic>
-      <p:pic>
-        <p:nvPicPr>
-          <p:cNvPr id="70" name="図 69" descr="アイコン&#10;&#10;自動的に生成された説明">
-            <a:extLst>
-              <a:ext uri="{FF2B5EF4-FFF2-40B4-BE49-F238E27FC236}">
-                <a16:creationId xmlns:a16="http://schemas.microsoft.com/office/drawing/2014/main" id="{8484EF55-38EA-7135-8CAB-F970B37BE35A}"/>
+          <p:cNvPr id="19" name="図 18" descr="文字の書かれた紙&#10;&#10;自動的に生成された説明">
+            <a:extLst>
+              <a:ext uri="{FF2B5EF4-FFF2-40B4-BE49-F238E27FC236}">
+                <a16:creationId xmlns:a16="http://schemas.microsoft.com/office/drawing/2014/main" id="{E3577547-76EB-9B39-8DD0-388E35834F55}"/>
               </a:ext>
             </a:extLst>
           </p:cNvPr>
@@ -3840,447 +3774,38 @@
           </a:stretch>
         </p:blipFill>
         <p:spPr>
-          <a:xfrm>
-            <a:off x="6794204" y="4930687"/>
-            <a:ext cx="1125310" cy="1576408"/>
+          <a:xfrm rot="21023180">
+            <a:off x="1946391" y="98508"/>
+            <a:ext cx="693952" cy="1745790"/>
           </a:xfrm>
           <a:prstGeom prst="rect">
             <a:avLst/>
           </a:prstGeom>
+          <a:effectLst>
+            <a:glow rad="228600">
+              <a:schemeClr val="accent2">
+                <a:alpha val="65000"/>
+              </a:schemeClr>
+            </a:glow>
+          </a:effectLst>
         </p:spPr>
       </p:pic>
-      <p:pic>
-        <p:nvPicPr>
-          <p:cNvPr id="71" name="図 70" descr="アイコン&#10;&#10;自動的に生成された説明">
-            <a:extLst>
-              <a:ext uri="{FF2B5EF4-FFF2-40B4-BE49-F238E27FC236}">
-                <a16:creationId xmlns:a16="http://schemas.microsoft.com/office/drawing/2014/main" id="{6F8EBB9C-B185-BDE1-139A-959FA60DEEB9}"/>
-              </a:ext>
-            </a:extLst>
-          </p:cNvPr>
-          <p:cNvPicPr>
-            <a:picLocks noChangeAspect="1"/>
-          </p:cNvPicPr>
+      <p:sp>
+        <p:nvSpPr>
+          <p:cNvPr id="8" name="テキスト ボックス 7">
+            <a:extLst>
+              <a:ext uri="{FF2B5EF4-FFF2-40B4-BE49-F238E27FC236}">
+                <a16:creationId xmlns:a16="http://schemas.microsoft.com/office/drawing/2014/main" id="{A0D77B55-0550-18AE-4E2D-75D8D5F6598B}"/>
+              </a:ext>
+            </a:extLst>
+          </p:cNvPr>
+          <p:cNvSpPr txBox="1"/>
           <p:nvPr/>
-        </p:nvPicPr>
-        <p:blipFill>
-          <a:blip r:embed="rId5">
-            <a:extLst>
-              <a:ext uri="{28A0092B-C50C-407E-A947-70E740481C1C}">
-                <a14:useLocalDpi xmlns:a14="http://schemas.microsoft.com/office/drawing/2010/main" val="0"/>
-              </a:ext>
-            </a:extLst>
-          </a:blip>
-          <a:stretch>
-            <a:fillRect/>
-          </a:stretch>
-        </p:blipFill>
+        </p:nvSpPr>
         <p:spPr>
           <a:xfrm>
-            <a:off x="7822895" y="4837044"/>
-            <a:ext cx="1125310" cy="1576408"/>
-          </a:xfrm>
-          <a:prstGeom prst="rect">
-            <a:avLst/>
-          </a:prstGeom>
-        </p:spPr>
-      </p:pic>
-      <p:pic>
-        <p:nvPicPr>
-          <p:cNvPr id="72" name="図 71" descr="アイコン&#10;&#10;自動的に生成された説明">
-            <a:extLst>
-              <a:ext uri="{FF2B5EF4-FFF2-40B4-BE49-F238E27FC236}">
-                <a16:creationId xmlns:a16="http://schemas.microsoft.com/office/drawing/2014/main" id="{480120D6-E57C-5193-B51E-93A0DFA64832}"/>
-              </a:ext>
-            </a:extLst>
-          </p:cNvPr>
-          <p:cNvPicPr>
-            <a:picLocks noChangeAspect="1"/>
-          </p:cNvPicPr>
-          <p:nvPr/>
-        </p:nvPicPr>
-        <p:blipFill>
-          <a:blip r:embed="rId5">
-            <a:extLst>
-              <a:ext uri="{28A0092B-C50C-407E-A947-70E740481C1C}">
-                <a14:useLocalDpi xmlns:a14="http://schemas.microsoft.com/office/drawing/2010/main" val="0"/>
-              </a:ext>
-            </a:extLst>
-          </a:blip>
-          <a:stretch>
-            <a:fillRect/>
-          </a:stretch>
-        </p:blipFill>
-        <p:spPr>
-          <a:xfrm>
-            <a:off x="8851586" y="4997190"/>
-            <a:ext cx="1125310" cy="1576408"/>
-          </a:xfrm>
-          <a:prstGeom prst="rect">
-            <a:avLst/>
-          </a:prstGeom>
-        </p:spPr>
-      </p:pic>
-      <p:pic>
-        <p:nvPicPr>
-          <p:cNvPr id="58" name="図 57" descr="Cgで描かれたアニメ&#10;&#10;低い精度で自動的に生成された説明">
-            <a:extLst>
-              <a:ext uri="{FF2B5EF4-FFF2-40B4-BE49-F238E27FC236}">
-                <a16:creationId xmlns:a16="http://schemas.microsoft.com/office/drawing/2014/main" id="{3CF507AA-E7D4-0FB0-B6A6-2F00AA669A19}"/>
-              </a:ext>
-            </a:extLst>
-          </p:cNvPr>
-          <p:cNvPicPr>
-            <a:picLocks noChangeAspect="1"/>
-          </p:cNvPicPr>
-          <p:nvPr/>
-        </p:nvPicPr>
-        <p:blipFill>
-          <a:blip r:embed="rId3">
-            <a:extLst>
-              <a:ext uri="{28A0092B-C50C-407E-A947-70E740481C1C}">
-                <a14:useLocalDpi xmlns:a14="http://schemas.microsoft.com/office/drawing/2010/main" val="0"/>
-              </a:ext>
-            </a:extLst>
-          </a:blip>
-          <a:stretch>
-            <a:fillRect/>
-          </a:stretch>
-        </p:blipFill>
-        <p:spPr>
-          <a:xfrm>
-            <a:off x="3509174" y="5283132"/>
-            <a:ext cx="1512593" cy="1512593"/>
-          </a:xfrm>
-          <a:prstGeom prst="rect">
-            <a:avLst/>
-          </a:prstGeom>
-        </p:spPr>
-      </p:pic>
-      <p:pic>
-        <p:nvPicPr>
-          <p:cNvPr id="56" name="図 55" descr="アイコン&#10;&#10;自動的に生成された説明">
-            <a:extLst>
-              <a:ext uri="{FF2B5EF4-FFF2-40B4-BE49-F238E27FC236}">
-                <a16:creationId xmlns:a16="http://schemas.microsoft.com/office/drawing/2014/main" id="{C9FDD7D4-717B-A70D-6E43-DEF613A012D1}"/>
-              </a:ext>
-            </a:extLst>
-          </p:cNvPr>
-          <p:cNvPicPr>
-            <a:picLocks noChangeAspect="1"/>
-          </p:cNvPicPr>
-          <p:nvPr/>
-        </p:nvPicPr>
-        <p:blipFill rotWithShape="1">
-          <a:blip r:embed="rId5">
-            <a:extLst>
-              <a:ext uri="{28A0092B-C50C-407E-A947-70E740481C1C}">
-                <a14:useLocalDpi xmlns:a14="http://schemas.microsoft.com/office/drawing/2010/main" val="0"/>
-              </a:ext>
-            </a:extLst>
-          </a:blip>
-          <a:srcRect t="36269"/>
-          <a:stretch/>
-        </p:blipFill>
-        <p:spPr>
-          <a:xfrm>
-            <a:off x="2433614" y="5767212"/>
-            <a:ext cx="1152023" cy="1028513"/>
-          </a:xfrm>
-          <a:prstGeom prst="rect">
-            <a:avLst/>
-          </a:prstGeom>
-        </p:spPr>
-      </p:pic>
-      <p:pic>
-        <p:nvPicPr>
-          <p:cNvPr id="54" name="図 53" descr="動物, 写真, テーブル, 覆い が含まれている画像&#10;&#10;自動的に生成された説明">
-            <a:extLst>
-              <a:ext uri="{FF2B5EF4-FFF2-40B4-BE49-F238E27FC236}">
-                <a16:creationId xmlns:a16="http://schemas.microsoft.com/office/drawing/2014/main" id="{21E56492-5D51-5991-FC9D-2B56C45F29A3}"/>
-              </a:ext>
-            </a:extLst>
-          </p:cNvPr>
-          <p:cNvPicPr>
-            <a:picLocks noChangeAspect="1"/>
-          </p:cNvPicPr>
-          <p:nvPr/>
-        </p:nvPicPr>
-        <p:blipFill>
-          <a:blip r:embed="rId6">
-            <a:extLst>
-              <a:ext uri="{28A0092B-C50C-407E-A947-70E740481C1C}">
-                <a14:useLocalDpi xmlns:a14="http://schemas.microsoft.com/office/drawing/2010/main" val="0"/>
-              </a:ext>
-            </a:extLst>
-          </a:blip>
-          <a:stretch>
-            <a:fillRect/>
-          </a:stretch>
-        </p:blipFill>
-        <p:spPr>
-          <a:xfrm>
-            <a:off x="148477" y="5718986"/>
-            <a:ext cx="2290916" cy="836293"/>
-          </a:xfrm>
-          <a:prstGeom prst="rect">
-            <a:avLst/>
-          </a:prstGeom>
-        </p:spPr>
-      </p:pic>
-      <p:pic>
-        <p:nvPicPr>
-          <p:cNvPr id="47" name="図 46" descr="アイコン&#10;&#10;自動的に生成された説明">
-            <a:extLst>
-              <a:ext uri="{FF2B5EF4-FFF2-40B4-BE49-F238E27FC236}">
-                <a16:creationId xmlns:a16="http://schemas.microsoft.com/office/drawing/2014/main" id="{D13493EA-973B-BDE5-44A3-0ACE7C069ACC}"/>
-              </a:ext>
-            </a:extLst>
-          </p:cNvPr>
-          <p:cNvPicPr>
-            <a:picLocks noChangeAspect="1"/>
-          </p:cNvPicPr>
-          <p:nvPr/>
-        </p:nvPicPr>
-        <p:blipFill>
-          <a:blip r:embed="rId7">
-            <a:extLst>
-              <a:ext uri="{28A0092B-C50C-407E-A947-70E740481C1C}">
-                <a14:useLocalDpi xmlns:a14="http://schemas.microsoft.com/office/drawing/2010/main" val="0"/>
-              </a:ext>
-            </a:extLst>
-          </a:blip>
-          <a:stretch>
-            <a:fillRect/>
-          </a:stretch>
-        </p:blipFill>
-        <p:spPr>
-          <a:xfrm rot="1655660">
-            <a:off x="2218179" y="3415647"/>
-            <a:ext cx="1686226" cy="1686226"/>
-          </a:xfrm>
-          <a:prstGeom prst="rect">
-            <a:avLst/>
-          </a:prstGeom>
-        </p:spPr>
-      </p:pic>
-      <p:pic>
-        <p:nvPicPr>
-          <p:cNvPr id="45" name="図 44" descr="背景パターン&#10;&#10;自動的に生成された説明">
-            <a:extLst>
-              <a:ext uri="{FF2B5EF4-FFF2-40B4-BE49-F238E27FC236}">
-                <a16:creationId xmlns:a16="http://schemas.microsoft.com/office/drawing/2014/main" id="{0BD920C4-23A2-5D0A-7F60-93EF27E85EE4}"/>
-              </a:ext>
-            </a:extLst>
-          </p:cNvPr>
-          <p:cNvPicPr>
-            <a:picLocks noChangeAspect="1"/>
-          </p:cNvPicPr>
-          <p:nvPr/>
-        </p:nvPicPr>
-        <p:blipFill>
-          <a:blip r:embed="rId8">
-            <a:extLst>
-              <a:ext uri="{28A0092B-C50C-407E-A947-70E740481C1C}">
-                <a14:useLocalDpi xmlns:a14="http://schemas.microsoft.com/office/drawing/2010/main" val="0"/>
-              </a:ext>
-            </a:extLst>
-          </a:blip>
-          <a:stretch>
-            <a:fillRect/>
-          </a:stretch>
-        </p:blipFill>
-        <p:spPr>
-          <a:xfrm>
-            <a:off x="48437" y="3754277"/>
-            <a:ext cx="2263970" cy="1359677"/>
-          </a:xfrm>
-          <a:prstGeom prst="rect">
-            <a:avLst/>
-          </a:prstGeom>
-        </p:spPr>
-      </p:pic>
-      <p:grpSp>
-        <p:nvGrpSpPr>
-          <p:cNvPr id="41" name="グループ化 40">
-            <a:extLst>
-              <a:ext uri="{FF2B5EF4-FFF2-40B4-BE49-F238E27FC236}">
-                <a16:creationId xmlns:a16="http://schemas.microsoft.com/office/drawing/2014/main" id="{32AC3100-A1BE-5750-93E3-91959AF596E5}"/>
-              </a:ext>
-            </a:extLst>
-          </p:cNvPr>
-          <p:cNvGrpSpPr/>
-          <p:nvPr/>
-        </p:nvGrpSpPr>
-        <p:grpSpPr>
-          <a:xfrm>
-            <a:off x="5039785" y="1744936"/>
-            <a:ext cx="3394278" cy="2299310"/>
-            <a:chOff x="3860815" y="1866491"/>
-            <a:chExt cx="3394278" cy="2299310"/>
-          </a:xfrm>
-        </p:grpSpPr>
-        <p:pic>
-          <p:nvPicPr>
-            <p:cNvPr id="38" name="図 37" descr="アイコン&#10;&#10;自動的に生成された説明">
-              <a:extLst>
-                <a:ext uri="{FF2B5EF4-FFF2-40B4-BE49-F238E27FC236}">
-                  <a16:creationId xmlns:a16="http://schemas.microsoft.com/office/drawing/2014/main" id="{38DB48CA-16AB-6DBF-719B-FC39CC253EDD}"/>
-                </a:ext>
-              </a:extLst>
-            </p:cNvPr>
-            <p:cNvPicPr>
-              <a:picLocks noChangeAspect="1"/>
-            </p:cNvPicPr>
-            <p:nvPr/>
-          </p:nvPicPr>
-          <p:blipFill>
-            <a:blip r:embed="rId9">
-              <a:extLst>
-                <a:ext uri="{28A0092B-C50C-407E-A947-70E740481C1C}">
-                  <a14:useLocalDpi xmlns:a14="http://schemas.microsoft.com/office/drawing/2010/main" val="0"/>
-                </a:ext>
-              </a:extLst>
-            </a:blip>
-            <a:stretch>
-              <a:fillRect/>
-            </a:stretch>
-          </p:blipFill>
-          <p:spPr>
-            <a:xfrm>
-              <a:off x="3860815" y="2240521"/>
-              <a:ext cx="2567040" cy="1925280"/>
-            </a:xfrm>
-            <a:prstGeom prst="rect">
-              <a:avLst/>
-            </a:prstGeom>
-          </p:spPr>
-        </p:pic>
-        <p:pic>
-          <p:nvPicPr>
-            <p:cNvPr id="37" name="図 36" descr="アイコン&#10;&#10;自動的に生成された説明">
-              <a:extLst>
-                <a:ext uri="{FF2B5EF4-FFF2-40B4-BE49-F238E27FC236}">
-                  <a16:creationId xmlns:a16="http://schemas.microsoft.com/office/drawing/2014/main" id="{BDF0597A-41ED-641E-8BB0-6F624125833F}"/>
-                </a:ext>
-              </a:extLst>
-            </p:cNvPr>
-            <p:cNvPicPr>
-              <a:picLocks noChangeAspect="1"/>
-            </p:cNvPicPr>
-            <p:nvPr/>
-          </p:nvPicPr>
-          <p:blipFill>
-            <a:blip r:embed="rId9">
-              <a:extLst>
-                <a:ext uri="{28A0092B-C50C-407E-A947-70E740481C1C}">
-                  <a14:useLocalDpi xmlns:a14="http://schemas.microsoft.com/office/drawing/2010/main" val="0"/>
-                </a:ext>
-              </a:extLst>
-            </a:blip>
-            <a:stretch>
-              <a:fillRect/>
-            </a:stretch>
-          </p:blipFill>
-          <p:spPr>
-            <a:xfrm>
-              <a:off x="4688053" y="1866491"/>
-              <a:ext cx="2567040" cy="1925280"/>
-            </a:xfrm>
-            <a:prstGeom prst="rect">
-              <a:avLst/>
-            </a:prstGeom>
-          </p:spPr>
-        </p:pic>
-      </p:grpSp>
-      <p:pic>
-        <p:nvPicPr>
-          <p:cNvPr id="31" name="図 30" descr="背景パターン&#10;&#10;自動的に生成された説明">
-            <a:extLst>
-              <a:ext uri="{FF2B5EF4-FFF2-40B4-BE49-F238E27FC236}">
-                <a16:creationId xmlns:a16="http://schemas.microsoft.com/office/drawing/2014/main" id="{207DEA55-7365-B64F-CC3C-56ACF996941F}"/>
-              </a:ext>
-            </a:extLst>
-          </p:cNvPr>
-          <p:cNvPicPr>
-            <a:picLocks noChangeAspect="1"/>
-          </p:cNvPicPr>
-          <p:nvPr/>
-        </p:nvPicPr>
-        <p:blipFill>
-          <a:blip r:embed="rId8">
-            <a:extLst>
-              <a:ext uri="{28A0092B-C50C-407E-A947-70E740481C1C}">
-                <a14:useLocalDpi xmlns:a14="http://schemas.microsoft.com/office/drawing/2010/main" val="0"/>
-              </a:ext>
-            </a:extLst>
-          </a:blip>
-          <a:stretch>
-            <a:fillRect/>
-          </a:stretch>
-        </p:blipFill>
-        <p:spPr>
-          <a:xfrm>
-            <a:off x="2012140" y="1968708"/>
-            <a:ext cx="2263970" cy="1359677"/>
-          </a:xfrm>
-          <a:prstGeom prst="rect">
-            <a:avLst/>
-          </a:prstGeom>
-        </p:spPr>
-      </p:pic>
-      <p:pic>
-        <p:nvPicPr>
-          <p:cNvPr id="29" name="図 28" descr="動物, 写真, テーブル, 覆い が含まれている画像&#10;&#10;自動的に生成された説明">
-            <a:extLst>
-              <a:ext uri="{FF2B5EF4-FFF2-40B4-BE49-F238E27FC236}">
-                <a16:creationId xmlns:a16="http://schemas.microsoft.com/office/drawing/2014/main" id="{81CA8C0E-2A11-3663-CCE6-6D09A4E3C856}"/>
-              </a:ext>
-            </a:extLst>
-          </p:cNvPr>
-          <p:cNvPicPr>
-            <a:picLocks noChangeAspect="1"/>
-          </p:cNvPicPr>
-          <p:nvPr/>
-        </p:nvPicPr>
-        <p:blipFill>
-          <a:blip r:embed="rId6">
-            <a:extLst>
-              <a:ext uri="{28A0092B-C50C-407E-A947-70E740481C1C}">
-                <a14:useLocalDpi xmlns:a14="http://schemas.microsoft.com/office/drawing/2010/main" val="0"/>
-              </a:ext>
-            </a:extLst>
-          </a:blip>
-          <a:stretch>
-            <a:fillRect/>
-          </a:stretch>
-        </p:blipFill>
-        <p:spPr>
-          <a:xfrm>
-            <a:off x="93057" y="2347294"/>
-            <a:ext cx="2290916" cy="836293"/>
-          </a:xfrm>
-          <a:prstGeom prst="rect">
-            <a:avLst/>
-          </a:prstGeom>
-        </p:spPr>
-      </p:pic>
-      <p:sp>
-        <p:nvSpPr>
-          <p:cNvPr id="5" name="テキスト ボックス 4">
-            <a:extLst>
-              <a:ext uri="{FF2B5EF4-FFF2-40B4-BE49-F238E27FC236}">
-                <a16:creationId xmlns:a16="http://schemas.microsoft.com/office/drawing/2014/main" id="{0D900B9F-B433-009E-05C2-5BD84161DA0C}"/>
-              </a:ext>
-            </a:extLst>
-          </p:cNvPr>
-          <p:cNvSpPr txBox="1"/>
-          <p:nvPr/>
-        </p:nvSpPr>
-        <p:spPr>
-          <a:xfrm>
-            <a:off x="1068100" y="2182852"/>
-            <a:ext cx="3060453" cy="646331"/>
+            <a:off x="3442448" y="-3245"/>
+            <a:ext cx="5297426" cy="1200329"/>
           </a:xfrm>
           <a:prstGeom prst="rect">
             <a:avLst/>
@@ -4288,31 +3813,175 @@
           <a:noFill/>
         </p:spPr>
         <p:txBody>
+          <a:bodyPr wrap="square" rtlCol="0">
+            <a:spAutoFit/>
+          </a:bodyPr>
+          <a:lstStyle/>
+          <a:p>
+            <a:r>
+              <a:rPr lang="ja-JP" altLang="en-US" sz="7200" b="1" dirty="0">
+                <a:ln>
+                  <a:solidFill>
+                    <a:sysClr val="windowText" lastClr="000000"/>
+                  </a:solidFill>
+                </a:ln>
+                <a:solidFill>
+                  <a:schemeClr val="bg1"/>
+                </a:solidFill>
+                <a:effectLst>
+                  <a:glow rad="177800">
+                    <a:schemeClr val="accent1">
+                      <a:lumMod val="40000"/>
+                      <a:lumOff val="60000"/>
+                      <a:alpha val="70000"/>
+                    </a:schemeClr>
+                  </a:glow>
+                </a:effectLst>
+                <a:latin typeface="HGP行書体" panose="03000600000000000000" pitchFamily="66" charset="-128"/>
+                <a:ea typeface="HGP行書体" panose="03000600000000000000" pitchFamily="66" charset="-128"/>
+              </a:rPr>
+              <a:t>逃げる</a:t>
+            </a:r>
+            <a:r>
+              <a:rPr lang="en-US" altLang="ja-JP" sz="7200" b="1" dirty="0">
+                <a:ln>
+                  <a:solidFill>
+                    <a:sysClr val="windowText" lastClr="000000"/>
+                  </a:solidFill>
+                </a:ln>
+                <a:solidFill>
+                  <a:schemeClr val="bg1"/>
+                </a:solidFill>
+                <a:effectLst>
+                  <a:glow rad="177800">
+                    <a:schemeClr val="accent1">
+                      <a:lumMod val="40000"/>
+                      <a:lumOff val="60000"/>
+                      <a:alpha val="70000"/>
+                    </a:schemeClr>
+                  </a:glow>
+                </a:effectLst>
+                <a:latin typeface="HGP行書体" panose="03000600000000000000" pitchFamily="66" charset="-128"/>
+                <a:ea typeface="HGP行書体" panose="03000600000000000000" pitchFamily="66" charset="-128"/>
+              </a:rPr>
+              <a:t>!!!</a:t>
+            </a:r>
+            <a:r>
+              <a:rPr kumimoji="1" lang="ja-JP" altLang="en-US" sz="7200" b="1" dirty="0">
+                <a:ln>
+                  <a:solidFill>
+                    <a:sysClr val="windowText" lastClr="000000"/>
+                  </a:solidFill>
+                </a:ln>
+                <a:solidFill>
+                  <a:schemeClr val="bg1"/>
+                </a:solidFill>
+                <a:effectLst>
+                  <a:glow rad="177800">
+                    <a:schemeClr val="accent1">
+                      <a:lumMod val="40000"/>
+                      <a:lumOff val="60000"/>
+                      <a:alpha val="70000"/>
+                    </a:schemeClr>
+                  </a:glow>
+                </a:effectLst>
+                <a:latin typeface="HGP行書体" panose="03000600000000000000" pitchFamily="66" charset="-128"/>
+                <a:ea typeface="HGP行書体" panose="03000600000000000000" pitchFamily="66" charset="-128"/>
+              </a:rPr>
+              <a:t>やつ</a:t>
+            </a:r>
+            <a:endParaRPr kumimoji="1" lang="en-US" altLang="ja-JP" sz="7200" b="1" dirty="0">
+              <a:ln>
+                <a:solidFill>
+                  <a:sysClr val="windowText" lastClr="000000"/>
+                </a:solidFill>
+              </a:ln>
+              <a:solidFill>
+                <a:schemeClr val="bg1"/>
+              </a:solidFill>
+              <a:effectLst>
+                <a:glow rad="177800">
+                  <a:schemeClr val="accent1">
+                    <a:lumMod val="40000"/>
+                    <a:lumOff val="60000"/>
+                    <a:alpha val="70000"/>
+                  </a:schemeClr>
+                </a:glow>
+              </a:effectLst>
+              <a:latin typeface="HGP行書体" panose="03000600000000000000" pitchFamily="66" charset="-128"/>
+              <a:ea typeface="HGP行書体" panose="03000600000000000000" pitchFamily="66" charset="-128"/>
+            </a:endParaRPr>
+          </a:p>
+        </p:txBody>
+      </p:sp>
+      <p:sp>
+        <p:nvSpPr>
+          <p:cNvPr id="18" name="テキスト ボックス 17">
+            <a:extLst>
+              <a:ext uri="{FF2B5EF4-FFF2-40B4-BE49-F238E27FC236}">
+                <a16:creationId xmlns:a16="http://schemas.microsoft.com/office/drawing/2014/main" id="{A9AAE1D5-9E93-7116-0121-1D52F69086CE}"/>
+              </a:ext>
+            </a:extLst>
+          </p:cNvPr>
+          <p:cNvSpPr txBox="1"/>
+          <p:nvPr/>
+        </p:nvSpPr>
+        <p:spPr>
+          <a:xfrm>
+            <a:off x="2590072" y="1021073"/>
+            <a:ext cx="7548861" cy="769441"/>
+          </a:xfrm>
+          <a:prstGeom prst="rect">
+            <a:avLst/>
+          </a:prstGeom>
+          <a:noFill/>
+        </p:spPr>
+        <p:txBody>
           <a:bodyPr wrap="none" rtlCol="0">
             <a:spAutoFit/>
           </a:bodyPr>
           <a:lstStyle/>
           <a:p>
             <a:r>
-              <a:rPr lang="ja-JP" altLang="en-US" sz="3600" dirty="0">
-                <a:ln>
+              <a:rPr lang="ja-JP" altLang="en-US" sz="4400" b="1" dirty="0">
+                <a:ln w="3175">
                   <a:solidFill>
-                    <a:schemeClr val="bg1"/>
+                    <a:schemeClr val="tx1"/>
                   </a:solidFill>
                 </a:ln>
                 <a:gradFill>
                   <a:gsLst>
                     <a:gs pos="0">
-                      <a:schemeClr val="accent2">
-                        <a:lumMod val="75000"/>
-                      </a:schemeClr>
+                      <a:srgbClr val="FF0000"/>
                     </a:gs>
                     <a:gs pos="100000">
-                      <a:schemeClr val="accent2"/>
+                      <a:srgbClr val="FF8989"/>
                     </a:gs>
                   </a:gsLst>
                   <a:lin ang="5400000" scaled="1"/>
                 </a:gradFill>
+                <a:effectLst>
+                  <a:glow rad="203200">
+                    <a:schemeClr val="bg1">
+                      <a:alpha val="90000"/>
+                    </a:schemeClr>
+                  </a:glow>
+                </a:effectLst>
+                <a:latin typeface="HGP行書体" panose="03000600000000000000" pitchFamily="66" charset="-128"/>
+                <a:ea typeface="HGP行書体" panose="03000600000000000000" pitchFamily="66" charset="-128"/>
+              </a:rPr>
+              <a:t>からくりを利用して</a:t>
+            </a:r>
+            <a:r>
+              <a:rPr lang="ja-JP" altLang="en-US" sz="4400" b="1" dirty="0">
+                <a:ln w="6350">
+                  <a:solidFill>
+                    <a:sysClr val="windowText" lastClr="000000"/>
+                  </a:solidFill>
+                </a:ln>
+                <a:solidFill>
+                  <a:schemeClr val="bg1"/>
+                </a:solidFill>
                 <a:effectLst>
                   <a:glow rad="190500">
                     <a:schemeClr val="bg1">
@@ -4320,27 +3989,49 @@
                     </a:schemeClr>
                   </a:glow>
                 </a:effectLst>
-                <a:latin typeface="851チカラヅヨク-かなB" panose="02000600000000000000" pitchFamily="2" charset="-128"/>
-                <a:ea typeface="851チカラヅヨク-かなB" panose="02000600000000000000" pitchFamily="2" charset="-128"/>
+                <a:latin typeface="HGP行書体" panose="03000600000000000000" pitchFamily="66" charset="-128"/>
+                <a:ea typeface="HGP行書体" panose="03000600000000000000" pitchFamily="66" charset="-128"/>
               </a:rPr>
-              <a:t>土遁</a:t>
-            </a:r>
-            <a:r>
-              <a:rPr lang="ja-JP" altLang="en-US" sz="3200" dirty="0">
-                <a:ln>
+              <a:t>里</a:t>
+            </a:r>
+            <a:r>
+              <a:rPr kumimoji="1" lang="ja-JP" altLang="en-US" sz="4400" b="1" dirty="0">
+                <a:ln w="6350">
                   <a:solidFill>
-                    <a:schemeClr val="bg1"/>
+                    <a:sysClr val="windowText" lastClr="000000"/>
+                  </a:solidFill>
+                </a:ln>
+                <a:solidFill>
+                  <a:schemeClr val="bg1"/>
+                </a:solidFill>
+                <a:effectLst>
+                  <a:glow rad="190500">
+                    <a:schemeClr val="bg1">
+                      <a:alpha val="70000"/>
+                    </a:schemeClr>
+                  </a:glow>
+                </a:effectLst>
+                <a:latin typeface="HGP行書体" panose="03000600000000000000" pitchFamily="66" charset="-128"/>
+                <a:ea typeface="HGP行書体" panose="03000600000000000000" pitchFamily="66" charset="-128"/>
+              </a:rPr>
+              <a:t>から</a:t>
+            </a:r>
+            <a:r>
+              <a:rPr kumimoji="1" lang="ja-JP" altLang="en-US" sz="4400" b="1" dirty="0">
+                <a:ln w="6350">
+                  <a:solidFill>
+                    <a:sysClr val="windowText" lastClr="000000"/>
                   </a:solidFill>
                 </a:ln>
                 <a:gradFill>
                   <a:gsLst>
                     <a:gs pos="0">
-                      <a:schemeClr val="accent5"/>
+                      <a:srgbClr val="00B0F0"/>
                     </a:gs>
                     <a:gs pos="100000">
-                      <a:schemeClr val="accent5">
-                        <a:lumMod val="60000"/>
-                        <a:lumOff val="40000"/>
+                      <a:schemeClr val="accent1">
+                        <a:lumMod val="20000"/>
+                        <a:lumOff val="80000"/>
                       </a:schemeClr>
                     </a:gs>
                   </a:gsLst>
@@ -4353,32 +4044,21 @@
                     </a:schemeClr>
                   </a:glow>
                 </a:effectLst>
-                <a:latin typeface="851チカラヅヨク-かなB" panose="02000600000000000000" pitchFamily="2" charset="-128"/>
-                <a:ea typeface="851チカラヅヨク-かなB" panose="02000600000000000000" pitchFamily="2" charset="-128"/>
+                <a:latin typeface="HGP行書体" panose="03000600000000000000" pitchFamily="66" charset="-128"/>
+                <a:ea typeface="HGP行書体" panose="03000600000000000000" pitchFamily="66" charset="-128"/>
               </a:rPr>
-              <a:t>と</a:t>
-            </a:r>
-            <a:r>
-              <a:rPr lang="ja-JP" altLang="en-US" sz="3600" dirty="0">
-                <a:ln>
+              <a:t>脱出</a:t>
+            </a:r>
+            <a:r>
+              <a:rPr kumimoji="1" lang="ja-JP" altLang="en-US" sz="4400" b="1" dirty="0">
+                <a:ln w="6350">
                   <a:solidFill>
-                    <a:schemeClr val="bg1"/>
+                    <a:sysClr val="windowText" lastClr="000000"/>
                   </a:solidFill>
                 </a:ln>
-                <a:gradFill>
-                  <a:gsLst>
-                    <a:gs pos="0">
-                      <a:schemeClr val="accent1"/>
-                    </a:gs>
-                    <a:gs pos="100000">
-                      <a:schemeClr val="accent1">
-                        <a:lumMod val="40000"/>
-                        <a:lumOff val="60000"/>
-                      </a:schemeClr>
-                    </a:gs>
-                  </a:gsLst>
-                  <a:lin ang="5400000" scaled="1"/>
-                </a:gradFill>
+                <a:solidFill>
+                  <a:schemeClr val="bg1"/>
+                </a:solidFill>
                 <a:effectLst>
                   <a:glow rad="190500">
                     <a:schemeClr val="bg1">
@@ -4386,118 +4066,70 @@
                     </a:schemeClr>
                   </a:glow>
                 </a:effectLst>
-                <a:latin typeface="851チカラヅヨク-かなB" panose="02000600000000000000" pitchFamily="2" charset="-128"/>
-                <a:ea typeface="851チカラヅヨク-かなB" panose="02000600000000000000" pitchFamily="2" charset="-128"/>
+                <a:latin typeface="HGP行書体" panose="03000600000000000000" pitchFamily="66" charset="-128"/>
+                <a:ea typeface="HGP行書体" panose="03000600000000000000" pitchFamily="66" charset="-128"/>
               </a:rPr>
-              <a:t>水遁</a:t>
-            </a:r>
-            <a:r>
-              <a:rPr lang="ja-JP" altLang="en-US" sz="3200" dirty="0">
-                <a:ln>
-                  <a:solidFill>
-                    <a:schemeClr val="bg1"/>
-                  </a:solidFill>
-                </a:ln>
-                <a:gradFill>
-                  <a:gsLst>
-                    <a:gs pos="0">
-                      <a:schemeClr val="accent5"/>
-                    </a:gs>
-                    <a:gs pos="100000">
-                      <a:schemeClr val="accent5">
-                        <a:lumMod val="60000"/>
-                        <a:lumOff val="40000"/>
-                      </a:schemeClr>
-                    </a:gs>
-                  </a:gsLst>
-                  <a:lin ang="5400000" scaled="1"/>
-                </a:gradFill>
-                <a:effectLst>
-                  <a:glow rad="190500">
-                    <a:schemeClr val="bg1">
-                      <a:alpha val="70000"/>
-                    </a:schemeClr>
-                  </a:glow>
-                </a:effectLst>
-                <a:latin typeface="851チカラヅヨク-かなB" panose="02000600000000000000" pitchFamily="2" charset="-128"/>
-                <a:ea typeface="851チカラヅヨク-かなB" panose="02000600000000000000" pitchFamily="2" charset="-128"/>
-              </a:rPr>
-              <a:t>で</a:t>
-            </a:r>
-            <a:r>
-              <a:rPr lang="en-US" altLang="ja-JP" sz="3200" dirty="0">
-                <a:ln>
-                  <a:solidFill>
-                    <a:schemeClr val="bg1"/>
-                  </a:solidFill>
-                </a:ln>
-                <a:gradFill>
-                  <a:gsLst>
-                    <a:gs pos="0">
-                      <a:schemeClr val="accent5"/>
-                    </a:gs>
-                    <a:gs pos="100000">
-                      <a:schemeClr val="accent5">
-                        <a:lumMod val="60000"/>
-                        <a:lumOff val="40000"/>
-                      </a:schemeClr>
-                    </a:gs>
-                  </a:gsLst>
-                  <a:lin ang="5400000" scaled="1"/>
-                </a:gradFill>
-                <a:effectLst>
-                  <a:glow rad="190500">
-                    <a:schemeClr val="bg1">
-                      <a:alpha val="70000"/>
-                    </a:schemeClr>
-                  </a:glow>
-                </a:effectLst>
-                <a:latin typeface="851チカラヅヨク-かなB" panose="02000600000000000000" pitchFamily="2" charset="-128"/>
-                <a:ea typeface="851チカラヅヨク-かなB" panose="02000600000000000000" pitchFamily="2" charset="-128"/>
-              </a:rPr>
-              <a:t>…</a:t>
-            </a:r>
-            <a:endParaRPr kumimoji="1" lang="ja-JP" altLang="en-US" sz="4400" dirty="0">
-              <a:ln>
-                <a:solidFill>
-                  <a:schemeClr val="bg1"/>
-                </a:solidFill>
-              </a:ln>
-              <a:gradFill>
-                <a:gsLst>
-                  <a:gs pos="46000">
-                    <a:schemeClr val="accent2">
-                      <a:lumMod val="50000"/>
-                    </a:schemeClr>
-                  </a:gs>
-                  <a:gs pos="100000">
-                    <a:schemeClr val="accent1">
-                      <a:lumMod val="60000"/>
-                      <a:lumOff val="40000"/>
-                    </a:schemeClr>
-                  </a:gs>
-                </a:gsLst>
-                <a:lin ang="5400000" scaled="1"/>
-              </a:gradFill>
-              <a:effectLst>
-                <a:glow rad="190500">
-                  <a:schemeClr val="bg1">
-                    <a:alpha val="70000"/>
-                  </a:schemeClr>
-                </a:glow>
-              </a:effectLst>
-              <a:latin typeface="851チカラヅヨク-かなB" panose="02000600000000000000" pitchFamily="2" charset="-128"/>
-              <a:ea typeface="851チカラヅヨク-かなB" panose="02000600000000000000" pitchFamily="2" charset="-128"/>
-            </a:endParaRPr>
-          </a:p>
-        </p:txBody>
-      </p:sp>
-      <p:sp>
-        <p:nvSpPr>
-          <p:cNvPr id="11" name="テキスト ボックス 10">
-            <a:extLst>
-              <a:ext uri="{FF2B5EF4-FFF2-40B4-BE49-F238E27FC236}">
-                <a16:creationId xmlns:a16="http://schemas.microsoft.com/office/drawing/2014/main" id="{E2E26BC6-3AC0-8989-5A97-8EC998CB2FD6}"/>
+              <a:t>しろ。</a:t>
+            </a:r>
+          </a:p>
+        </p:txBody>
+      </p:sp>
+      <p:pic>
+        <p:nvPicPr>
+          <p:cNvPr id="9" name="図 8" descr="女の子, 子供, 持つ, クマ が含まれている画像&#10;&#10;自動的に生成された説明">
+            <a:extLst>
+              <a:ext uri="{FF2B5EF4-FFF2-40B4-BE49-F238E27FC236}">
+                <a16:creationId xmlns:a16="http://schemas.microsoft.com/office/drawing/2014/main" id="{4D27C10F-8B41-167E-B249-909DC11C9951}"/>
+              </a:ext>
+            </a:extLst>
+          </p:cNvPr>
+          <p:cNvPicPr>
+            <a:picLocks noChangeAspect="1"/>
+          </p:cNvPicPr>
+          <p:nvPr/>
+        </p:nvPicPr>
+        <p:blipFill>
+          <a:blip r:embed="rId4">
+            <a:duotone>
+              <a:schemeClr val="accent2">
+                <a:shade val="45000"/>
+                <a:satMod val="135000"/>
+              </a:schemeClr>
+              <a:prstClr val="white"/>
+            </a:duotone>
+            <a:extLst>
+              <a:ext uri="{28A0092B-C50C-407E-A947-70E740481C1C}">
+                <a14:useLocalDpi xmlns:a14="http://schemas.microsoft.com/office/drawing/2010/main" val="0"/>
+              </a:ext>
+            </a:extLst>
+          </a:blip>
+          <a:stretch>
+            <a:fillRect/>
+          </a:stretch>
+        </p:blipFill>
+        <p:spPr>
+          <a:xfrm flipH="1">
+            <a:off x="390222" y="2185875"/>
+            <a:ext cx="1445617" cy="1445617"/>
+          </a:xfrm>
+          <a:prstGeom prst="rect">
+            <a:avLst/>
+          </a:prstGeom>
+          <a:effectLst>
+            <a:glow rad="139700">
+              <a:srgbClr val="C00000">
+                <a:alpha val="40000"/>
+              </a:srgbClr>
+            </a:glow>
+          </a:effectLst>
+        </p:spPr>
+      </p:pic>
+      <p:sp>
+        <p:nvSpPr>
+          <p:cNvPr id="20" name="テキスト ボックス 19">
+            <a:extLst>
+              <a:ext uri="{FF2B5EF4-FFF2-40B4-BE49-F238E27FC236}">
+                <a16:creationId xmlns:a16="http://schemas.microsoft.com/office/drawing/2014/main" id="{6CDAE000-A69B-5CF1-D917-F7B95E5C331A}"/>
               </a:ext>
             </a:extLst>
           </p:cNvPr>
@@ -4505,9 +4137,9 @@
           <p:nvPr/>
         </p:nvSpPr>
         <p:spPr>
-          <a:xfrm rot="21338524">
-            <a:off x="-124947" y="846970"/>
-            <a:ext cx="7088800" cy="923330"/>
+          <a:xfrm>
+            <a:off x="22555" y="3498921"/>
+            <a:ext cx="2762295" cy="523220"/>
           </a:xfrm>
           <a:prstGeom prst="rect">
             <a:avLst/>
@@ -4521,205 +4153,41 @@
           <a:lstStyle/>
           <a:p>
             <a:r>
-              <a:rPr lang="ja-JP" altLang="en-US" sz="5400" dirty="0">
-                <a:ln w="6350">
+              <a:rPr kumimoji="1" lang="ja-JP" altLang="en-US" sz="2400" b="1" dirty="0">
+                <a:ln w="3175">
                   <a:solidFill>
-                    <a:schemeClr val="bg1"/>
+                    <a:schemeClr val="tx1"/>
                   </a:solidFill>
                 </a:ln>
-                <a:gradFill flip="none" rotWithShape="1">
-                  <a:gsLst>
-                    <a:gs pos="58000">
-                      <a:srgbClr val="BC0000"/>
-                    </a:gs>
-                    <a:gs pos="100000">
-                      <a:srgbClr val="FF9B9B"/>
-                    </a:gs>
-                  </a:gsLst>
-                  <a:lin ang="5400000" scaled="1"/>
-                  <a:tileRect/>
-                </a:gradFill>
+                <a:solidFill>
+                  <a:schemeClr val="bg1"/>
+                </a:solidFill>
                 <a:effectLst>
-                  <a:glow rad="228600">
-                    <a:srgbClr val="FFC000">
-                      <a:alpha val="60000"/>
-                    </a:srgbClr>
+                  <a:glow rad="177800">
+                    <a:schemeClr val="bg1">
+                      <a:alpha val="70000"/>
+                    </a:schemeClr>
                   </a:glow>
                 </a:effectLst>
-                <a:latin typeface="851チカラヅヨク-かなB" panose="02000600000000000000" pitchFamily="2" charset="-128"/>
-                <a:ea typeface="851チカラヅヨク-かなB" panose="02000600000000000000" pitchFamily="2" charset="-128"/>
+                <a:latin typeface="HGP行書体" panose="03000600000000000000" pitchFamily="66" charset="-128"/>
+                <a:ea typeface="HGP行書体" panose="03000600000000000000" pitchFamily="66" charset="-128"/>
               </a:rPr>
-              <a:t>忍術</a:t>
-            </a:r>
-            <a:r>
-              <a:rPr lang="en-US" altLang="ja-JP" sz="5400" dirty="0">
-                <a:ln w="6350">
+              <a:t>後ろからは</a:t>
+            </a:r>
+            <a:r>
+              <a:rPr kumimoji="1" lang="ja-JP" altLang="en-US" sz="2800" b="1" dirty="0">
+                <a:ln w="3175">
                   <a:solidFill>
-                    <a:schemeClr val="bg1"/>
-                  </a:solidFill>
-                </a:ln>
-                <a:gradFill flip="none" rotWithShape="1">
-                  <a:gsLst>
-                    <a:gs pos="58000">
-                      <a:srgbClr val="BC0000"/>
-                    </a:gs>
-                    <a:gs pos="100000">
-                      <a:srgbClr val="FF9B9B"/>
-                    </a:gs>
-                  </a:gsLst>
-                  <a:lin ang="5400000" scaled="1"/>
-                  <a:tileRect/>
-                </a:gradFill>
-                <a:effectLst>
-                  <a:glow rad="228600">
-                    <a:srgbClr val="FFC000">
-                      <a:alpha val="60000"/>
-                    </a:srgbClr>
-                  </a:glow>
-                </a:effectLst>
-                <a:latin typeface="851チカラヅヨク-かなB" panose="02000600000000000000" pitchFamily="2" charset="-128"/>
-                <a:ea typeface="851チカラヅヨク-かなB" panose="02000600000000000000" pitchFamily="2" charset="-128"/>
-              </a:rPr>
-              <a:t>×</a:t>
-            </a:r>
-            <a:r>
-              <a:rPr lang="ja-JP" altLang="en-US" sz="5400" dirty="0">
-                <a:ln w="6350">
-                  <a:solidFill>
-                    <a:schemeClr val="bg1"/>
-                  </a:solidFill>
-                </a:ln>
-                <a:gradFill flip="none" rotWithShape="1">
-                  <a:gsLst>
-                    <a:gs pos="58000">
-                      <a:srgbClr val="BC0000"/>
-                    </a:gs>
-                    <a:gs pos="100000">
-                      <a:srgbClr val="FF9B9B"/>
-                    </a:gs>
-                  </a:gsLst>
-                  <a:lin ang="5400000" scaled="1"/>
-                  <a:tileRect/>
-                </a:gradFill>
-                <a:effectLst>
-                  <a:glow rad="228600">
-                    <a:srgbClr val="FFC000">
-                      <a:alpha val="60000"/>
-                    </a:srgbClr>
-                  </a:glow>
-                </a:effectLst>
-                <a:latin typeface="851チカラヅヨク-かなB" panose="02000600000000000000" pitchFamily="2" charset="-128"/>
-                <a:ea typeface="851チカラヅヨク-かなB" panose="02000600000000000000" pitchFamily="2" charset="-128"/>
-              </a:rPr>
-              <a:t>忍術で超忍術</a:t>
-            </a:r>
-            <a:r>
-              <a:rPr lang="en-US" altLang="ja-JP" sz="5400" dirty="0">
-                <a:ln w="6350">
-                  <a:solidFill>
-                    <a:schemeClr val="bg1"/>
-                  </a:solidFill>
-                </a:ln>
-                <a:gradFill flip="none" rotWithShape="1">
-                  <a:gsLst>
-                    <a:gs pos="58000">
-                      <a:srgbClr val="BC0000"/>
-                    </a:gs>
-                    <a:gs pos="100000">
-                      <a:srgbClr val="FF9B9B"/>
-                    </a:gs>
-                  </a:gsLst>
-                  <a:lin ang="5400000" scaled="1"/>
-                  <a:tileRect/>
-                </a:gradFill>
-                <a:effectLst>
-                  <a:glow rad="228600">
-                    <a:srgbClr val="FFC000">
-                      <a:alpha val="60000"/>
-                    </a:srgbClr>
-                  </a:glow>
-                </a:effectLst>
-                <a:latin typeface="851チカラヅヨク-かなB" panose="02000600000000000000" pitchFamily="2" charset="-128"/>
-                <a:ea typeface="851チカラヅヨク-かなB" panose="02000600000000000000" pitchFamily="2" charset="-128"/>
-              </a:rPr>
-              <a:t>!!?</a:t>
-            </a:r>
-            <a:endParaRPr lang="ja-JP" altLang="en-US" sz="5400" dirty="0">
-              <a:ln w="6350">
-                <a:solidFill>
-                  <a:schemeClr val="bg1"/>
-                </a:solidFill>
-              </a:ln>
-              <a:gradFill flip="none" rotWithShape="1">
-                <a:gsLst>
-                  <a:gs pos="58000">
-                    <a:srgbClr val="BC0000"/>
-                  </a:gs>
-                  <a:gs pos="100000">
-                    <a:srgbClr val="FF9B9B"/>
-                  </a:gs>
-                </a:gsLst>
-                <a:lin ang="5400000" scaled="1"/>
-                <a:tileRect/>
-              </a:gradFill>
-              <a:effectLst>
-                <a:glow rad="228600">
-                  <a:srgbClr val="FFC000">
-                    <a:alpha val="60000"/>
-                  </a:srgbClr>
-                </a:glow>
-              </a:effectLst>
-              <a:latin typeface="851チカラヅヨク-かなB" panose="02000600000000000000" pitchFamily="2" charset="-128"/>
-              <a:ea typeface="851チカラヅヨク-かなB" panose="02000600000000000000" pitchFamily="2" charset="-128"/>
-            </a:endParaRPr>
-          </a:p>
-        </p:txBody>
-      </p:sp>
-      <p:sp>
-        <p:nvSpPr>
-          <p:cNvPr id="14" name="テキスト ボックス 13">
-            <a:extLst>
-              <a:ext uri="{FF2B5EF4-FFF2-40B4-BE49-F238E27FC236}">
-                <a16:creationId xmlns:a16="http://schemas.microsoft.com/office/drawing/2014/main" id="{CB601D04-8CD3-2AE6-9191-8B607CCD39FE}"/>
-              </a:ext>
-            </a:extLst>
-          </p:cNvPr>
-          <p:cNvSpPr txBox="1"/>
-          <p:nvPr/>
-        </p:nvSpPr>
-        <p:spPr>
-          <a:xfrm rot="20994397">
-            <a:off x="-37232" y="120515"/>
-            <a:ext cx="3421129" cy="707886"/>
-          </a:xfrm>
-          <a:prstGeom prst="rect">
-            <a:avLst/>
-          </a:prstGeom>
-          <a:noFill/>
-        </p:spPr>
-        <p:txBody>
-          <a:bodyPr wrap="none" rtlCol="0">
-            <a:spAutoFit/>
-          </a:bodyPr>
-          <a:lstStyle/>
-          <a:p>
-            <a:r>
-              <a:rPr lang="ja-JP" altLang="en-US" sz="4000" dirty="0">
-                <a:ln w="12700">
-                  <a:solidFill>
-                    <a:schemeClr val="bg1"/>
+                    <a:schemeClr val="tx1"/>
                   </a:solidFill>
                 </a:ln>
                 <a:gradFill>
                   <a:gsLst>
                     <a:gs pos="0">
-                      <a:schemeClr val="accent5"/>
+                      <a:srgbClr val="FF0000"/>
                     </a:gs>
                     <a:gs pos="100000">
-                      <a:schemeClr val="accent5">
-                        <a:lumMod val="40000"/>
-                        <a:lumOff val="60000"/>
-                      </a:schemeClr>
+                      <a:srgbClr val="FF8989"/>
                     </a:gs>
                   </a:gsLst>
                   <a:lin ang="5400000" scaled="1"/>
@@ -4731,31 +4199,64 @@
                     </a:schemeClr>
                   </a:glow>
                 </a:effectLst>
-                <a:latin typeface="851チカラヅヨク-かなB" panose="02000600000000000000" pitchFamily="2" charset="-128"/>
-                <a:ea typeface="851チカラヅヨク-かなB" panose="02000600000000000000" pitchFamily="2" charset="-128"/>
+                <a:latin typeface="HGP行書体" panose="03000600000000000000" pitchFamily="66" charset="-128"/>
+                <a:ea typeface="HGP行書体" panose="03000600000000000000" pitchFamily="66" charset="-128"/>
               </a:rPr>
-              <a:t>忍術掛け合わせ</a:t>
-            </a:r>
-            <a:endParaRPr lang="en-US" altLang="ja-JP" sz="4000" dirty="0">
-              <a:ln w="12700">
+              <a:t>追手</a:t>
+            </a:r>
+            <a:r>
+              <a:rPr kumimoji="1" lang="ja-JP" altLang="en-US" sz="2400" b="1" dirty="0">
+                <a:ln w="3175">
+                  <a:solidFill>
+                    <a:schemeClr val="tx1"/>
+                  </a:solidFill>
+                </a:ln>
                 <a:solidFill>
                   <a:schemeClr val="bg1"/>
                 </a:solidFill>
+                <a:effectLst>
+                  <a:glow rad="177800">
+                    <a:schemeClr val="bg1">
+                      <a:alpha val="70000"/>
+                    </a:schemeClr>
+                  </a:glow>
+                </a:effectLst>
+                <a:latin typeface="HGP行書体" panose="03000600000000000000" pitchFamily="66" charset="-128"/>
+                <a:ea typeface="HGP行書体" panose="03000600000000000000" pitchFamily="66" charset="-128"/>
+              </a:rPr>
+              <a:t>が</a:t>
+            </a:r>
+            <a:r>
+              <a:rPr kumimoji="1" lang="en-US" altLang="ja-JP" sz="2400" b="1" dirty="0">
+                <a:ln w="3175">
+                  <a:solidFill>
+                    <a:schemeClr val="tx1"/>
+                  </a:solidFill>
+                </a:ln>
+                <a:solidFill>
+                  <a:schemeClr val="bg1"/>
+                </a:solidFill>
+                <a:effectLst>
+                  <a:glow rad="177800">
+                    <a:schemeClr val="bg1">
+                      <a:alpha val="70000"/>
+                    </a:schemeClr>
+                  </a:glow>
+                </a:effectLst>
+                <a:latin typeface="HGP行書体" panose="03000600000000000000" pitchFamily="66" charset="-128"/>
+                <a:ea typeface="HGP行書体" panose="03000600000000000000" pitchFamily="66" charset="-128"/>
+              </a:rPr>
+              <a:t>…</a:t>
+            </a:r>
+            <a:endParaRPr kumimoji="1" lang="ja-JP" altLang="en-US" sz="2400" b="1" dirty="0">
+              <a:ln w="3175">
+                <a:solidFill>
+                  <a:schemeClr val="tx1"/>
+                </a:solidFill>
               </a:ln>
-              <a:gradFill>
-                <a:gsLst>
-                  <a:gs pos="0">
-                    <a:schemeClr val="accent5"/>
-                  </a:gs>
-                  <a:gs pos="100000">
-                    <a:schemeClr val="accent5">
-                      <a:lumMod val="40000"/>
-                      <a:lumOff val="60000"/>
-                    </a:schemeClr>
-                  </a:gs>
-                </a:gsLst>
-                <a:lin ang="5400000" scaled="1"/>
-              </a:gradFill>
+              <a:solidFill>
+                <a:schemeClr val="bg1"/>
+              </a:solidFill>
               <a:effectLst>
                 <a:glow rad="177800">
                   <a:schemeClr val="bg1">
@@ -4763,18 +4264,54 @@
                   </a:schemeClr>
                 </a:glow>
               </a:effectLst>
-              <a:latin typeface="851チカラヅヨク-かなB" panose="02000600000000000000" pitchFamily="2" charset="-128"/>
-              <a:ea typeface="851チカラヅヨク-かなB" panose="02000600000000000000" pitchFamily="2" charset="-128"/>
+              <a:latin typeface="HGP行書体" panose="03000600000000000000" pitchFamily="66" charset="-128"/>
+              <a:ea typeface="HGP行書体" panose="03000600000000000000" pitchFamily="66" charset="-128"/>
             </a:endParaRPr>
           </a:p>
         </p:txBody>
       </p:sp>
-      <p:sp>
-        <p:nvSpPr>
-          <p:cNvPr id="19" name="テキスト ボックス 18">
-            <a:extLst>
-              <a:ext uri="{FF2B5EF4-FFF2-40B4-BE49-F238E27FC236}">
-                <a16:creationId xmlns:a16="http://schemas.microsoft.com/office/drawing/2014/main" id="{D694AB03-B724-96F2-38AE-A911C310D94B}"/>
+      <p:pic>
+        <p:nvPicPr>
+          <p:cNvPr id="49" name="図 48" descr="コーヒー, テーブル, 座る, 小さい が含まれている画像&#10;&#10;自動的に生成された説明">
+            <a:extLst>
+              <a:ext uri="{FF2B5EF4-FFF2-40B4-BE49-F238E27FC236}">
+                <a16:creationId xmlns:a16="http://schemas.microsoft.com/office/drawing/2014/main" id="{C1BFE807-0690-4564-44B8-9B387C6508DD}"/>
+              </a:ext>
+            </a:extLst>
+          </p:cNvPr>
+          <p:cNvPicPr>
+            <a:picLocks noChangeAspect="1"/>
+          </p:cNvPicPr>
+          <p:nvPr/>
+        </p:nvPicPr>
+        <p:blipFill>
+          <a:blip r:embed="rId6">
+            <a:extLst>
+              <a:ext uri="{28A0092B-C50C-407E-A947-70E740481C1C}">
+                <a14:useLocalDpi xmlns:a14="http://schemas.microsoft.com/office/drawing/2010/main" val="0"/>
+              </a:ext>
+            </a:extLst>
+          </a:blip>
+          <a:stretch>
+            <a:fillRect/>
+          </a:stretch>
+        </p:blipFill>
+        <p:spPr>
+          <a:xfrm>
+            <a:off x="6314062" y="3594644"/>
+            <a:ext cx="2017019" cy="2606741"/>
+          </a:xfrm>
+          <a:prstGeom prst="rect">
+            <a:avLst/>
+          </a:prstGeom>
+        </p:spPr>
+      </p:pic>
+      <p:sp>
+        <p:nvSpPr>
+          <p:cNvPr id="52" name="テキスト ボックス 51">
+            <a:extLst>
+              <a:ext uri="{FF2B5EF4-FFF2-40B4-BE49-F238E27FC236}">
+                <a16:creationId xmlns:a16="http://schemas.microsoft.com/office/drawing/2014/main" id="{F9514EFF-0625-7211-7C8E-BE914D25584F}"/>
               </a:ext>
             </a:extLst>
           </p:cNvPr>
@@ -4782,9 +4319,9 @@
           <p:nvPr/>
         </p:nvSpPr>
         <p:spPr>
-          <a:xfrm rot="20994397">
-            <a:off x="1564434" y="447287"/>
-            <a:ext cx="2154757" cy="707886"/>
+          <a:xfrm rot="21285254">
+            <a:off x="2804704" y="2478824"/>
+            <a:ext cx="8637301" cy="923330"/>
           </a:xfrm>
           <a:prstGeom prst="rect">
             <a:avLst/>
@@ -4798,26 +4335,15 @@
           <a:lstStyle/>
           <a:p>
             <a:r>
-              <a:rPr lang="ja-JP" altLang="en-US" sz="4000" dirty="0">
-                <a:ln w="12700">
+              <a:rPr lang="ja-JP" altLang="en-US" sz="4800" b="1" dirty="0">
+                <a:ln w="3175">
                   <a:solidFill>
-                    <a:schemeClr val="bg1"/>
+                    <a:schemeClr val="tx1"/>
                   </a:solidFill>
                 </a:ln>
-                <a:gradFill>
-                  <a:gsLst>
-                    <a:gs pos="0">
-                      <a:schemeClr val="accent5"/>
-                    </a:gs>
-                    <a:gs pos="100000">
-                      <a:schemeClr val="accent5">
-                        <a:lumMod val="40000"/>
-                        <a:lumOff val="60000"/>
-                      </a:schemeClr>
-                    </a:gs>
-                  </a:gsLst>
-                  <a:lin ang="5400000" scaled="1"/>
-                </a:gradFill>
+                <a:solidFill>
+                  <a:schemeClr val="bg1"/>
+                </a:solidFill>
                 <a:effectLst>
                   <a:glow rad="177800">
                     <a:schemeClr val="bg1">
@@ -4825,31 +4351,94 @@
                     </a:schemeClr>
                   </a:glow>
                 </a:effectLst>
-                <a:latin typeface="851チカラヅヨク-かなB" panose="02000600000000000000" pitchFamily="2" charset="-128"/>
-                <a:ea typeface="851チカラヅヨク-かなB" panose="02000600000000000000" pitchFamily="2" charset="-128"/>
+                <a:latin typeface="HGP行書体" panose="03000600000000000000" pitchFamily="66" charset="-128"/>
+                <a:ea typeface="HGP行書体" panose="03000600000000000000" pitchFamily="66" charset="-128"/>
               </a:rPr>
-              <a:t>アクション</a:t>
-            </a:r>
-            <a:endParaRPr lang="en-US" altLang="ja-JP" sz="4000" dirty="0">
-              <a:ln w="12700">
+              <a:t>からくりを使い</a:t>
+            </a:r>
+            <a:r>
+              <a:rPr lang="ja-JP" altLang="en-US" sz="5400" b="1" dirty="0">
+                <a:ln w="3175">
+                  <a:solidFill>
+                    <a:schemeClr val="tx1"/>
+                  </a:solidFill>
+                </a:ln>
+                <a:gradFill>
+                  <a:gsLst>
+                    <a:gs pos="0">
+                      <a:srgbClr val="FF0000"/>
+                    </a:gs>
+                    <a:gs pos="100000">
+                      <a:srgbClr val="FF8989"/>
+                    </a:gs>
+                  </a:gsLst>
+                  <a:lin ang="5400000" scaled="1"/>
+                </a:gradFill>
+                <a:effectLst>
+                  <a:glow rad="215900">
+                    <a:schemeClr val="bg1">
+                      <a:alpha val="90000"/>
+                    </a:schemeClr>
+                  </a:glow>
+                </a:effectLst>
+                <a:latin typeface="HGP行書体" panose="03000600000000000000" pitchFamily="66" charset="-128"/>
+                <a:ea typeface="HGP行書体" panose="03000600000000000000" pitchFamily="66" charset="-128"/>
+              </a:rPr>
+              <a:t>追手を撒く</a:t>
+            </a:r>
+            <a:r>
+              <a:rPr lang="ja-JP" altLang="en-US" sz="4800" b="1" dirty="0">
+                <a:ln w="3175">
+                  <a:solidFill>
+                    <a:schemeClr val="tx1"/>
+                  </a:solidFill>
+                </a:ln>
                 <a:solidFill>
                   <a:schemeClr val="bg1"/>
                 </a:solidFill>
+                <a:effectLst>
+                  <a:glow rad="177800">
+                    <a:schemeClr val="bg1">
+                      <a:alpha val="70000"/>
+                    </a:schemeClr>
+                  </a:glow>
+                </a:effectLst>
+                <a:latin typeface="HGP行書体" panose="03000600000000000000" pitchFamily="66" charset="-128"/>
+                <a:ea typeface="HGP行書体" panose="03000600000000000000" pitchFamily="66" charset="-128"/>
+              </a:rPr>
+              <a:t>でござる</a:t>
+            </a:r>
+            <a:r>
+              <a:rPr lang="en-US" altLang="ja-JP" sz="4800" b="1" dirty="0">
+                <a:ln w="3175">
+                  <a:solidFill>
+                    <a:schemeClr val="tx1"/>
+                  </a:solidFill>
+                </a:ln>
+                <a:solidFill>
+                  <a:schemeClr val="bg1"/>
+                </a:solidFill>
+                <a:effectLst>
+                  <a:glow rad="177800">
+                    <a:schemeClr val="bg1">
+                      <a:alpha val="70000"/>
+                    </a:schemeClr>
+                  </a:glow>
+                </a:effectLst>
+                <a:latin typeface="HGP行書体" panose="03000600000000000000" pitchFamily="66" charset="-128"/>
+                <a:ea typeface="HGP行書体" panose="03000600000000000000" pitchFamily="66" charset="-128"/>
+              </a:rPr>
+              <a:t>!!</a:t>
+            </a:r>
+            <a:endParaRPr kumimoji="1" lang="ja-JP" altLang="en-US" sz="4800" b="1" dirty="0">
+              <a:ln w="3175">
+                <a:solidFill>
+                  <a:schemeClr val="tx1"/>
+                </a:solidFill>
               </a:ln>
-              <a:gradFill>
-                <a:gsLst>
-                  <a:gs pos="0">
-                    <a:schemeClr val="accent5"/>
-                  </a:gs>
-                  <a:gs pos="100000">
-                    <a:schemeClr val="accent5">
-                      <a:lumMod val="40000"/>
-                      <a:lumOff val="60000"/>
-                    </a:schemeClr>
-                  </a:gs>
-                </a:gsLst>
-                <a:lin ang="5400000" scaled="1"/>
-              </a:gradFill>
+              <a:solidFill>
+                <a:schemeClr val="bg1"/>
+              </a:solidFill>
               <a:effectLst>
                 <a:glow rad="177800">
                   <a:schemeClr val="bg1">
@@ -4857,18 +4446,18 @@
                   </a:schemeClr>
                 </a:glow>
               </a:effectLst>
-              <a:latin typeface="851チカラヅヨク-かなB" panose="02000600000000000000" pitchFamily="2" charset="-128"/>
-              <a:ea typeface="851チカラヅヨク-かなB" panose="02000600000000000000" pitchFamily="2" charset="-128"/>
+              <a:latin typeface="HGP行書体" panose="03000600000000000000" pitchFamily="66" charset="-128"/>
+              <a:ea typeface="HGP行書体" panose="03000600000000000000" pitchFamily="66" charset="-128"/>
             </a:endParaRPr>
           </a:p>
         </p:txBody>
       </p:sp>
       <p:sp>
         <p:nvSpPr>
-          <p:cNvPr id="20" name="テキスト ボックス 19">
-            <a:extLst>
-              <a:ext uri="{FF2B5EF4-FFF2-40B4-BE49-F238E27FC236}">
-                <a16:creationId xmlns:a16="http://schemas.microsoft.com/office/drawing/2014/main" id="{1B49AFD5-0F2C-818C-94F4-B69B471BF276}"/>
+          <p:cNvPr id="2" name="テキスト ボックス 1">
+            <a:extLst>
+              <a:ext uri="{FF2B5EF4-FFF2-40B4-BE49-F238E27FC236}">
+                <a16:creationId xmlns:a16="http://schemas.microsoft.com/office/drawing/2014/main" id="{2F959C76-9F0F-DA0A-04B9-59E47E805BC1}"/>
               </a:ext>
             </a:extLst>
           </p:cNvPr>
@@ -4877,8 +4466,8 @@
         </p:nvSpPr>
         <p:spPr>
           <a:xfrm>
-            <a:off x="3683286" y="12793"/>
-            <a:ext cx="7282763" cy="923330"/>
+            <a:off x="22555" y="1782426"/>
+            <a:ext cx="4783682" cy="646331"/>
           </a:xfrm>
           <a:prstGeom prst="rect">
             <a:avLst/>
@@ -4892,26 +4481,15 @@
           <a:lstStyle/>
           <a:p>
             <a:r>
-              <a:rPr lang="ja-JP" altLang="en-US" sz="5400" dirty="0">
-                <a:ln w="12700">
+              <a:rPr kumimoji="1" lang="ja-JP" altLang="en-US" sz="2400" b="1" dirty="0">
+                <a:ln w="3175">
                   <a:solidFill>
-                    <a:schemeClr val="bg1"/>
+                    <a:schemeClr val="tx1"/>
                   </a:solidFill>
                 </a:ln>
-                <a:gradFill>
-                  <a:gsLst>
-                    <a:gs pos="0">
-                      <a:schemeClr val="accent5"/>
-                    </a:gs>
-                    <a:gs pos="100000">
-                      <a:schemeClr val="accent5">
-                        <a:lumMod val="40000"/>
-                        <a:lumOff val="60000"/>
-                      </a:schemeClr>
-                    </a:gs>
-                  </a:gsLst>
-                  <a:lin ang="5400000" scaled="1"/>
-                </a:gradFill>
+                <a:solidFill>
+                  <a:schemeClr val="bg1"/>
+                </a:solidFill>
                 <a:effectLst>
                   <a:glow rad="177800">
                     <a:schemeClr val="bg1">
@@ -4919,32 +4497,21 @@
                     </a:schemeClr>
                   </a:glow>
                 </a:effectLst>
-                <a:latin typeface="851チカラヅヨク-かなB" panose="02000600000000000000" pitchFamily="2" charset="-128"/>
-                <a:ea typeface="851チカラヅヨク-かなB" panose="02000600000000000000" pitchFamily="2" charset="-128"/>
+                <a:latin typeface="HGP行書体" panose="03000600000000000000" pitchFamily="66" charset="-128"/>
+                <a:ea typeface="HGP行書体" panose="03000600000000000000" pitchFamily="66" charset="-128"/>
               </a:rPr>
-              <a:t>合体忍術</a:t>
-            </a:r>
-            <a:r>
-              <a:rPr lang="en-US" altLang="ja-JP" sz="5400" dirty="0">
-                <a:ln w="12700">
+              <a:t>汝、</a:t>
+            </a:r>
+            <a:r>
+              <a:rPr kumimoji="1" lang="ja-JP" altLang="en-US" sz="3600" b="1" dirty="0">
+                <a:ln w="3175">
                   <a:solidFill>
-                    <a:schemeClr val="bg1"/>
+                    <a:schemeClr val="tx1"/>
                   </a:solidFill>
                 </a:ln>
-                <a:gradFill>
-                  <a:gsLst>
-                    <a:gs pos="0">
-                      <a:schemeClr val="accent5"/>
-                    </a:gs>
-                    <a:gs pos="100000">
-                      <a:schemeClr val="accent5">
-                        <a:lumMod val="40000"/>
-                        <a:lumOff val="60000"/>
-                      </a:schemeClr>
-                    </a:gs>
-                  </a:gsLst>
-                  <a:lin ang="5400000" scaled="1"/>
-                </a:gradFill>
+                <a:solidFill>
+                  <a:schemeClr val="bg1"/>
+                </a:solidFill>
                 <a:effectLst>
                   <a:glow rad="177800">
                     <a:schemeClr val="bg1">
@@ -4952,32 +4519,21 @@
                     </a:schemeClr>
                   </a:glow>
                 </a:effectLst>
-                <a:latin typeface="851チカラヅヨク-かなB" panose="02000600000000000000" pitchFamily="2" charset="-128"/>
-                <a:ea typeface="851チカラヅヨク-かなB" panose="02000600000000000000" pitchFamily="2" charset="-128"/>
+                <a:latin typeface="HGP行書体" panose="03000600000000000000" pitchFamily="66" charset="-128"/>
+                <a:ea typeface="HGP行書体" panose="03000600000000000000" pitchFamily="66" charset="-128"/>
               </a:rPr>
-              <a:t>!</a:t>
-            </a:r>
-            <a:r>
-              <a:rPr lang="ja-JP" altLang="en-US" sz="5400" dirty="0">
-                <a:ln w="12700">
+              <a:t>裏切りの抜け忍</a:t>
+            </a:r>
+            <a:r>
+              <a:rPr kumimoji="1" lang="ja-JP" altLang="en-US" sz="2400" b="1" dirty="0">
+                <a:ln w="3175">
                   <a:solidFill>
-                    <a:schemeClr val="bg1"/>
+                    <a:schemeClr val="tx1"/>
                   </a:solidFill>
                 </a:ln>
-                <a:gradFill>
-                  <a:gsLst>
-                    <a:gs pos="0">
-                      <a:schemeClr val="accent5"/>
-                    </a:gs>
-                    <a:gs pos="100000">
-                      <a:schemeClr val="accent5">
-                        <a:lumMod val="40000"/>
-                        <a:lumOff val="60000"/>
-                      </a:schemeClr>
-                    </a:gs>
-                  </a:gsLst>
-                  <a:lin ang="5400000" scaled="1"/>
-                </a:gradFill>
+                <a:solidFill>
+                  <a:schemeClr val="bg1"/>
+                </a:solidFill>
                 <a:effectLst>
                   <a:glow rad="177800">
                     <a:schemeClr val="bg1">
@@ -4985,32 +4541,21 @@
                     </a:schemeClr>
                   </a:glow>
                 </a:effectLst>
-                <a:latin typeface="851チカラヅヨク-かなB" panose="02000600000000000000" pitchFamily="2" charset="-128"/>
-                <a:ea typeface="851チカラヅヨク-かなB" panose="02000600000000000000" pitchFamily="2" charset="-128"/>
+                <a:latin typeface="HGP行書体" panose="03000600000000000000" pitchFamily="66" charset="-128"/>
+                <a:ea typeface="HGP行書体" panose="03000600000000000000" pitchFamily="66" charset="-128"/>
               </a:rPr>
-              <a:t>忍々クラフト</a:t>
-            </a:r>
-            <a:r>
-              <a:rPr lang="en-US" altLang="ja-JP" sz="5400" dirty="0">
-                <a:ln w="12700">
+              <a:t>にござる</a:t>
+            </a:r>
+            <a:r>
+              <a:rPr kumimoji="1" lang="en-US" altLang="ja-JP" sz="2400" b="1" dirty="0">
+                <a:ln w="3175">
                   <a:solidFill>
-                    <a:schemeClr val="bg1"/>
+                    <a:schemeClr val="tx1"/>
                   </a:solidFill>
                 </a:ln>
-                <a:gradFill>
-                  <a:gsLst>
-                    <a:gs pos="0">
-                      <a:schemeClr val="accent5"/>
-                    </a:gs>
-                    <a:gs pos="100000">
-                      <a:schemeClr val="accent5">
-                        <a:lumMod val="40000"/>
-                        <a:lumOff val="60000"/>
-                      </a:schemeClr>
-                    </a:gs>
-                  </a:gsLst>
-                  <a:lin ang="5400000" scaled="1"/>
-                </a:gradFill>
+                <a:solidFill>
+                  <a:schemeClr val="bg1"/>
+                </a:solidFill>
                 <a:effectLst>
                   <a:glow rad="177800">
                     <a:schemeClr val="bg1">
@@ -5018,113 +4563,39 @@
                     </a:schemeClr>
                   </a:glow>
                 </a:effectLst>
-                <a:latin typeface="851チカラヅヨク-かなB" panose="02000600000000000000" pitchFamily="2" charset="-128"/>
-                <a:ea typeface="851チカラヅヨク-かなB" panose="02000600000000000000" pitchFamily="2" charset="-128"/>
+                <a:latin typeface="HGP行書体" panose="03000600000000000000" pitchFamily="66" charset="-128"/>
+                <a:ea typeface="HGP行書体" panose="03000600000000000000" pitchFamily="66" charset="-128"/>
               </a:rPr>
-              <a:t>!!</a:t>
-            </a:r>
-          </a:p>
-        </p:txBody>
-      </p:sp>
-      <p:grpSp>
-        <p:nvGrpSpPr>
-          <p:cNvPr id="27" name="グループ化 26">
-            <a:extLst>
-              <a:ext uri="{FF2B5EF4-FFF2-40B4-BE49-F238E27FC236}">
-                <a16:creationId xmlns:a16="http://schemas.microsoft.com/office/drawing/2014/main" id="{CF061A8D-E496-4A96-C2D4-61C1444C0DCB}"/>
-              </a:ext>
-            </a:extLst>
-          </p:cNvPr>
-          <p:cNvGrpSpPr/>
-          <p:nvPr/>
-        </p:nvGrpSpPr>
-        <p:grpSpPr>
-          <a:xfrm>
-            <a:off x="8434064" y="720538"/>
-            <a:ext cx="3193459" cy="1895683"/>
-            <a:chOff x="-149780" y="2261643"/>
-            <a:chExt cx="3193459" cy="1895683"/>
-          </a:xfrm>
-        </p:grpSpPr>
-        <p:pic>
-          <p:nvPicPr>
-            <p:cNvPr id="23" name="図 22" descr="テーブル, 家具, コーヒーテーブル, 部屋 が含まれている画像&#10;&#10;自動的に生成された説明">
-              <a:extLst>
-                <a:ext uri="{FF2B5EF4-FFF2-40B4-BE49-F238E27FC236}">
-                  <a16:creationId xmlns:a16="http://schemas.microsoft.com/office/drawing/2014/main" id="{8DDE7748-61D1-FF7E-40A0-1017DCDE9CA5}"/>
-                </a:ext>
-              </a:extLst>
-            </p:cNvPr>
-            <p:cNvPicPr>
-              <a:picLocks noChangeAspect="1"/>
-            </p:cNvPicPr>
-            <p:nvPr/>
-          </p:nvPicPr>
-          <p:blipFill>
-            <a:blip r:embed="rId10">
-              <a:extLst>
-                <a:ext uri="{28A0092B-C50C-407E-A947-70E740481C1C}">
-                  <a14:useLocalDpi xmlns:a14="http://schemas.microsoft.com/office/drawing/2010/main" val="0"/>
-                </a:ext>
-              </a:extLst>
-            </a:blip>
-            <a:stretch>
-              <a:fillRect/>
-            </a:stretch>
-          </p:blipFill>
-          <p:spPr>
-            <a:xfrm>
-              <a:off x="562139" y="2934162"/>
-              <a:ext cx="2481540" cy="1223164"/>
-            </a:xfrm>
-            <a:prstGeom prst="rect">
-              <a:avLst/>
-            </a:prstGeom>
-          </p:spPr>
-        </p:pic>
-        <p:pic>
-          <p:nvPicPr>
-            <p:cNvPr id="26" name="図 25" descr="図形&#10;&#10;低い精度で自動的に生成された説明">
-              <a:extLst>
-                <a:ext uri="{FF2B5EF4-FFF2-40B4-BE49-F238E27FC236}">
-                  <a16:creationId xmlns:a16="http://schemas.microsoft.com/office/drawing/2014/main" id="{F4614F8A-A805-EC69-9DF5-E6CD3ABF702E}"/>
-                </a:ext>
-              </a:extLst>
-            </p:cNvPr>
-            <p:cNvPicPr>
-              <a:picLocks noChangeAspect="1"/>
-            </p:cNvPicPr>
-            <p:nvPr/>
-          </p:nvPicPr>
-          <p:blipFill>
-            <a:blip r:embed="rId11">
-              <a:extLst>
-                <a:ext uri="{28A0092B-C50C-407E-A947-70E740481C1C}">
-                  <a14:useLocalDpi xmlns:a14="http://schemas.microsoft.com/office/drawing/2010/main" val="0"/>
-                </a:ext>
-              </a:extLst>
-            </a:blip>
-            <a:stretch>
-              <a:fillRect/>
-            </a:stretch>
-          </p:blipFill>
-          <p:spPr>
-            <a:xfrm>
-              <a:off x="-149780" y="2261643"/>
-              <a:ext cx="2660646" cy="1884186"/>
-            </a:xfrm>
-            <a:prstGeom prst="rect">
-              <a:avLst/>
-            </a:prstGeom>
-          </p:spPr>
-        </p:pic>
-      </p:grpSp>
-      <p:sp>
-        <p:nvSpPr>
-          <p:cNvPr id="39" name="テキスト ボックス 38">
-            <a:extLst>
-              <a:ext uri="{FF2B5EF4-FFF2-40B4-BE49-F238E27FC236}">
-                <a16:creationId xmlns:a16="http://schemas.microsoft.com/office/drawing/2014/main" id="{21D6BAA4-5A27-2AA5-1A40-7E56A6A44424}"/>
+              <a:t>…</a:t>
+            </a:r>
+            <a:endParaRPr kumimoji="1" lang="ja-JP" altLang="en-US" sz="2400" b="1" dirty="0">
+              <a:ln w="3175">
+                <a:solidFill>
+                  <a:schemeClr val="tx1"/>
+                </a:solidFill>
+              </a:ln>
+              <a:solidFill>
+                <a:schemeClr val="bg1"/>
+              </a:solidFill>
+              <a:effectLst>
+                <a:glow rad="177800">
+                  <a:schemeClr val="bg1">
+                    <a:alpha val="70000"/>
+                  </a:schemeClr>
+                </a:glow>
+              </a:effectLst>
+              <a:latin typeface="HGP行書体" panose="03000600000000000000" pitchFamily="66" charset="-128"/>
+              <a:ea typeface="HGP行書体" panose="03000600000000000000" pitchFamily="66" charset="-128"/>
+            </a:endParaRPr>
+          </a:p>
+        </p:txBody>
+      </p:sp>
+      <p:sp>
+        <p:nvSpPr>
+          <p:cNvPr id="55" name="テキスト ボックス 54">
+            <a:extLst>
+              <a:ext uri="{FF2B5EF4-FFF2-40B4-BE49-F238E27FC236}">
+                <a16:creationId xmlns:a16="http://schemas.microsoft.com/office/drawing/2014/main" id="{2B57EE00-466A-1CA7-9FA4-3029EBE33508}"/>
               </a:ext>
             </a:extLst>
           </p:cNvPr>
@@ -5132,9 +4603,9 @@
           <p:nvPr/>
         </p:nvSpPr>
         <p:spPr>
-          <a:xfrm>
-            <a:off x="831350" y="3673758"/>
-            <a:ext cx="3060453" cy="646331"/>
+          <a:xfrm rot="388970">
+            <a:off x="5060514" y="4974376"/>
+            <a:ext cx="3906839" cy="400110"/>
           </a:xfrm>
           <a:prstGeom prst="rect">
             <a:avLst/>
@@ -5148,1050 +4619,15 @@
           <a:lstStyle/>
           <a:p>
             <a:r>
-              <a:rPr lang="ja-JP" altLang="en-US" sz="3600" dirty="0">
-                <a:ln>
+              <a:rPr lang="ja-JP" altLang="en-US" sz="2000" b="1" dirty="0">
+                <a:ln w="3175">
                   <a:solidFill>
-                    <a:schemeClr val="bg1"/>
+                    <a:schemeClr val="tx1"/>
                   </a:solidFill>
                 </a:ln>
-                <a:gradFill>
-                  <a:gsLst>
-                    <a:gs pos="0">
-                      <a:schemeClr val="accent4">
-                        <a:lumMod val="50000"/>
-                      </a:schemeClr>
-                    </a:gs>
-                    <a:gs pos="100000">
-                      <a:schemeClr val="accent4">
-                        <a:lumMod val="60000"/>
-                        <a:lumOff val="40000"/>
-                      </a:schemeClr>
-                    </a:gs>
-                  </a:gsLst>
-                  <a:lin ang="5400000" scaled="1"/>
-                </a:gradFill>
-                <a:effectLst>
-                  <a:glow rad="190500">
-                    <a:schemeClr val="bg1">
-                      <a:alpha val="70000"/>
-                    </a:schemeClr>
-                  </a:glow>
-                </a:effectLst>
-                <a:latin typeface="851チカラヅヨク-かなB" panose="02000600000000000000" pitchFamily="2" charset="-128"/>
-                <a:ea typeface="851チカラヅヨク-かなB" panose="02000600000000000000" pitchFamily="2" charset="-128"/>
-              </a:rPr>
-              <a:t>水遁</a:t>
-            </a:r>
-            <a:r>
-              <a:rPr lang="ja-JP" altLang="en-US" sz="3200" dirty="0">
-                <a:ln>
-                  <a:solidFill>
-                    <a:schemeClr val="bg1"/>
-                  </a:solidFill>
-                </a:ln>
-                <a:gradFill>
-                  <a:gsLst>
-                    <a:gs pos="0">
-                      <a:schemeClr val="accent5"/>
-                    </a:gs>
-                    <a:gs pos="100000">
-                      <a:schemeClr val="accent5">
-                        <a:lumMod val="60000"/>
-                        <a:lumOff val="40000"/>
-                      </a:schemeClr>
-                    </a:gs>
-                  </a:gsLst>
-                  <a:lin ang="5400000" scaled="1"/>
-                </a:gradFill>
-                <a:effectLst>
-                  <a:glow rad="190500">
-                    <a:schemeClr val="bg1">
-                      <a:alpha val="70000"/>
-                    </a:schemeClr>
-                  </a:glow>
-                </a:effectLst>
-                <a:latin typeface="851チカラヅヨク-かなB" panose="02000600000000000000" pitchFamily="2" charset="-128"/>
-                <a:ea typeface="851チカラヅヨク-かなB" panose="02000600000000000000" pitchFamily="2" charset="-128"/>
-              </a:rPr>
-              <a:t>と</a:t>
-            </a:r>
-            <a:r>
-              <a:rPr lang="ja-JP" altLang="en-US" sz="3600" dirty="0">
-                <a:ln>
-                  <a:solidFill>
-                    <a:schemeClr val="bg1"/>
-                  </a:solidFill>
-                </a:ln>
-                <a:gradFill>
-                  <a:gsLst>
-                    <a:gs pos="0">
-                      <a:schemeClr val="accent6">
-                        <a:lumMod val="50000"/>
-                      </a:schemeClr>
-                    </a:gs>
-                    <a:gs pos="100000">
-                      <a:schemeClr val="accent6">
-                        <a:lumMod val="60000"/>
-                        <a:lumOff val="40000"/>
-                      </a:schemeClr>
-                    </a:gs>
-                  </a:gsLst>
-                  <a:lin ang="5400000" scaled="1"/>
-                </a:gradFill>
-                <a:effectLst>
-                  <a:glow rad="190500">
-                    <a:schemeClr val="bg1">
-                      <a:alpha val="70000"/>
-                    </a:schemeClr>
-                  </a:glow>
-                </a:effectLst>
-                <a:latin typeface="851チカラヅヨク-かなB" panose="02000600000000000000" pitchFamily="2" charset="-128"/>
-                <a:ea typeface="851チカラヅヨク-かなB" panose="02000600000000000000" pitchFamily="2" charset="-128"/>
-              </a:rPr>
-              <a:t>風遁</a:t>
-            </a:r>
-            <a:r>
-              <a:rPr kumimoji="1" lang="ja-JP" altLang="en-US" sz="3200" dirty="0">
-                <a:ln>
-                  <a:solidFill>
-                    <a:schemeClr val="bg1"/>
-                  </a:solidFill>
-                </a:ln>
-                <a:gradFill>
-                  <a:gsLst>
-                    <a:gs pos="0">
-                      <a:schemeClr val="accent5"/>
-                    </a:gs>
-                    <a:gs pos="100000">
-                      <a:schemeClr val="accent5">
-                        <a:lumMod val="60000"/>
-                        <a:lumOff val="40000"/>
-                      </a:schemeClr>
-                    </a:gs>
-                  </a:gsLst>
-                  <a:lin ang="5400000" scaled="1"/>
-                </a:gradFill>
-                <a:effectLst>
-                  <a:glow rad="190500">
-                    <a:schemeClr val="bg1">
-                      <a:alpha val="70000"/>
-                    </a:schemeClr>
-                  </a:glow>
-                </a:effectLst>
-                <a:latin typeface="851チカラヅヨク-かなB" panose="02000600000000000000" pitchFamily="2" charset="-128"/>
-                <a:ea typeface="851チカラヅヨク-かなB" panose="02000600000000000000" pitchFamily="2" charset="-128"/>
-              </a:rPr>
-              <a:t>で</a:t>
-            </a:r>
-            <a:r>
-              <a:rPr kumimoji="1" lang="en-US" altLang="ja-JP" sz="3200" dirty="0">
-                <a:ln>
-                  <a:solidFill>
-                    <a:schemeClr val="bg1"/>
-                  </a:solidFill>
-                </a:ln>
-                <a:gradFill>
-                  <a:gsLst>
-                    <a:gs pos="0">
-                      <a:schemeClr val="accent5"/>
-                    </a:gs>
-                    <a:gs pos="100000">
-                      <a:schemeClr val="accent5">
-                        <a:lumMod val="60000"/>
-                        <a:lumOff val="40000"/>
-                      </a:schemeClr>
-                    </a:gs>
-                  </a:gsLst>
-                  <a:lin ang="5400000" scaled="1"/>
-                </a:gradFill>
-                <a:effectLst>
-                  <a:glow rad="190500">
-                    <a:schemeClr val="bg1">
-                      <a:alpha val="70000"/>
-                    </a:schemeClr>
-                  </a:glow>
-                </a:effectLst>
-                <a:latin typeface="851チカラヅヨク-かなB" panose="02000600000000000000" pitchFamily="2" charset="-128"/>
-                <a:ea typeface="851チカラヅヨク-かなB" panose="02000600000000000000" pitchFamily="2" charset="-128"/>
-              </a:rPr>
-              <a:t>…</a:t>
-            </a:r>
-            <a:endParaRPr kumimoji="1" lang="ja-JP" altLang="en-US" sz="4400" dirty="0">
-              <a:ln>
                 <a:solidFill>
                   <a:schemeClr val="bg1"/>
                 </a:solidFill>
-              </a:ln>
-              <a:gradFill>
-                <a:gsLst>
-                  <a:gs pos="0">
-                    <a:srgbClr val="DA0000"/>
-                  </a:gs>
-                  <a:gs pos="100000">
-                    <a:schemeClr val="accent6">
-                      <a:lumMod val="75000"/>
-                    </a:schemeClr>
-                  </a:gs>
-                </a:gsLst>
-                <a:lin ang="5400000" scaled="1"/>
-              </a:gradFill>
-              <a:effectLst>
-                <a:glow rad="190500">
-                  <a:schemeClr val="bg1">
-                    <a:alpha val="70000"/>
-                  </a:schemeClr>
-                </a:glow>
-              </a:effectLst>
-              <a:latin typeface="851チカラヅヨク-かなB" panose="02000600000000000000" pitchFamily="2" charset="-128"/>
-              <a:ea typeface="851チカラヅヨク-かなB" panose="02000600000000000000" pitchFamily="2" charset="-128"/>
-            </a:endParaRPr>
-          </a:p>
-        </p:txBody>
-      </p:sp>
-      <p:sp>
-        <p:nvSpPr>
-          <p:cNvPr id="21" name="テキスト ボックス 20">
-            <a:extLst>
-              <a:ext uri="{FF2B5EF4-FFF2-40B4-BE49-F238E27FC236}">
-                <a16:creationId xmlns:a16="http://schemas.microsoft.com/office/drawing/2014/main" id="{03F57275-E98E-15EE-05D7-37EFE69D2079}"/>
-              </a:ext>
-            </a:extLst>
-          </p:cNvPr>
-          <p:cNvSpPr txBox="1"/>
-          <p:nvPr/>
-        </p:nvSpPr>
-        <p:spPr>
-          <a:xfrm rot="21366376">
-            <a:off x="2524997" y="1305514"/>
-            <a:ext cx="9788257" cy="707886"/>
-          </a:xfrm>
-          <a:prstGeom prst="rect">
-            <a:avLst/>
-          </a:prstGeom>
-          <a:noFill/>
-        </p:spPr>
-        <p:txBody>
-          <a:bodyPr wrap="none" rtlCol="0">
-            <a:spAutoFit/>
-          </a:bodyPr>
-          <a:lstStyle/>
-          <a:p>
-            <a:r>
-              <a:rPr lang="ja-JP" altLang="en-US" sz="3200" dirty="0">
-                <a:ln w="12700">
-                  <a:solidFill>
-                    <a:schemeClr val="bg1"/>
-                  </a:solidFill>
-                </a:ln>
-                <a:gradFill>
-                  <a:gsLst>
-                    <a:gs pos="0">
-                      <a:schemeClr val="accent5"/>
-                    </a:gs>
-                    <a:gs pos="100000">
-                      <a:schemeClr val="accent5">
-                        <a:lumMod val="40000"/>
-                        <a:lumOff val="60000"/>
-                      </a:schemeClr>
-                    </a:gs>
-                  </a:gsLst>
-                  <a:lin ang="5400000" scaled="1"/>
-                </a:gradFill>
-                <a:effectLst>
-                  <a:glow rad="139700">
-                    <a:schemeClr val="bg1">
-                      <a:alpha val="40000"/>
-                    </a:schemeClr>
-                  </a:glow>
-                </a:effectLst>
-                <a:latin typeface="851チカラヅヨク-かなB" panose="02000600000000000000" pitchFamily="2" charset="-128"/>
-                <a:ea typeface="851チカラヅヨク-かなB" panose="02000600000000000000" pitchFamily="2" charset="-128"/>
-              </a:rPr>
-              <a:t>忍術を</a:t>
-            </a:r>
-            <a:r>
-              <a:rPr lang="ja-JP" altLang="en-US" sz="4000" dirty="0">
-                <a:ln w="12700">
-                  <a:solidFill>
-                    <a:schemeClr val="bg1"/>
-                  </a:solidFill>
-                </a:ln>
-                <a:gradFill>
-                  <a:gsLst>
-                    <a:gs pos="0">
-                      <a:schemeClr val="accent5"/>
-                    </a:gs>
-                    <a:gs pos="100000">
-                      <a:schemeClr val="accent5">
-                        <a:lumMod val="60000"/>
-                        <a:lumOff val="40000"/>
-                      </a:schemeClr>
-                    </a:gs>
-                  </a:gsLst>
-                  <a:lin ang="5400000" scaled="1"/>
-                </a:gradFill>
-                <a:effectLst>
-                  <a:glow rad="139700">
-                    <a:schemeClr val="bg1">
-                      <a:alpha val="40000"/>
-                    </a:schemeClr>
-                  </a:glow>
-                </a:effectLst>
-                <a:latin typeface="851チカラヅヨク-かなB" panose="02000600000000000000" pitchFamily="2" charset="-128"/>
-                <a:ea typeface="851チカラヅヨク-かなB" panose="02000600000000000000" pitchFamily="2" charset="-128"/>
-              </a:rPr>
-              <a:t>掛け合わせ</a:t>
-            </a:r>
-            <a:r>
-              <a:rPr lang="ja-JP" altLang="en-US" sz="3200" dirty="0">
-                <a:ln w="12700">
-                  <a:solidFill>
-                    <a:schemeClr val="bg1"/>
-                  </a:solidFill>
-                </a:ln>
-                <a:gradFill>
-                  <a:gsLst>
-                    <a:gs pos="0">
-                      <a:schemeClr val="accent5"/>
-                    </a:gs>
-                    <a:gs pos="100000">
-                      <a:schemeClr val="accent5">
-                        <a:lumMod val="40000"/>
-                        <a:lumOff val="60000"/>
-                      </a:schemeClr>
-                    </a:gs>
-                  </a:gsLst>
-                  <a:lin ang="5400000" scaled="1"/>
-                </a:gradFill>
-                <a:effectLst>
-                  <a:glow rad="139700">
-                    <a:schemeClr val="bg1">
-                      <a:alpha val="40000"/>
-                    </a:schemeClr>
-                  </a:glow>
-                </a:effectLst>
-                <a:latin typeface="851チカラヅヨク-かなB" panose="02000600000000000000" pitchFamily="2" charset="-128"/>
-                <a:ea typeface="851チカラヅヨク-かなB" panose="02000600000000000000" pitchFamily="2" charset="-128"/>
-              </a:rPr>
-              <a:t>ながら</a:t>
-            </a:r>
-            <a:r>
-              <a:rPr lang="ja-JP" altLang="en-US" sz="4000" dirty="0">
-                <a:ln w="12700">
-                  <a:solidFill>
-                    <a:schemeClr val="bg1"/>
-                  </a:solidFill>
-                </a:ln>
-                <a:gradFill>
-                  <a:gsLst>
-                    <a:gs pos="0">
-                      <a:schemeClr val="accent5"/>
-                    </a:gs>
-                    <a:gs pos="100000">
-                      <a:schemeClr val="accent5">
-                        <a:lumMod val="60000"/>
-                        <a:lumOff val="40000"/>
-                      </a:schemeClr>
-                    </a:gs>
-                  </a:gsLst>
-                  <a:lin ang="5400000" scaled="1"/>
-                </a:gradFill>
-                <a:effectLst>
-                  <a:glow rad="139700">
-                    <a:schemeClr val="bg1">
-                      <a:alpha val="40000"/>
-                    </a:schemeClr>
-                  </a:glow>
-                </a:effectLst>
-                <a:latin typeface="851チカラヅヨク-かなB" panose="02000600000000000000" pitchFamily="2" charset="-128"/>
-                <a:ea typeface="851チカラヅヨク-かなB" panose="02000600000000000000" pitchFamily="2" charset="-128"/>
-              </a:rPr>
-              <a:t>ボスを目指して</a:t>
-            </a:r>
-            <a:r>
-              <a:rPr lang="ja-JP" altLang="en-US" sz="3200" dirty="0">
-                <a:ln w="12700">
-                  <a:solidFill>
-                    <a:schemeClr val="bg1"/>
-                  </a:solidFill>
-                </a:ln>
-                <a:gradFill>
-                  <a:gsLst>
-                    <a:gs pos="0">
-                      <a:schemeClr val="accent5"/>
-                    </a:gs>
-                    <a:gs pos="100000">
-                      <a:schemeClr val="accent5">
-                        <a:lumMod val="40000"/>
-                        <a:lumOff val="60000"/>
-                      </a:schemeClr>
-                    </a:gs>
-                  </a:gsLst>
-                  <a:lin ang="5400000" scaled="1"/>
-                </a:gradFill>
-                <a:effectLst>
-                  <a:glow rad="139700">
-                    <a:schemeClr val="bg1">
-                      <a:alpha val="40000"/>
-                    </a:schemeClr>
-                  </a:glow>
-                </a:effectLst>
-                <a:latin typeface="851チカラヅヨク-かなB" panose="02000600000000000000" pitchFamily="2" charset="-128"/>
-                <a:ea typeface="851チカラヅヨク-かなB" panose="02000600000000000000" pitchFamily="2" charset="-128"/>
-              </a:rPr>
-              <a:t>進むでござる</a:t>
-            </a:r>
-            <a:r>
-              <a:rPr lang="en-US" altLang="ja-JP" sz="3200" dirty="0">
-                <a:ln w="12700">
-                  <a:solidFill>
-                    <a:schemeClr val="bg1"/>
-                  </a:solidFill>
-                </a:ln>
-                <a:gradFill>
-                  <a:gsLst>
-                    <a:gs pos="0">
-                      <a:schemeClr val="accent5"/>
-                    </a:gs>
-                    <a:gs pos="100000">
-                      <a:schemeClr val="accent5">
-                        <a:lumMod val="40000"/>
-                        <a:lumOff val="60000"/>
-                      </a:schemeClr>
-                    </a:gs>
-                  </a:gsLst>
-                  <a:lin ang="5400000" scaled="1"/>
-                </a:gradFill>
-                <a:effectLst>
-                  <a:glow rad="139700">
-                    <a:schemeClr val="bg1">
-                      <a:alpha val="40000"/>
-                    </a:schemeClr>
-                  </a:glow>
-                </a:effectLst>
-                <a:latin typeface="851チカラヅヨク-かなB" panose="02000600000000000000" pitchFamily="2" charset="-128"/>
-                <a:ea typeface="851チカラヅヨク-かなB" panose="02000600000000000000" pitchFamily="2" charset="-128"/>
-              </a:rPr>
-              <a:t>!!</a:t>
-            </a:r>
-          </a:p>
-        </p:txBody>
-      </p:sp>
-      <p:sp>
-        <p:nvSpPr>
-          <p:cNvPr id="40" name="テキスト ボックス 39">
-            <a:extLst>
-              <a:ext uri="{FF2B5EF4-FFF2-40B4-BE49-F238E27FC236}">
-                <a16:creationId xmlns:a16="http://schemas.microsoft.com/office/drawing/2014/main" id="{08DADB98-4A17-563D-6062-81C62EFA7E9F}"/>
-              </a:ext>
-            </a:extLst>
-          </p:cNvPr>
-          <p:cNvSpPr txBox="1"/>
-          <p:nvPr/>
-        </p:nvSpPr>
-        <p:spPr>
-          <a:xfrm rot="21126658">
-            <a:off x="7030" y="1622181"/>
-            <a:ext cx="2691763" cy="646331"/>
-          </a:xfrm>
-          <a:prstGeom prst="rect">
-            <a:avLst/>
-          </a:prstGeom>
-          <a:noFill/>
-        </p:spPr>
-        <p:txBody>
-          <a:bodyPr wrap="none" rtlCol="0">
-            <a:spAutoFit/>
-          </a:bodyPr>
-          <a:lstStyle/>
-          <a:p>
-            <a:r>
-              <a:rPr lang="ja-JP" altLang="en-US" sz="3600" dirty="0">
-                <a:ln w="3175">
-                  <a:solidFill>
-                    <a:schemeClr val="bg1"/>
-                  </a:solidFill>
-                </a:ln>
-                <a:gradFill>
-                  <a:gsLst>
-                    <a:gs pos="0">
-                      <a:schemeClr val="accent5"/>
-                    </a:gs>
-                    <a:gs pos="100000">
-                      <a:schemeClr val="accent5">
-                        <a:lumMod val="40000"/>
-                        <a:lumOff val="60000"/>
-                      </a:schemeClr>
-                    </a:gs>
-                  </a:gsLst>
-                  <a:lin ang="5400000" scaled="1"/>
-                </a:gradFill>
-                <a:effectLst>
-                  <a:glow rad="127000">
-                    <a:schemeClr val="bg1">
-                      <a:alpha val="60000"/>
-                    </a:schemeClr>
-                  </a:glow>
-                </a:effectLst>
-                <a:latin typeface="851チカラヅヨク-かなB" panose="02000600000000000000" pitchFamily="2" charset="-128"/>
-                <a:ea typeface="851チカラヅヨク-かなB" panose="02000600000000000000" pitchFamily="2" charset="-128"/>
-              </a:rPr>
-              <a:t>敵</a:t>
-            </a:r>
-            <a:r>
-              <a:rPr lang="ja-JP" altLang="en-US" sz="2800" dirty="0">
-                <a:ln w="3175">
-                  <a:solidFill>
-                    <a:schemeClr val="bg1"/>
-                  </a:solidFill>
-                </a:ln>
-                <a:gradFill>
-                  <a:gsLst>
-                    <a:gs pos="0">
-                      <a:schemeClr val="accent5"/>
-                    </a:gs>
-                    <a:gs pos="100000">
-                      <a:schemeClr val="accent5">
-                        <a:lumMod val="40000"/>
-                        <a:lumOff val="60000"/>
-                      </a:schemeClr>
-                    </a:gs>
-                  </a:gsLst>
-                  <a:lin ang="5400000" scaled="1"/>
-                </a:gradFill>
-                <a:effectLst>
-                  <a:glow rad="127000">
-                    <a:schemeClr val="bg1">
-                      <a:alpha val="60000"/>
-                    </a:schemeClr>
-                  </a:glow>
-                </a:effectLst>
-                <a:latin typeface="851チカラヅヨク-かなB" panose="02000600000000000000" pitchFamily="2" charset="-128"/>
-                <a:ea typeface="851チカラヅヨク-かなB" panose="02000600000000000000" pitchFamily="2" charset="-128"/>
-              </a:rPr>
-              <a:t>が出てきたら</a:t>
-            </a:r>
-            <a:r>
-              <a:rPr lang="en-US" altLang="ja-JP" sz="2800" dirty="0">
-                <a:ln w="3175">
-                  <a:solidFill>
-                    <a:schemeClr val="bg1"/>
-                  </a:solidFill>
-                </a:ln>
-                <a:gradFill>
-                  <a:gsLst>
-                    <a:gs pos="0">
-                      <a:schemeClr val="accent5"/>
-                    </a:gs>
-                    <a:gs pos="100000">
-                      <a:schemeClr val="accent5">
-                        <a:lumMod val="40000"/>
-                        <a:lumOff val="60000"/>
-                      </a:schemeClr>
-                    </a:gs>
-                  </a:gsLst>
-                  <a:lin ang="5400000" scaled="1"/>
-                </a:gradFill>
-                <a:effectLst>
-                  <a:glow rad="127000">
-                    <a:schemeClr val="bg1">
-                      <a:alpha val="60000"/>
-                    </a:schemeClr>
-                  </a:glow>
-                </a:effectLst>
-                <a:latin typeface="851チカラヅヨク-かなB" panose="02000600000000000000" pitchFamily="2" charset="-128"/>
-                <a:ea typeface="851チカラヅヨク-かなB" panose="02000600000000000000" pitchFamily="2" charset="-128"/>
-              </a:rPr>
-              <a:t>…</a:t>
-            </a:r>
-          </a:p>
-        </p:txBody>
-      </p:sp>
-      <p:sp>
-        <p:nvSpPr>
-          <p:cNvPr id="42" name="テキスト ボックス 41">
-            <a:extLst>
-              <a:ext uri="{FF2B5EF4-FFF2-40B4-BE49-F238E27FC236}">
-                <a16:creationId xmlns:a16="http://schemas.microsoft.com/office/drawing/2014/main" id="{3F13BD2E-4880-A581-0CEC-2D331CFCFCFA}"/>
-              </a:ext>
-            </a:extLst>
-          </p:cNvPr>
-          <p:cNvSpPr txBox="1"/>
-          <p:nvPr/>
-        </p:nvSpPr>
-        <p:spPr>
-          <a:xfrm>
-            <a:off x="4024203" y="2310795"/>
-            <a:ext cx="6444393" cy="923330"/>
-          </a:xfrm>
-          <a:prstGeom prst="rect">
-            <a:avLst/>
-          </a:prstGeom>
-          <a:noFill/>
-        </p:spPr>
-        <p:txBody>
-          <a:bodyPr wrap="none" rtlCol="0">
-            <a:spAutoFit/>
-          </a:bodyPr>
-          <a:lstStyle/>
-          <a:p>
-            <a:r>
-              <a:rPr kumimoji="1" lang="ja-JP" altLang="en-US" sz="5400" dirty="0">
-                <a:ln>
-                  <a:solidFill>
-                    <a:schemeClr val="bg1"/>
-                  </a:solidFill>
-                </a:ln>
-                <a:gradFill>
-                  <a:gsLst>
-                    <a:gs pos="46000">
-                      <a:schemeClr val="accent2">
-                        <a:lumMod val="50000"/>
-                      </a:schemeClr>
-                    </a:gs>
-                    <a:gs pos="100000">
-                      <a:schemeClr val="accent1">
-                        <a:lumMod val="60000"/>
-                        <a:lumOff val="40000"/>
-                      </a:schemeClr>
-                    </a:gs>
-                  </a:gsLst>
-                  <a:lin ang="5400000" scaled="1"/>
-                </a:gradFill>
-                <a:effectLst>
-                  <a:glow rad="139700">
-                    <a:schemeClr val="bg1">
-                      <a:alpha val="85000"/>
-                    </a:schemeClr>
-                  </a:glow>
-                </a:effectLst>
-                <a:latin typeface="851チカラヅヨク-かなB" panose="02000600000000000000" pitchFamily="2" charset="-128"/>
-                <a:ea typeface="851チカラヅヨク-かなB" panose="02000600000000000000" pitchFamily="2" charset="-128"/>
-              </a:rPr>
-              <a:t>泥遁の術</a:t>
-            </a:r>
-            <a:r>
-              <a:rPr lang="ja-JP" altLang="en-US" sz="5400" dirty="0">
-                <a:ln>
-                  <a:solidFill>
-                    <a:schemeClr val="bg1"/>
-                  </a:solidFill>
-                </a:ln>
-                <a:gradFill>
-                  <a:gsLst>
-                    <a:gs pos="46000">
-                      <a:schemeClr val="accent2">
-                        <a:lumMod val="50000"/>
-                      </a:schemeClr>
-                    </a:gs>
-                    <a:gs pos="100000">
-                      <a:schemeClr val="accent1">
-                        <a:lumMod val="60000"/>
-                        <a:lumOff val="40000"/>
-                      </a:schemeClr>
-                    </a:gs>
-                  </a:gsLst>
-                  <a:lin ang="5400000" scaled="1"/>
-                </a:gradFill>
-                <a:effectLst>
-                  <a:glow rad="139700">
-                    <a:schemeClr val="bg1">
-                      <a:alpha val="85000"/>
-                    </a:schemeClr>
-                  </a:glow>
-                </a:effectLst>
-                <a:latin typeface="851チカラヅヨク-かなB" panose="02000600000000000000" pitchFamily="2" charset="-128"/>
-                <a:ea typeface="851チカラヅヨク-かなB" panose="02000600000000000000" pitchFamily="2" charset="-128"/>
-              </a:rPr>
-              <a:t>で生き埋め</a:t>
-            </a:r>
-            <a:r>
-              <a:rPr kumimoji="1" lang="en-US" altLang="ja-JP" sz="5400" dirty="0">
-                <a:ln>
-                  <a:solidFill>
-                    <a:schemeClr val="bg1"/>
-                  </a:solidFill>
-                </a:ln>
-                <a:gradFill>
-                  <a:gsLst>
-                    <a:gs pos="46000">
-                      <a:schemeClr val="accent2">
-                        <a:lumMod val="50000"/>
-                      </a:schemeClr>
-                    </a:gs>
-                    <a:gs pos="100000">
-                      <a:schemeClr val="accent1">
-                        <a:lumMod val="60000"/>
-                        <a:lumOff val="40000"/>
-                      </a:schemeClr>
-                    </a:gs>
-                  </a:gsLst>
-                  <a:lin ang="5400000" scaled="1"/>
-                </a:gradFill>
-                <a:effectLst>
-                  <a:glow rad="139700">
-                    <a:schemeClr val="bg1">
-                      <a:alpha val="85000"/>
-                    </a:schemeClr>
-                  </a:glow>
-                </a:effectLst>
-                <a:latin typeface="851チカラヅヨク-かなB" panose="02000600000000000000" pitchFamily="2" charset="-128"/>
-                <a:ea typeface="851チカラヅヨク-かなB" panose="02000600000000000000" pitchFamily="2" charset="-128"/>
-              </a:rPr>
-              <a:t>!!</a:t>
-            </a:r>
-            <a:endParaRPr kumimoji="1" lang="ja-JP" altLang="en-US" sz="5400" dirty="0">
-              <a:effectLst>
-                <a:glow rad="139700">
-                  <a:schemeClr val="bg1">
-                    <a:alpha val="85000"/>
-                  </a:schemeClr>
-                </a:glow>
-              </a:effectLst>
-            </a:endParaRPr>
-          </a:p>
-        </p:txBody>
-      </p:sp>
-      <p:sp>
-        <p:nvSpPr>
-          <p:cNvPr id="43" name="テキスト ボックス 42">
-            <a:extLst>
-              <a:ext uri="{FF2B5EF4-FFF2-40B4-BE49-F238E27FC236}">
-                <a16:creationId xmlns:a16="http://schemas.microsoft.com/office/drawing/2014/main" id="{F55AE96E-EECD-9368-CB67-40F60E9046FC}"/>
-              </a:ext>
-            </a:extLst>
-          </p:cNvPr>
-          <p:cNvSpPr txBox="1"/>
-          <p:nvPr/>
-        </p:nvSpPr>
-        <p:spPr>
-          <a:xfrm rot="21246098">
-            <a:off x="-59652" y="3075289"/>
-            <a:ext cx="5412059" cy="646331"/>
-          </a:xfrm>
-          <a:prstGeom prst="rect">
-            <a:avLst/>
-          </a:prstGeom>
-          <a:noFill/>
-        </p:spPr>
-        <p:txBody>
-          <a:bodyPr wrap="none" rtlCol="0">
-            <a:spAutoFit/>
-          </a:bodyPr>
-          <a:lstStyle/>
-          <a:p>
-            <a:r>
-              <a:rPr lang="ja-JP" altLang="en-US" sz="3600" dirty="0">
-                <a:ln w="3175">
-                  <a:solidFill>
-                    <a:schemeClr val="bg1"/>
-                  </a:solidFill>
-                </a:ln>
-                <a:gradFill>
-                  <a:gsLst>
-                    <a:gs pos="0">
-                      <a:schemeClr val="accent5"/>
-                    </a:gs>
-                    <a:gs pos="100000">
-                      <a:schemeClr val="accent5">
-                        <a:lumMod val="40000"/>
-                        <a:lumOff val="60000"/>
-                      </a:schemeClr>
-                    </a:gs>
-                  </a:gsLst>
-                  <a:lin ang="5400000" scaled="1"/>
-                </a:gradFill>
-                <a:effectLst>
-                  <a:glow rad="127000">
-                    <a:schemeClr val="bg1">
-                      <a:alpha val="60000"/>
-                    </a:schemeClr>
-                  </a:glow>
-                </a:effectLst>
-                <a:latin typeface="851チカラヅヨク-かなB" panose="02000600000000000000" pitchFamily="2" charset="-128"/>
-                <a:ea typeface="851チカラヅヨク-かなB" panose="02000600000000000000" pitchFamily="2" charset="-128"/>
-              </a:rPr>
-              <a:t>火炎で道が閉ざされた</a:t>
-            </a:r>
-            <a:r>
-              <a:rPr lang="ja-JP" altLang="en-US" sz="2800" dirty="0">
-                <a:ln w="3175">
-                  <a:solidFill>
-                    <a:schemeClr val="bg1"/>
-                  </a:solidFill>
-                </a:ln>
-                <a:gradFill>
-                  <a:gsLst>
-                    <a:gs pos="0">
-                      <a:schemeClr val="accent5"/>
-                    </a:gs>
-                    <a:gs pos="100000">
-                      <a:schemeClr val="accent5">
-                        <a:lumMod val="40000"/>
-                        <a:lumOff val="60000"/>
-                      </a:schemeClr>
-                    </a:gs>
-                  </a:gsLst>
-                  <a:lin ang="5400000" scaled="1"/>
-                </a:gradFill>
-                <a:effectLst>
-                  <a:glow rad="127000">
-                    <a:schemeClr val="bg1">
-                      <a:alpha val="60000"/>
-                    </a:schemeClr>
-                  </a:glow>
-                </a:effectLst>
-                <a:latin typeface="851チカラヅヨク-かなB" panose="02000600000000000000" pitchFamily="2" charset="-128"/>
-                <a:ea typeface="851チカラヅヨク-かなB" panose="02000600000000000000" pitchFamily="2" charset="-128"/>
-              </a:rPr>
-              <a:t>ときは</a:t>
-            </a:r>
-            <a:r>
-              <a:rPr lang="en-US" altLang="ja-JP" sz="2800" dirty="0">
-                <a:ln w="3175">
-                  <a:solidFill>
-                    <a:schemeClr val="bg1"/>
-                  </a:solidFill>
-                </a:ln>
-                <a:gradFill>
-                  <a:gsLst>
-                    <a:gs pos="0">
-                      <a:schemeClr val="accent5"/>
-                    </a:gs>
-                    <a:gs pos="100000">
-                      <a:schemeClr val="accent5">
-                        <a:lumMod val="40000"/>
-                        <a:lumOff val="60000"/>
-                      </a:schemeClr>
-                    </a:gs>
-                  </a:gsLst>
-                  <a:lin ang="5400000" scaled="1"/>
-                </a:gradFill>
-                <a:effectLst>
-                  <a:glow rad="127000">
-                    <a:schemeClr val="bg1">
-                      <a:alpha val="60000"/>
-                    </a:schemeClr>
-                  </a:glow>
-                </a:effectLst>
-                <a:latin typeface="851チカラヅヨク-かなB" panose="02000600000000000000" pitchFamily="2" charset="-128"/>
-                <a:ea typeface="851チカラヅヨク-かなB" panose="02000600000000000000" pitchFamily="2" charset="-128"/>
-              </a:rPr>
-              <a:t>…</a:t>
-            </a:r>
-          </a:p>
-        </p:txBody>
-      </p:sp>
-      <p:sp>
-        <p:nvSpPr>
-          <p:cNvPr id="44" name="テキスト ボックス 43">
-            <a:extLst>
-              <a:ext uri="{FF2B5EF4-FFF2-40B4-BE49-F238E27FC236}">
-                <a16:creationId xmlns:a16="http://schemas.microsoft.com/office/drawing/2014/main" id="{575909A2-13C4-55A4-FC37-537E7FD12E59}"/>
-              </a:ext>
-            </a:extLst>
-          </p:cNvPr>
-          <p:cNvSpPr txBox="1"/>
-          <p:nvPr/>
-        </p:nvSpPr>
-        <p:spPr>
-          <a:xfrm>
-            <a:off x="3957989" y="3850489"/>
-            <a:ext cx="5806398" cy="923330"/>
-          </a:xfrm>
-          <a:prstGeom prst="rect">
-            <a:avLst/>
-          </a:prstGeom>
-          <a:noFill/>
-        </p:spPr>
-        <p:txBody>
-          <a:bodyPr wrap="none" rtlCol="0">
-            <a:spAutoFit/>
-          </a:bodyPr>
-          <a:lstStyle/>
-          <a:p>
-            <a:r>
-              <a:rPr lang="ja-JP" altLang="en-US" sz="5400" dirty="0">
-                <a:ln>
-                  <a:solidFill>
-                    <a:schemeClr val="bg1"/>
-                  </a:solidFill>
-                </a:ln>
-                <a:gradFill>
-                  <a:gsLst>
-                    <a:gs pos="25000">
-                      <a:schemeClr val="accent4">
-                        <a:lumMod val="50000"/>
-                      </a:schemeClr>
-                    </a:gs>
-                    <a:gs pos="100000">
-                      <a:schemeClr val="accent6">
-                        <a:lumMod val="60000"/>
-                        <a:lumOff val="40000"/>
-                      </a:schemeClr>
-                    </a:gs>
-                  </a:gsLst>
-                  <a:lin ang="5400000" scaled="1"/>
-                </a:gradFill>
-                <a:effectLst>
-                  <a:glow rad="139700">
-                    <a:schemeClr val="bg1">
-                      <a:alpha val="85000"/>
-                    </a:schemeClr>
-                  </a:glow>
-                </a:effectLst>
-                <a:latin typeface="851チカラヅヨク-かなB" panose="02000600000000000000" pitchFamily="2" charset="-128"/>
-                <a:ea typeface="851チカラヅヨク-かなB" panose="02000600000000000000" pitchFamily="2" charset="-128"/>
-              </a:rPr>
-              <a:t>嵐</a:t>
-            </a:r>
-            <a:r>
-              <a:rPr kumimoji="1" lang="ja-JP" altLang="en-US" sz="5400" dirty="0">
-                <a:ln>
-                  <a:solidFill>
-                    <a:schemeClr val="bg1"/>
-                  </a:solidFill>
-                </a:ln>
-                <a:gradFill>
-                  <a:gsLst>
-                    <a:gs pos="25000">
-                      <a:schemeClr val="accent4">
-                        <a:lumMod val="50000"/>
-                      </a:schemeClr>
-                    </a:gs>
-                    <a:gs pos="100000">
-                      <a:schemeClr val="accent6">
-                        <a:lumMod val="60000"/>
-                        <a:lumOff val="40000"/>
-                      </a:schemeClr>
-                    </a:gs>
-                  </a:gsLst>
-                  <a:lin ang="5400000" scaled="1"/>
-                </a:gradFill>
-                <a:effectLst>
-                  <a:glow rad="139700">
-                    <a:schemeClr val="bg1">
-                      <a:alpha val="85000"/>
-                    </a:schemeClr>
-                  </a:glow>
-                </a:effectLst>
-                <a:latin typeface="851チカラヅヨク-かなB" panose="02000600000000000000" pitchFamily="2" charset="-128"/>
-                <a:ea typeface="851チカラヅヨク-かなB" panose="02000600000000000000" pitchFamily="2" charset="-128"/>
-              </a:rPr>
-              <a:t>の術で消火せよ</a:t>
-            </a:r>
-            <a:r>
-              <a:rPr kumimoji="1" lang="en-US" altLang="ja-JP" sz="5400" dirty="0">
-                <a:ln>
-                  <a:solidFill>
-                    <a:schemeClr val="bg1"/>
-                  </a:solidFill>
-                </a:ln>
-                <a:gradFill>
-                  <a:gsLst>
-                    <a:gs pos="25000">
-                      <a:schemeClr val="accent4">
-                        <a:lumMod val="50000"/>
-                      </a:schemeClr>
-                    </a:gs>
-                    <a:gs pos="100000">
-                      <a:schemeClr val="accent6">
-                        <a:lumMod val="60000"/>
-                        <a:lumOff val="40000"/>
-                      </a:schemeClr>
-                    </a:gs>
-                  </a:gsLst>
-                  <a:lin ang="5400000" scaled="1"/>
-                </a:gradFill>
-                <a:effectLst>
-                  <a:glow rad="139700">
-                    <a:schemeClr val="bg1">
-                      <a:alpha val="85000"/>
-                    </a:schemeClr>
-                  </a:glow>
-                </a:effectLst>
-                <a:latin typeface="851チカラヅヨク-かなB" panose="02000600000000000000" pitchFamily="2" charset="-128"/>
-                <a:ea typeface="851チカラヅヨク-かなB" panose="02000600000000000000" pitchFamily="2" charset="-128"/>
-              </a:rPr>
-              <a:t>!!</a:t>
-            </a:r>
-            <a:endParaRPr kumimoji="1" lang="ja-JP" altLang="en-US" sz="5400" dirty="0">
-              <a:gradFill>
-                <a:gsLst>
-                  <a:gs pos="25000">
-                    <a:schemeClr val="accent4">
-                      <a:lumMod val="50000"/>
-                    </a:schemeClr>
-                  </a:gs>
-                  <a:gs pos="100000">
-                    <a:schemeClr val="accent6">
-                      <a:lumMod val="60000"/>
-                      <a:lumOff val="40000"/>
-                    </a:schemeClr>
-                  </a:gs>
-                </a:gsLst>
-                <a:lin ang="5400000" scaled="1"/>
-              </a:gradFill>
-              <a:effectLst>
-                <a:glow rad="139700">
-                  <a:schemeClr val="bg1">
-                    <a:alpha val="85000"/>
-                  </a:schemeClr>
-                </a:glow>
-              </a:effectLst>
-            </a:endParaRPr>
-          </a:p>
-        </p:txBody>
-      </p:sp>
-      <p:sp>
-        <p:nvSpPr>
-          <p:cNvPr id="51" name="テキスト ボックス 50">
-            <a:extLst>
-              <a:ext uri="{FF2B5EF4-FFF2-40B4-BE49-F238E27FC236}">
-                <a16:creationId xmlns:a16="http://schemas.microsoft.com/office/drawing/2014/main" id="{F0244349-18C3-DFC7-80FC-C8E849C1247D}"/>
-              </a:ext>
-            </a:extLst>
-          </p:cNvPr>
-          <p:cNvSpPr txBox="1"/>
-          <p:nvPr/>
-        </p:nvSpPr>
-        <p:spPr>
-          <a:xfrm>
-            <a:off x="6912574" y="914490"/>
-            <a:ext cx="3264035" cy="461665"/>
-          </a:xfrm>
-          <a:prstGeom prst="rect">
-            <a:avLst/>
-          </a:prstGeom>
-          <a:noFill/>
-        </p:spPr>
-        <p:txBody>
-          <a:bodyPr wrap="none" rtlCol="0">
-            <a:spAutoFit/>
-          </a:bodyPr>
-          <a:lstStyle/>
-          <a:p>
-            <a:r>
-              <a:rPr lang="ja-JP" altLang="en-US" sz="2400" dirty="0">
-                <a:ln w="6350">
-                  <a:solidFill>
-                    <a:schemeClr val="bg1"/>
-                  </a:solidFill>
-                </a:ln>
-                <a:gradFill>
-                  <a:gsLst>
-                    <a:gs pos="0">
-                      <a:schemeClr val="accent5"/>
-                    </a:gs>
-                    <a:gs pos="100000">
-                      <a:schemeClr val="accent5">
-                        <a:lumMod val="40000"/>
-                        <a:lumOff val="60000"/>
-                      </a:schemeClr>
-                    </a:gs>
-                  </a:gsLst>
-                  <a:lin ang="5400000" scaled="1"/>
-                </a:gradFill>
                 <a:effectLst>
                   <a:glow rad="177800">
                     <a:schemeClr val="bg1">
@@ -6199,32 +4635,21 @@
                     </a:schemeClr>
                   </a:glow>
                 </a:effectLst>
-                <a:latin typeface="851チカラヅヨク-かなB" panose="02000600000000000000" pitchFamily="2" charset="-128"/>
-                <a:ea typeface="851チカラヅヨク-かなB" panose="02000600000000000000" pitchFamily="2" charset="-128"/>
+                <a:latin typeface="HGP行書体" panose="03000600000000000000" pitchFamily="66" charset="-128"/>
+                <a:ea typeface="HGP行書体" panose="03000600000000000000" pitchFamily="66" charset="-128"/>
               </a:rPr>
-              <a:t>巻物を取得し術を会得</a:t>
-            </a:r>
-            <a:r>
-              <a:rPr lang="en-US" altLang="ja-JP" sz="2400" dirty="0">
-                <a:ln w="6350">
+              <a:t>起動して障害物として利用できぬか</a:t>
+            </a:r>
+            <a:r>
+              <a:rPr lang="en-US" altLang="ja-JP" sz="2000" b="1" dirty="0">
+                <a:ln w="3175">
                   <a:solidFill>
-                    <a:schemeClr val="bg1"/>
+                    <a:schemeClr val="tx1"/>
                   </a:solidFill>
                 </a:ln>
-                <a:gradFill>
-                  <a:gsLst>
-                    <a:gs pos="0">
-                      <a:schemeClr val="accent5"/>
-                    </a:gs>
-                    <a:gs pos="100000">
-                      <a:schemeClr val="accent5">
-                        <a:lumMod val="40000"/>
-                        <a:lumOff val="60000"/>
-                      </a:schemeClr>
-                    </a:gs>
-                  </a:gsLst>
-                  <a:lin ang="5400000" scaled="1"/>
-                </a:gradFill>
+                <a:solidFill>
+                  <a:schemeClr val="bg1"/>
+                </a:solidFill>
                 <a:effectLst>
                   <a:glow rad="177800">
                     <a:schemeClr val="bg1">
@@ -6232,20 +4657,39 @@
                     </a:schemeClr>
                   </a:glow>
                 </a:effectLst>
-                <a:latin typeface="851チカラヅヨク-かなB" panose="02000600000000000000" pitchFamily="2" charset="-128"/>
-                <a:ea typeface="851チカラヅヨク-かなB" panose="02000600000000000000" pitchFamily="2" charset="-128"/>
+                <a:latin typeface="HGP行書体" panose="03000600000000000000" pitchFamily="66" charset="-128"/>
+                <a:ea typeface="HGP行書体" panose="03000600000000000000" pitchFamily="66" charset="-128"/>
               </a:rPr>
-              <a:t>!!</a:t>
-            </a:r>
-          </a:p>
-        </p:txBody>
-      </p:sp>
-      <p:sp>
-        <p:nvSpPr>
-          <p:cNvPr id="52" name="テキスト ボックス 51">
-            <a:extLst>
-              <a:ext uri="{FF2B5EF4-FFF2-40B4-BE49-F238E27FC236}">
-                <a16:creationId xmlns:a16="http://schemas.microsoft.com/office/drawing/2014/main" id="{5DE14EDA-C9D9-4954-2FCD-017ED606E5F6}"/>
+              <a:t>…</a:t>
+            </a:r>
+            <a:endParaRPr kumimoji="1" lang="ja-JP" altLang="en-US" sz="2000" b="1" dirty="0">
+              <a:ln w="3175">
+                <a:solidFill>
+                  <a:schemeClr val="tx1"/>
+                </a:solidFill>
+              </a:ln>
+              <a:solidFill>
+                <a:schemeClr val="bg1"/>
+              </a:solidFill>
+              <a:effectLst>
+                <a:glow rad="177800">
+                  <a:schemeClr val="bg1">
+                    <a:alpha val="70000"/>
+                  </a:schemeClr>
+                </a:glow>
+              </a:effectLst>
+              <a:latin typeface="HGP行書体" panose="03000600000000000000" pitchFamily="66" charset="-128"/>
+              <a:ea typeface="HGP行書体" panose="03000600000000000000" pitchFamily="66" charset="-128"/>
+            </a:endParaRPr>
+          </a:p>
+        </p:txBody>
+      </p:sp>
+      <p:sp>
+        <p:nvSpPr>
+          <p:cNvPr id="56" name="テキスト ボックス 55">
+            <a:extLst>
+              <a:ext uri="{FF2B5EF4-FFF2-40B4-BE49-F238E27FC236}">
+                <a16:creationId xmlns:a16="http://schemas.microsoft.com/office/drawing/2014/main" id="{1E3035A1-C95E-C7D7-3AA0-BE2F04A1C65F}"/>
               </a:ext>
             </a:extLst>
           </p:cNvPr>
@@ -6253,9 +4697,9 @@
           <p:nvPr/>
         </p:nvSpPr>
         <p:spPr>
-          <a:xfrm rot="21126658">
-            <a:off x="19512" y="4730358"/>
-            <a:ext cx="3241593" cy="646331"/>
+          <a:xfrm>
+            <a:off x="6627148" y="6001330"/>
+            <a:ext cx="1399742" cy="400110"/>
           </a:xfrm>
           <a:prstGeom prst="rect">
             <a:avLst/>
@@ -6269,113 +4713,55 @@
           <a:lstStyle/>
           <a:p>
             <a:r>
-              <a:rPr lang="ja-JP" altLang="en-US" sz="3600" dirty="0">
+              <a:rPr lang="ja-JP" altLang="en-US" sz="2000" b="1" dirty="0">
                 <a:ln w="3175">
                   <a:solidFill>
-                    <a:schemeClr val="bg1"/>
+                    <a:schemeClr val="tx1"/>
                   </a:solidFill>
                 </a:ln>
-                <a:gradFill>
-                  <a:gsLst>
-                    <a:gs pos="0">
-                      <a:schemeClr val="accent5"/>
-                    </a:gs>
-                    <a:gs pos="100000">
-                      <a:schemeClr val="accent5">
-                        <a:lumMod val="40000"/>
-                        <a:lumOff val="60000"/>
-                      </a:schemeClr>
-                    </a:gs>
-                  </a:gsLst>
-                  <a:lin ang="5400000" scaled="1"/>
-                </a:gradFill>
+                <a:solidFill>
+                  <a:schemeClr val="bg1"/>
+                </a:solidFill>
                 <a:effectLst>
-                  <a:glow rad="127000">
+                  <a:glow rad="177800">
                     <a:schemeClr val="bg1">
-                      <a:alpha val="60000"/>
+                      <a:alpha val="70000"/>
                     </a:schemeClr>
                   </a:glow>
                 </a:effectLst>
-                <a:latin typeface="851チカラヅヨク-かなB" panose="02000600000000000000" pitchFamily="2" charset="-128"/>
-                <a:ea typeface="851チカラヅヨク-かなB" panose="02000600000000000000" pitchFamily="2" charset="-128"/>
+                <a:latin typeface="HGP行書体" panose="03000600000000000000" pitchFamily="66" charset="-128"/>
+                <a:ea typeface="HGP行書体" panose="03000600000000000000" pitchFamily="66" charset="-128"/>
               </a:rPr>
-              <a:t>強敵</a:t>
-            </a:r>
-            <a:r>
-              <a:rPr lang="ja-JP" altLang="en-US" sz="2800" dirty="0">
-                <a:ln w="3175">
-                  <a:solidFill>
-                    <a:schemeClr val="bg1"/>
-                  </a:solidFill>
-                </a:ln>
-                <a:gradFill>
-                  <a:gsLst>
-                    <a:gs pos="0">
-                      <a:schemeClr val="accent5"/>
-                    </a:gs>
-                    <a:gs pos="100000">
-                      <a:schemeClr val="accent5">
-                        <a:lumMod val="40000"/>
-                        <a:lumOff val="60000"/>
-                      </a:schemeClr>
-                    </a:gs>
-                  </a:gsLst>
-                  <a:lin ang="5400000" scaled="1"/>
-                </a:gradFill>
-                <a:effectLst>
-                  <a:glow rad="127000">
-                    <a:schemeClr val="bg1">
-                      <a:alpha val="60000"/>
-                    </a:schemeClr>
-                  </a:glow>
-                </a:effectLst>
-                <a:latin typeface="851チカラヅヨク-かなB" panose="02000600000000000000" pitchFamily="2" charset="-128"/>
-                <a:ea typeface="851チカラヅヨク-かなB" panose="02000600000000000000" pitchFamily="2" charset="-128"/>
-              </a:rPr>
-              <a:t>が現れたなら</a:t>
-            </a:r>
-            <a:r>
-              <a:rPr lang="en-US" altLang="ja-JP" sz="2800" dirty="0">
-                <a:ln w="3175">
-                  <a:solidFill>
-                    <a:schemeClr val="bg1"/>
-                  </a:solidFill>
-                </a:ln>
-                <a:gradFill>
-                  <a:gsLst>
-                    <a:gs pos="0">
-                      <a:schemeClr val="accent5"/>
-                    </a:gs>
-                    <a:gs pos="100000">
-                      <a:schemeClr val="accent5">
-                        <a:lumMod val="40000"/>
-                        <a:lumOff val="60000"/>
-                      </a:schemeClr>
-                    </a:gs>
-                  </a:gsLst>
-                  <a:lin ang="5400000" scaled="1"/>
-                </a:gradFill>
-                <a:effectLst>
-                  <a:glow rad="127000">
-                    <a:schemeClr val="bg1">
-                      <a:alpha val="60000"/>
-                    </a:schemeClr>
-                  </a:glow>
-                </a:effectLst>
-                <a:latin typeface="851チカラヅヨク-かなB" panose="02000600000000000000" pitchFamily="2" charset="-128"/>
-                <a:ea typeface="851チカラヅヨク-かなB" panose="02000600000000000000" pitchFamily="2" charset="-128"/>
-              </a:rPr>
-              <a:t>…</a:t>
-            </a:r>
-          </a:p>
-        </p:txBody>
-      </p:sp>
-      <p:sp>
-        <p:nvSpPr>
-          <p:cNvPr id="53" name="テキスト ボックス 52">
-            <a:extLst>
-              <a:ext uri="{FF2B5EF4-FFF2-40B4-BE49-F238E27FC236}">
-                <a16:creationId xmlns:a16="http://schemas.microsoft.com/office/drawing/2014/main" id="{FB17C8C9-7F1C-1667-C425-56366689E284}"/>
+              <a:t>座敷からくり</a:t>
+            </a:r>
+            <a:endParaRPr kumimoji="1" lang="ja-JP" altLang="en-US" sz="2000" b="1" dirty="0">
+              <a:ln w="3175">
+                <a:solidFill>
+                  <a:schemeClr val="tx1"/>
+                </a:solidFill>
+              </a:ln>
+              <a:solidFill>
+                <a:schemeClr val="bg1"/>
+              </a:solidFill>
+              <a:effectLst>
+                <a:glow rad="177800">
+                  <a:schemeClr val="bg1">
+                    <a:alpha val="70000"/>
+                  </a:schemeClr>
+                </a:glow>
+              </a:effectLst>
+              <a:latin typeface="HGP行書体" panose="03000600000000000000" pitchFamily="66" charset="-128"/>
+              <a:ea typeface="HGP行書体" panose="03000600000000000000" pitchFamily="66" charset="-128"/>
+            </a:endParaRPr>
+          </a:p>
+        </p:txBody>
+      </p:sp>
+      <p:sp>
+        <p:nvSpPr>
+          <p:cNvPr id="57" name="テキスト ボックス 56">
+            <a:extLst>
+              <a:ext uri="{FF2B5EF4-FFF2-40B4-BE49-F238E27FC236}">
+                <a16:creationId xmlns:a16="http://schemas.microsoft.com/office/drawing/2014/main" id="{BA68067B-2024-FC57-2B25-5F3EDFFBDB0C}"/>
               </a:ext>
             </a:extLst>
           </p:cNvPr>
@@ -6383,9 +4769,9 @@
           <p:nvPr/>
         </p:nvSpPr>
         <p:spPr>
-          <a:xfrm>
-            <a:off x="288428" y="5421706"/>
-            <a:ext cx="4270721" cy="646331"/>
+          <a:xfrm rot="21218522">
+            <a:off x="8064901" y="3676608"/>
+            <a:ext cx="2837636" cy="400110"/>
           </a:xfrm>
           <a:prstGeom prst="rect">
             <a:avLst/>
@@ -6399,270 +4785,127 @@
           <a:lstStyle/>
           <a:p>
             <a:r>
-              <a:rPr lang="ja-JP" altLang="en-US" sz="3600" dirty="0">
-                <a:ln>
+              <a:rPr lang="ja-JP" altLang="en-US" sz="2000" b="1" dirty="0">
+                <a:ln w="3175">
                   <a:solidFill>
-                    <a:schemeClr val="bg1"/>
+                    <a:schemeClr val="tx1"/>
                   </a:solidFill>
                 </a:ln>
-                <a:gradFill>
-                  <a:gsLst>
-                    <a:gs pos="0">
-                      <a:schemeClr val="accent2">
-                        <a:lumMod val="75000"/>
-                      </a:schemeClr>
-                    </a:gs>
-                    <a:gs pos="100000">
-                      <a:schemeClr val="accent2"/>
-                    </a:gs>
-                  </a:gsLst>
-                  <a:lin ang="5400000" scaled="1"/>
-                </a:gradFill>
+                <a:solidFill>
+                  <a:schemeClr val="bg1"/>
+                </a:solidFill>
                 <a:effectLst>
-                  <a:glow rad="190500">
+                  <a:glow rad="177800">
                     <a:schemeClr val="bg1">
                       <a:alpha val="70000"/>
                     </a:schemeClr>
                   </a:glow>
                 </a:effectLst>
-                <a:latin typeface="851チカラヅヨク-かなB" panose="02000600000000000000" pitchFamily="2" charset="-128"/>
-                <a:ea typeface="851チカラヅヨク-かなB" panose="02000600000000000000" pitchFamily="2" charset="-128"/>
+                <a:latin typeface="HGP行書体" panose="03000600000000000000" pitchFamily="66" charset="-128"/>
+                <a:ea typeface="HGP行書体" panose="03000600000000000000" pitchFamily="66" charset="-128"/>
               </a:rPr>
-              <a:t>土遁</a:t>
-            </a:r>
-            <a:r>
-              <a:rPr lang="ja-JP" altLang="en-US" sz="3200" dirty="0">
-                <a:ln>
+              <a:t>別の部屋に逃げれぬか</a:t>
+            </a:r>
+            <a:r>
+              <a:rPr lang="en-US" altLang="ja-JP" sz="2000" b="1" dirty="0">
+                <a:ln w="3175">
                   <a:solidFill>
-                    <a:schemeClr val="bg1"/>
+                    <a:schemeClr val="tx1"/>
                   </a:solidFill>
                 </a:ln>
-                <a:gradFill>
-                  <a:gsLst>
-                    <a:gs pos="0">
-                      <a:schemeClr val="accent5"/>
-                    </a:gs>
-                    <a:gs pos="100000">
-                      <a:schemeClr val="accent5">
-                        <a:lumMod val="60000"/>
-                        <a:lumOff val="40000"/>
-                      </a:schemeClr>
-                    </a:gs>
-                  </a:gsLst>
-                  <a:lin ang="5400000" scaled="1"/>
-                </a:gradFill>
+                <a:solidFill>
+                  <a:schemeClr val="bg1"/>
+                </a:solidFill>
                 <a:effectLst>
-                  <a:glow rad="190500">
+                  <a:glow rad="177800">
                     <a:schemeClr val="bg1">
                       <a:alpha val="70000"/>
                     </a:schemeClr>
                   </a:glow>
                 </a:effectLst>
-                <a:latin typeface="851チカラヅヨク-かなB" panose="02000600000000000000" pitchFamily="2" charset="-128"/>
-                <a:ea typeface="851チカラヅヨク-かなB" panose="02000600000000000000" pitchFamily="2" charset="-128"/>
-              </a:rPr>
-              <a:t>と</a:t>
-            </a:r>
-            <a:r>
-              <a:rPr lang="ja-JP" altLang="en-US" sz="3600" dirty="0">
-                <a:ln>
-                  <a:solidFill>
-                    <a:schemeClr val="bg1"/>
-                  </a:solidFill>
-                </a:ln>
-                <a:gradFill>
-                  <a:gsLst>
-                    <a:gs pos="0">
-                      <a:srgbClr val="C49500"/>
-                    </a:gs>
-                    <a:gs pos="100000">
-                      <a:srgbClr val="FFC000"/>
-                    </a:gs>
-                  </a:gsLst>
-                  <a:lin ang="5400000" scaled="1"/>
-                </a:gradFill>
-                <a:effectLst>
-                  <a:glow rad="190500">
-                    <a:schemeClr val="bg1">
-                      <a:alpha val="70000"/>
-                    </a:schemeClr>
-                  </a:glow>
-                </a:effectLst>
-                <a:latin typeface="851チカラヅヨク-かなB" panose="02000600000000000000" pitchFamily="2" charset="-128"/>
-                <a:ea typeface="851チカラヅヨク-かなB" panose="02000600000000000000" pitchFamily="2" charset="-128"/>
-              </a:rPr>
-              <a:t>雷遁</a:t>
-            </a:r>
-            <a:r>
-              <a:rPr lang="ja-JP" altLang="en-US" sz="3200" dirty="0">
-                <a:ln>
-                  <a:solidFill>
-                    <a:schemeClr val="bg1"/>
-                  </a:solidFill>
-                </a:ln>
-                <a:gradFill>
-                  <a:gsLst>
-                    <a:gs pos="0">
-                      <a:schemeClr val="accent5"/>
-                    </a:gs>
-                    <a:gs pos="100000">
-                      <a:schemeClr val="accent5">
-                        <a:lumMod val="60000"/>
-                        <a:lumOff val="40000"/>
-                      </a:schemeClr>
-                    </a:gs>
-                  </a:gsLst>
-                  <a:lin ang="5400000" scaled="1"/>
-                </a:gradFill>
-                <a:effectLst>
-                  <a:glow rad="190500">
-                    <a:schemeClr val="bg1">
-                      <a:alpha val="70000"/>
-                    </a:schemeClr>
-                  </a:glow>
-                </a:effectLst>
-                <a:latin typeface="851チカラヅヨク-かなB" panose="02000600000000000000" pitchFamily="2" charset="-128"/>
-                <a:ea typeface="851チカラヅヨク-かなB" panose="02000600000000000000" pitchFamily="2" charset="-128"/>
-              </a:rPr>
-              <a:t>と</a:t>
-            </a:r>
-            <a:r>
-              <a:rPr lang="ja-JP" altLang="en-US" sz="3600" dirty="0">
-                <a:ln>
-                  <a:solidFill>
-                    <a:schemeClr val="bg1"/>
-                  </a:solidFill>
-                </a:ln>
-                <a:gradFill>
-                  <a:gsLst>
-                    <a:gs pos="31000">
-                      <a:srgbClr val="BC0000"/>
-                    </a:gs>
-                    <a:gs pos="100000">
-                      <a:srgbClr val="FF0000"/>
-                    </a:gs>
-                  </a:gsLst>
-                  <a:lin ang="5400000" scaled="1"/>
-                </a:gradFill>
-                <a:effectLst>
-                  <a:glow rad="190500">
-                    <a:schemeClr val="bg1">
-                      <a:alpha val="70000"/>
-                    </a:schemeClr>
-                  </a:glow>
-                </a:effectLst>
-                <a:latin typeface="851チカラヅヨク-かなB" panose="02000600000000000000" pitchFamily="2" charset="-128"/>
-                <a:ea typeface="851チカラヅヨク-かなB" panose="02000600000000000000" pitchFamily="2" charset="-128"/>
-              </a:rPr>
-              <a:t>火遁</a:t>
-            </a:r>
-            <a:r>
-              <a:rPr lang="ja-JP" altLang="en-US" sz="3200" dirty="0">
-                <a:ln>
-                  <a:solidFill>
-                    <a:schemeClr val="bg1"/>
-                  </a:solidFill>
-                </a:ln>
-                <a:gradFill>
-                  <a:gsLst>
-                    <a:gs pos="0">
-                      <a:schemeClr val="accent5"/>
-                    </a:gs>
-                    <a:gs pos="100000">
-                      <a:schemeClr val="accent5">
-                        <a:lumMod val="60000"/>
-                        <a:lumOff val="40000"/>
-                      </a:schemeClr>
-                    </a:gs>
-                  </a:gsLst>
-                  <a:lin ang="5400000" scaled="1"/>
-                </a:gradFill>
-                <a:effectLst>
-                  <a:glow rad="190500">
-                    <a:schemeClr val="bg1">
-                      <a:alpha val="70000"/>
-                    </a:schemeClr>
-                  </a:glow>
-                </a:effectLst>
-                <a:latin typeface="851チカラヅヨク-かなB" panose="02000600000000000000" pitchFamily="2" charset="-128"/>
-                <a:ea typeface="851チカラヅヨク-かなB" panose="02000600000000000000" pitchFamily="2" charset="-128"/>
-              </a:rPr>
-              <a:t>で</a:t>
-            </a:r>
-            <a:r>
-              <a:rPr lang="en-US" altLang="ja-JP" sz="3200" dirty="0">
-                <a:ln>
-                  <a:solidFill>
-                    <a:schemeClr val="bg1"/>
-                  </a:solidFill>
-                </a:ln>
-                <a:gradFill>
-                  <a:gsLst>
-                    <a:gs pos="0">
-                      <a:schemeClr val="accent5"/>
-                    </a:gs>
-                    <a:gs pos="100000">
-                      <a:schemeClr val="accent5">
-                        <a:lumMod val="60000"/>
-                        <a:lumOff val="40000"/>
-                      </a:schemeClr>
-                    </a:gs>
-                  </a:gsLst>
-                  <a:lin ang="5400000" scaled="1"/>
-                </a:gradFill>
-                <a:effectLst>
-                  <a:glow rad="190500">
-                    <a:schemeClr val="bg1">
-                      <a:alpha val="70000"/>
-                    </a:schemeClr>
-                  </a:glow>
-                </a:effectLst>
-                <a:latin typeface="851チカラヅヨク-かなB" panose="02000600000000000000" pitchFamily="2" charset="-128"/>
-                <a:ea typeface="851チカラヅヨク-かなB" panose="02000600000000000000" pitchFamily="2" charset="-128"/>
+                <a:latin typeface="HGP行書体" panose="03000600000000000000" pitchFamily="66" charset="-128"/>
+                <a:ea typeface="HGP行書体" panose="03000600000000000000" pitchFamily="66" charset="-128"/>
               </a:rPr>
               <a:t>…</a:t>
             </a:r>
-            <a:endParaRPr kumimoji="1" lang="ja-JP" altLang="en-US" sz="4400" dirty="0">
-              <a:ln>
-                <a:solidFill>
-                  <a:schemeClr val="bg1"/>
+            <a:endParaRPr kumimoji="1" lang="ja-JP" altLang="en-US" sz="2000" b="1" dirty="0">
+              <a:ln w="3175">
+                <a:solidFill>
+                  <a:schemeClr val="tx1"/>
                 </a:solidFill>
               </a:ln>
-              <a:gradFill>
-                <a:gsLst>
-                  <a:gs pos="46000">
-                    <a:schemeClr val="accent2">
-                      <a:lumMod val="50000"/>
-                    </a:schemeClr>
-                  </a:gs>
-                  <a:gs pos="100000">
-                    <a:schemeClr val="accent1">
-                      <a:lumMod val="60000"/>
-                      <a:lumOff val="40000"/>
-                    </a:schemeClr>
-                  </a:gs>
-                </a:gsLst>
-                <a:lin ang="5400000" scaled="1"/>
-              </a:gradFill>
+              <a:solidFill>
+                <a:schemeClr val="bg1"/>
+              </a:solidFill>
               <a:effectLst>
-                <a:glow rad="190500">
+                <a:glow rad="177800">
                   <a:schemeClr val="bg1">
                     <a:alpha val="70000"/>
                   </a:schemeClr>
                 </a:glow>
               </a:effectLst>
-              <a:latin typeface="851チカラヅヨク-かなB" panose="02000600000000000000" pitchFamily="2" charset="-128"/>
-              <a:ea typeface="851チカラヅヨク-かなB" panose="02000600000000000000" pitchFamily="2" charset="-128"/>
+              <a:latin typeface="HGP行書体" panose="03000600000000000000" pitchFamily="66" charset="-128"/>
+              <a:ea typeface="HGP行書体" panose="03000600000000000000" pitchFamily="66" charset="-128"/>
             </a:endParaRPr>
           </a:p>
         </p:txBody>
       </p:sp>
       <p:sp>
         <p:nvSpPr>
-          <p:cNvPr id="59" name="テキスト ボックス 58">
-            <a:extLst>
-              <a:ext uri="{FF2B5EF4-FFF2-40B4-BE49-F238E27FC236}">
-                <a16:creationId xmlns:a16="http://schemas.microsoft.com/office/drawing/2014/main" id="{1F95178E-BAE3-DD87-EB24-9942358FF4ED}"/>
+          <p:cNvPr id="60" name="正方形/長方形 59">
+            <a:extLst>
+              <a:ext uri="{FF2B5EF4-FFF2-40B4-BE49-F238E27FC236}">
+                <a16:creationId xmlns:a16="http://schemas.microsoft.com/office/drawing/2014/main" id="{6586C7F4-D94A-68CC-34B0-FB8A54DE7B7A}"/>
+              </a:ext>
+            </a:extLst>
+          </p:cNvPr>
+          <p:cNvSpPr/>
+          <p:nvPr/>
+        </p:nvSpPr>
+        <p:spPr>
+          <a:xfrm>
+            <a:off x="9753600" y="4337937"/>
+            <a:ext cx="835742" cy="755173"/>
+          </a:xfrm>
+          <a:prstGeom prst="rect">
+            <a:avLst/>
+          </a:prstGeom>
+          <a:noFill/>
+          <a:ln>
+            <a:prstDash val="sysDash"/>
+          </a:ln>
+        </p:spPr>
+        <p:style>
+          <a:lnRef idx="2">
+            <a:schemeClr val="accent1">
+              <a:shade val="15000"/>
+            </a:schemeClr>
+          </a:lnRef>
+          <a:fillRef idx="1">
+            <a:schemeClr val="accent1"/>
+          </a:fillRef>
+          <a:effectRef idx="0">
+            <a:schemeClr val="accent1"/>
+          </a:effectRef>
+          <a:fontRef idx="minor">
+            <a:schemeClr val="lt1"/>
+          </a:fontRef>
+        </p:style>
+        <p:txBody>
+          <a:bodyPr rtlCol="0" anchor="ctr"/>
+          <a:lstStyle/>
+          <a:p>
+            <a:pPr algn="ctr"/>
+            <a:endParaRPr kumimoji="1" lang="ja-JP" altLang="en-US"/>
+          </a:p>
+        </p:txBody>
+      </p:sp>
+      <p:sp>
+        <p:nvSpPr>
+          <p:cNvPr id="61" name="テキスト ボックス 60">
+            <a:extLst>
+              <a:ext uri="{FF2B5EF4-FFF2-40B4-BE49-F238E27FC236}">
+                <a16:creationId xmlns:a16="http://schemas.microsoft.com/office/drawing/2014/main" id="{0456FB90-9C38-58E1-AE7B-783C94C9ED92}"/>
               </a:ext>
             </a:extLst>
           </p:cNvPr>
@@ -6671,8 +4914,8 @@
         </p:nvSpPr>
         <p:spPr>
           <a:xfrm>
-            <a:off x="4414350" y="5718891"/>
-            <a:ext cx="7675499" cy="923330"/>
+            <a:off x="9957048" y="5917506"/>
+            <a:ext cx="958917" cy="400110"/>
           </a:xfrm>
           <a:prstGeom prst="rect">
             <a:avLst/>
@@ -6686,109 +4929,212 @@
           <a:lstStyle/>
           <a:p>
             <a:r>
-              <a:rPr lang="ja-JP" altLang="en-US" sz="5400" dirty="0">
-                <a:ln>
+              <a:rPr lang="ja-JP" altLang="en-US" sz="2000" b="1" dirty="0">
+                <a:ln w="3175">
                   <a:solidFill>
-                    <a:schemeClr val="bg1"/>
+                    <a:schemeClr val="tx1"/>
                   </a:solidFill>
                 </a:ln>
-                <a:gradFill>
-                  <a:gsLst>
-                    <a:gs pos="50000">
-                      <a:srgbClr val="FFC000"/>
-                    </a:gs>
-                    <a:gs pos="0">
-                      <a:schemeClr val="accent2">
-                        <a:lumMod val="50000"/>
-                      </a:schemeClr>
-                    </a:gs>
-                    <a:gs pos="100000">
-                      <a:srgbClr val="FF0000"/>
-                    </a:gs>
-                  </a:gsLst>
-                  <a:lin ang="5400000" scaled="1"/>
-                </a:gradFill>
+                <a:solidFill>
+                  <a:schemeClr val="bg1"/>
+                </a:solidFill>
                 <a:effectLst>
-                  <a:glow rad="139700">
+                  <a:glow rad="177800">
                     <a:schemeClr val="bg1">
-                      <a:alpha val="85000"/>
+                      <a:alpha val="70000"/>
                     </a:schemeClr>
                   </a:glow>
                 </a:effectLst>
-                <a:latin typeface="851チカラヅヨク-かなB" panose="02000600000000000000" pitchFamily="2" charset="-128"/>
-                <a:ea typeface="851チカラヅヨク-かなB" panose="02000600000000000000" pitchFamily="2" charset="-128"/>
+                <a:latin typeface="HGP行書体" panose="03000600000000000000" pitchFamily="66" charset="-128"/>
+                <a:ea typeface="HGP行書体" panose="03000600000000000000" pitchFamily="66" charset="-128"/>
               </a:rPr>
-              <a:t>地震・雷・火事・親父の術</a:t>
-            </a:r>
-            <a:r>
-              <a:rPr lang="en-US" altLang="ja-JP" sz="5400" dirty="0">
-                <a:ln>
-                  <a:solidFill>
-                    <a:schemeClr val="bg1"/>
-                  </a:solidFill>
-                </a:ln>
-                <a:gradFill>
-                  <a:gsLst>
-                    <a:gs pos="50000">
-                      <a:srgbClr val="FFC000"/>
-                    </a:gs>
-                    <a:gs pos="0">
-                      <a:schemeClr val="accent2">
-                        <a:lumMod val="50000"/>
-                      </a:schemeClr>
-                    </a:gs>
-                    <a:gs pos="100000">
-                      <a:srgbClr val="FF0000"/>
-                    </a:gs>
-                  </a:gsLst>
-                  <a:lin ang="5400000" scaled="1"/>
-                </a:gradFill>
-                <a:effectLst>
-                  <a:glow rad="139700">
-                    <a:schemeClr val="bg1">
-                      <a:alpha val="85000"/>
-                    </a:schemeClr>
-                  </a:glow>
-                </a:effectLst>
-                <a:latin typeface="851チカラヅヨク-かなB" panose="02000600000000000000" pitchFamily="2" charset="-128"/>
-                <a:ea typeface="851チカラヅヨク-かなB" panose="02000600000000000000" pitchFamily="2" charset="-128"/>
-              </a:rPr>
-              <a:t>!!</a:t>
-            </a:r>
-            <a:endParaRPr kumimoji="1" lang="ja-JP" altLang="en-US" sz="5400" dirty="0">
-              <a:gradFill>
-                <a:gsLst>
-                  <a:gs pos="50000">
-                    <a:srgbClr val="FFC000"/>
-                  </a:gs>
-                  <a:gs pos="0">
-                    <a:schemeClr val="accent2">
-                      <a:lumMod val="50000"/>
-                    </a:schemeClr>
-                  </a:gs>
-                  <a:gs pos="100000">
-                    <a:srgbClr val="FF0000"/>
-                  </a:gs>
-                </a:gsLst>
-                <a:lin ang="5400000" scaled="1"/>
-              </a:gradFill>
+              <a:t>回転壁</a:t>
+            </a:r>
+            <a:endParaRPr kumimoji="1" lang="ja-JP" altLang="en-US" sz="2000" b="1" dirty="0">
+              <a:ln w="3175">
+                <a:solidFill>
+                  <a:schemeClr val="tx1"/>
+                </a:solidFill>
+              </a:ln>
+              <a:solidFill>
+                <a:schemeClr val="bg1"/>
+              </a:solidFill>
               <a:effectLst>
-                <a:glow rad="139700">
+                <a:glow rad="177800">
                   <a:schemeClr val="bg1">
-                    <a:alpha val="85000"/>
+                    <a:alpha val="70000"/>
                   </a:schemeClr>
                 </a:glow>
               </a:effectLst>
+              <a:latin typeface="HGP行書体" panose="03000600000000000000" pitchFamily="66" charset="-128"/>
+              <a:ea typeface="HGP行書体" panose="03000600000000000000" pitchFamily="66" charset="-128"/>
             </a:endParaRPr>
           </a:p>
         </p:txBody>
       </p:sp>
-      <p:sp>
-        <p:nvSpPr>
-          <p:cNvPr id="60" name="テキスト ボックス 59">
-            <a:extLst>
-              <a:ext uri="{FF2B5EF4-FFF2-40B4-BE49-F238E27FC236}">
-                <a16:creationId xmlns:a16="http://schemas.microsoft.com/office/drawing/2014/main" id="{26584C06-D8BA-CA5C-F967-E713D265EF38}"/>
+      <p:pic>
+        <p:nvPicPr>
+          <p:cNvPr id="63" name="図 62" descr="駅のホーム&#10;&#10;自動的に生成された説明">
+            <a:extLst>
+              <a:ext uri="{FF2B5EF4-FFF2-40B4-BE49-F238E27FC236}">
+                <a16:creationId xmlns:a16="http://schemas.microsoft.com/office/drawing/2014/main" id="{CB698C8D-82BA-3F20-8F5F-0082DE8567C6}"/>
+              </a:ext>
+            </a:extLst>
+          </p:cNvPr>
+          <p:cNvPicPr>
+            <a:picLocks noChangeAspect="1"/>
+          </p:cNvPicPr>
+          <p:nvPr/>
+        </p:nvPicPr>
+        <p:blipFill>
+          <a:blip r:embed="rId7">
+            <a:extLst>
+              <a:ext uri="{28A0092B-C50C-407E-A947-70E740481C1C}">
+                <a14:useLocalDpi xmlns:a14="http://schemas.microsoft.com/office/drawing/2010/main" val="0"/>
+              </a:ext>
+            </a:extLst>
+          </a:blip>
+          <a:stretch>
+            <a:fillRect/>
+          </a:stretch>
+        </p:blipFill>
+        <p:spPr>
+          <a:xfrm>
+            <a:off x="120948" y="4034389"/>
+            <a:ext cx="4854175" cy="2730473"/>
+          </a:xfrm>
+          <a:prstGeom prst="rect">
+            <a:avLst/>
+          </a:prstGeom>
+        </p:spPr>
+      </p:pic>
+      <p:pic>
+        <p:nvPicPr>
+          <p:cNvPr id="66" name="図 65" descr="ロゴ&#10;&#10;中程度の精度で自動的に生成された説明">
+            <a:extLst>
+              <a:ext uri="{FF2B5EF4-FFF2-40B4-BE49-F238E27FC236}">
+                <a16:creationId xmlns:a16="http://schemas.microsoft.com/office/drawing/2014/main" id="{08C1BE51-AB64-8ED7-B98F-6C932D93C7DF}"/>
+              </a:ext>
+            </a:extLst>
+          </p:cNvPr>
+          <p:cNvPicPr>
+            <a:picLocks noChangeAspect="1"/>
+          </p:cNvPicPr>
+          <p:nvPr/>
+        </p:nvPicPr>
+        <p:blipFill>
+          <a:blip r:embed="rId8">
+            <a:extLst>
+              <a:ext uri="{28A0092B-C50C-407E-A947-70E740481C1C}">
+                <a14:useLocalDpi xmlns:a14="http://schemas.microsoft.com/office/drawing/2010/main" val="0"/>
+              </a:ext>
+            </a:extLst>
+          </a:blip>
+          <a:stretch>
+            <a:fillRect/>
+          </a:stretch>
+        </p:blipFill>
+        <p:spPr>
+          <a:xfrm>
+            <a:off x="1338802" y="5461305"/>
+            <a:ext cx="643189" cy="940135"/>
+          </a:xfrm>
+          <a:prstGeom prst="rect">
+            <a:avLst/>
+          </a:prstGeom>
+        </p:spPr>
+      </p:pic>
+      <p:pic>
+        <p:nvPicPr>
+          <p:cNvPr id="68" name="図 67" descr="図形&#10;&#10;中程度の精度で自動的に生成された説明">
+            <a:extLst>
+              <a:ext uri="{FF2B5EF4-FFF2-40B4-BE49-F238E27FC236}">
+                <a16:creationId xmlns:a16="http://schemas.microsoft.com/office/drawing/2014/main" id="{B67A1D43-C9EF-819A-A300-EAC57D0C83AE}"/>
+              </a:ext>
+            </a:extLst>
+          </p:cNvPr>
+          <p:cNvPicPr>
+            <a:picLocks noChangeAspect="1"/>
+          </p:cNvPicPr>
+          <p:nvPr/>
+        </p:nvPicPr>
+        <p:blipFill>
+          <a:blip r:embed="rId9">
+            <a:lum bright="70000" contrast="-70000"/>
+            <a:extLst>
+              <a:ext uri="{BEBA8EAE-BF5A-486C-A8C5-ECC9F3942E4B}">
+                <a14:imgProps xmlns:a14="http://schemas.microsoft.com/office/drawing/2010/main">
+                  <a14:imgLayer r:embed="rId10">
+                    <a14:imgEffect>
+                      <a14:sharpenSoften amount="-50000"/>
+                    </a14:imgEffect>
+                    <a14:imgEffect>
+                      <a14:saturation sat="0"/>
+                    </a14:imgEffect>
+                  </a14:imgLayer>
+                </a14:imgProps>
+              </a:ext>
+              <a:ext uri="{28A0092B-C50C-407E-A947-70E740481C1C}">
+                <a14:useLocalDpi xmlns:a14="http://schemas.microsoft.com/office/drawing/2010/main" val="0"/>
+              </a:ext>
+            </a:extLst>
+          </a:blip>
+          <a:stretch>
+            <a:fillRect/>
+          </a:stretch>
+        </p:blipFill>
+        <p:spPr>
+          <a:xfrm>
+            <a:off x="2780582" y="4232608"/>
+            <a:ext cx="548301" cy="539709"/>
+          </a:xfrm>
+          <a:prstGeom prst="rect">
+            <a:avLst/>
+          </a:prstGeom>
+        </p:spPr>
+      </p:pic>
+      <p:pic>
+        <p:nvPicPr>
+          <p:cNvPr id="70" name="図 69">
+            <a:extLst>
+              <a:ext uri="{FF2B5EF4-FFF2-40B4-BE49-F238E27FC236}">
+                <a16:creationId xmlns:a16="http://schemas.microsoft.com/office/drawing/2014/main" id="{AC32CC7B-9E07-A848-276E-0EA99F3433AE}"/>
+              </a:ext>
+            </a:extLst>
+          </p:cNvPr>
+          <p:cNvPicPr>
+            <a:picLocks noChangeAspect="1"/>
+          </p:cNvPicPr>
+          <p:nvPr/>
+        </p:nvPicPr>
+        <p:blipFill>
+          <a:blip r:embed="rId11">
+            <a:extLst>
+              <a:ext uri="{28A0092B-C50C-407E-A947-70E740481C1C}">
+                <a14:useLocalDpi xmlns:a14="http://schemas.microsoft.com/office/drawing/2010/main" val="0"/>
+              </a:ext>
+            </a:extLst>
+          </a:blip>
+          <a:stretch>
+            <a:fillRect/>
+          </a:stretch>
+        </p:blipFill>
+        <p:spPr>
+          <a:xfrm>
+            <a:off x="2939503" y="5224919"/>
+            <a:ext cx="556835" cy="612008"/>
+          </a:xfrm>
+          <a:prstGeom prst="rect">
+            <a:avLst/>
+          </a:prstGeom>
+        </p:spPr>
+      </p:pic>
+      <p:sp>
+        <p:nvSpPr>
+          <p:cNvPr id="71" name="テキスト ボックス 70">
+            <a:extLst>
+              <a:ext uri="{FF2B5EF4-FFF2-40B4-BE49-F238E27FC236}">
+                <a16:creationId xmlns:a16="http://schemas.microsoft.com/office/drawing/2014/main" id="{AA56A801-1221-FA32-ACCE-B50CE9664DE0}"/>
               </a:ext>
             </a:extLst>
           </p:cNvPr>
@@ -6796,9 +5142,9 @@
           <p:nvPr/>
         </p:nvSpPr>
         <p:spPr>
-          <a:xfrm rot="21246098">
-            <a:off x="4862764" y="5238720"/>
-            <a:ext cx="2329484" cy="523220"/>
+          <a:xfrm rot="21313364">
+            <a:off x="2028586" y="5843021"/>
+            <a:ext cx="2877711" cy="584775"/>
           </a:xfrm>
           <a:prstGeom prst="rect">
             <a:avLst/>
@@ -6812,74 +5158,121 @@
           <a:lstStyle/>
           <a:p>
             <a:r>
-              <a:rPr lang="ja-JP" altLang="en-US" sz="2800" dirty="0">
+              <a:rPr lang="en-US" altLang="ja-JP" sz="3200" b="1" dirty="0">
                 <a:ln w="3175">
                   <a:solidFill>
-                    <a:schemeClr val="bg1"/>
+                    <a:schemeClr val="tx1"/>
                   </a:solidFill>
                 </a:ln>
-                <a:gradFill>
-                  <a:gsLst>
-                    <a:gs pos="0">
-                      <a:srgbClr val="FF0000"/>
-                    </a:gs>
-                    <a:gs pos="62000">
-                      <a:srgbClr val="DA0000"/>
-                    </a:gs>
-                  </a:gsLst>
-                  <a:lin ang="5400000" scaled="1"/>
-                </a:gradFill>
+                <a:solidFill>
+                  <a:schemeClr val="bg1"/>
+                </a:solidFill>
                 <a:effectLst>
-                  <a:glow rad="127000">
-                    <a:schemeClr val="tx1">
-                      <a:alpha val="80000"/>
+                  <a:glow rad="177800">
+                    <a:schemeClr val="bg1">
+                      <a:alpha val="70000"/>
                     </a:schemeClr>
                   </a:glow>
                 </a:effectLst>
-                <a:latin typeface="851チカラヅヨク-かなB" panose="02000600000000000000" pitchFamily="2" charset="-128"/>
-                <a:ea typeface="851チカラヅヨク-かなB" panose="02000600000000000000" pitchFamily="2" charset="-128"/>
+                <a:latin typeface="HGP行書体" panose="03000600000000000000" pitchFamily="66" charset="-128"/>
+                <a:ea typeface="HGP行書体" panose="03000600000000000000" pitchFamily="66" charset="-128"/>
               </a:rPr>
-              <a:t>お、恐ろしい～</a:t>
-            </a:r>
-            <a:r>
-              <a:rPr lang="en-US" altLang="ja-JP" sz="2800" dirty="0">
+              <a:t>“</a:t>
+            </a:r>
+            <a:r>
+              <a:rPr lang="ja-JP" altLang="en-US" sz="3200" b="1" dirty="0">
                 <a:ln w="3175">
                   <a:solidFill>
-                    <a:schemeClr val="bg1"/>
+                    <a:schemeClr val="tx1"/>
                   </a:solidFill>
                 </a:ln>
-                <a:gradFill>
-                  <a:gsLst>
-                    <a:gs pos="0">
-                      <a:srgbClr val="FF0000"/>
-                    </a:gs>
-                    <a:gs pos="62000">
-                      <a:srgbClr val="DA0000"/>
-                    </a:gs>
-                  </a:gsLst>
-                  <a:lin ang="5400000" scaled="1"/>
-                </a:gradFill>
+                <a:solidFill>
+                  <a:schemeClr val="bg1"/>
+                </a:solidFill>
                 <a:effectLst>
-                  <a:glow rad="127000">
-                    <a:schemeClr val="tx1">
-                      <a:alpha val="80000"/>
+                  <a:glow rad="177800">
+                    <a:schemeClr val="bg1">
+                      <a:alpha val="70000"/>
                     </a:schemeClr>
                   </a:glow>
                 </a:effectLst>
-                <a:latin typeface="851チカラヅヨク-かなB" panose="02000600000000000000" pitchFamily="2" charset="-128"/>
-                <a:ea typeface="851チカラヅヨク-かなB" panose="02000600000000000000" pitchFamily="2" charset="-128"/>
+                <a:latin typeface="HGP行書体" panose="03000600000000000000" pitchFamily="66" charset="-128"/>
+                <a:ea typeface="HGP行書体" panose="03000600000000000000" pitchFamily="66" charset="-128"/>
               </a:rPr>
-              <a:t>…</a:t>
-            </a:r>
-          </a:p>
-        </p:txBody>
-      </p:sp>
-      <p:sp>
-        <p:nvSpPr>
-          <p:cNvPr id="61" name="テキスト ボックス 60">
-            <a:extLst>
-              <a:ext uri="{FF2B5EF4-FFF2-40B4-BE49-F238E27FC236}">
-                <a16:creationId xmlns:a16="http://schemas.microsoft.com/office/drawing/2014/main" id="{1BE63F52-43EA-A13C-6DD0-E29E4B360AB8}"/>
+              <a:t>元</a:t>
+            </a:r>
+            <a:r>
+              <a:rPr lang="en-US" altLang="ja-JP" sz="3200" b="1" dirty="0">
+                <a:ln w="3175">
+                  <a:solidFill>
+                    <a:schemeClr val="tx1"/>
+                  </a:solidFill>
+                </a:ln>
+                <a:solidFill>
+                  <a:schemeClr val="bg1"/>
+                </a:solidFill>
+                <a:effectLst>
+                  <a:glow rad="177800">
+                    <a:schemeClr val="bg1">
+                      <a:alpha val="70000"/>
+                    </a:schemeClr>
+                  </a:glow>
+                </a:effectLst>
+                <a:latin typeface="HGP行書体" panose="03000600000000000000" pitchFamily="66" charset="-128"/>
+                <a:ea typeface="HGP行書体" panose="03000600000000000000" pitchFamily="66" charset="-128"/>
+              </a:rPr>
+              <a:t>”</a:t>
+            </a:r>
+            <a:r>
+              <a:rPr lang="ja-JP" altLang="en-US" sz="3200" b="1" dirty="0">
+                <a:ln w="3175">
+                  <a:solidFill>
+                    <a:schemeClr val="tx1"/>
+                  </a:solidFill>
+                </a:ln>
+                <a:solidFill>
+                  <a:schemeClr val="bg1"/>
+                </a:solidFill>
+                <a:effectLst>
+                  <a:glow rad="177800">
+                    <a:schemeClr val="bg1">
+                      <a:alpha val="70000"/>
+                    </a:schemeClr>
+                  </a:glow>
+                </a:effectLst>
+                <a:latin typeface="HGP行書体" panose="03000600000000000000" pitchFamily="66" charset="-128"/>
+                <a:ea typeface="HGP行書体" panose="03000600000000000000" pitchFamily="66" charset="-128"/>
+              </a:rPr>
+              <a:t>仲間を欺け</a:t>
+            </a:r>
+            <a:endParaRPr kumimoji="1" lang="ja-JP" altLang="en-US" sz="3200" b="1" dirty="0">
+              <a:ln w="3175">
+                <a:solidFill>
+                  <a:schemeClr val="tx1"/>
+                </a:solidFill>
+              </a:ln>
+              <a:solidFill>
+                <a:schemeClr val="bg1"/>
+              </a:solidFill>
+              <a:effectLst>
+                <a:glow rad="177800">
+                  <a:schemeClr val="bg1">
+                    <a:alpha val="70000"/>
+                  </a:schemeClr>
+                </a:glow>
+              </a:effectLst>
+              <a:latin typeface="HGP行書体" panose="03000600000000000000" pitchFamily="66" charset="-128"/>
+              <a:ea typeface="HGP行書体" panose="03000600000000000000" pitchFamily="66" charset="-128"/>
+            </a:endParaRPr>
+          </a:p>
+        </p:txBody>
+      </p:sp>
+      <p:sp>
+        <p:nvSpPr>
+          <p:cNvPr id="3" name="テキスト ボックス 2">
+            <a:extLst>
+              <a:ext uri="{FF2B5EF4-FFF2-40B4-BE49-F238E27FC236}">
+                <a16:creationId xmlns:a16="http://schemas.microsoft.com/office/drawing/2014/main" id="{A19973B1-3C4E-5D6A-DBCC-CB5BB0C8CE28}"/>
               </a:ext>
             </a:extLst>
           </p:cNvPr>
@@ -6887,9 +5280,9 @@
           <p:nvPr/>
         </p:nvSpPr>
         <p:spPr>
-          <a:xfrm rot="21246098">
-            <a:off x="9715750" y="3687545"/>
-            <a:ext cx="2055371" cy="523220"/>
+          <a:xfrm>
+            <a:off x="9165148" y="227043"/>
+            <a:ext cx="5724644" cy="646331"/>
           </a:xfrm>
           <a:prstGeom prst="rect">
             <a:avLst/>
@@ -6903,86 +5296,93 @@
           <a:lstStyle/>
           <a:p>
             <a:r>
-              <a:rPr lang="ja-JP" altLang="en-US" sz="2800" dirty="0">
-                <a:ln w="3175">
-                  <a:solidFill>
-                    <a:schemeClr val="bg1"/>
-                  </a:solidFill>
-                </a:ln>
-                <a:gradFill>
-                  <a:gsLst>
-                    <a:gs pos="0">
-                      <a:schemeClr val="accent3">
-                        <a:lumMod val="40000"/>
-                        <a:lumOff val="60000"/>
-                      </a:schemeClr>
-                    </a:gs>
-                    <a:gs pos="39000">
-                      <a:schemeClr val="accent3">
-                        <a:lumMod val="60000"/>
-                        <a:lumOff val="40000"/>
-                      </a:schemeClr>
-                    </a:gs>
-                  </a:gsLst>
-                  <a:lin ang="5400000" scaled="1"/>
-                </a:gradFill>
-                <a:effectLst>
-                  <a:glow rad="127000">
-                    <a:schemeClr val="tx1">
-                      <a:alpha val="80000"/>
-                    </a:schemeClr>
-                  </a:glow>
-                </a:effectLst>
-                <a:latin typeface="851チカラヅヨク-かなB" panose="02000600000000000000" pitchFamily="2" charset="-128"/>
-                <a:ea typeface="851チカラヅヨク-かなB" panose="02000600000000000000" pitchFamily="2" charset="-128"/>
+              <a:rPr kumimoji="1" lang="en-US" altLang="ja-JP" dirty="0">
+                <a:solidFill>
+                  <a:srgbClr val="FF0000"/>
+                </a:solidFill>
               </a:rPr>
-              <a:t>吹き飛ばす</a:t>
-            </a:r>
-            <a:r>
-              <a:rPr lang="en-US" altLang="ja-JP" sz="2800" dirty="0">
-                <a:ln w="3175">
-                  <a:solidFill>
-                    <a:schemeClr val="bg1"/>
-                  </a:solidFill>
-                </a:ln>
-                <a:gradFill>
-                  <a:gsLst>
-                    <a:gs pos="0">
-                      <a:schemeClr val="accent3">
-                        <a:lumMod val="40000"/>
-                        <a:lumOff val="60000"/>
-                      </a:schemeClr>
-                    </a:gs>
-                    <a:gs pos="39000">
-                      <a:schemeClr val="accent3">
-                        <a:lumMod val="60000"/>
-                        <a:lumOff val="40000"/>
-                      </a:schemeClr>
-                    </a:gs>
-                  </a:gsLst>
-                  <a:lin ang="5400000" scaled="1"/>
-                </a:gradFill>
-                <a:effectLst>
-                  <a:glow rad="127000">
-                    <a:schemeClr val="tx1">
-                      <a:alpha val="80000"/>
-                    </a:schemeClr>
-                  </a:glow>
-                </a:effectLst>
-                <a:latin typeface="851チカラヅヨク-かなB" panose="02000600000000000000" pitchFamily="2" charset="-128"/>
-                <a:ea typeface="851チカラヅヨク-かなB" panose="02000600000000000000" pitchFamily="2" charset="-128"/>
+              <a:t>『CELESTE</a:t>
+            </a:r>
+            <a:r>
+              <a:rPr kumimoji="1" lang="ja-JP" altLang="en-US" dirty="0">
+                <a:solidFill>
+                  <a:srgbClr val="FF0000"/>
+                </a:solidFill>
               </a:rPr>
-              <a:t>!!</a:t>
-            </a:r>
-          </a:p>
-        </p:txBody>
-      </p:sp>
-      <p:sp>
-        <p:nvSpPr>
-          <p:cNvPr id="62" name="テキスト ボックス 61">
-            <a:extLst>
-              <a:ext uri="{FF2B5EF4-FFF2-40B4-BE49-F238E27FC236}">
-                <a16:creationId xmlns:a16="http://schemas.microsoft.com/office/drawing/2014/main" id="{77D328EA-2341-5D4F-4E17-1C9259EFF931}"/>
+              <a:t>っぽい</a:t>
+            </a:r>
+            <a:r>
+              <a:rPr kumimoji="1" lang="en-US" altLang="ja-JP" dirty="0">
+                <a:solidFill>
+                  <a:srgbClr val="FF0000"/>
+                </a:solidFill>
+              </a:rPr>
+              <a:t>』</a:t>
+            </a:r>
+            <a:r>
+              <a:rPr kumimoji="1" lang="ja-JP" altLang="en-US" dirty="0">
+                <a:solidFill>
+                  <a:srgbClr val="FF0000"/>
+                </a:solidFill>
+              </a:rPr>
+              <a:t>じゃなくて</a:t>
+            </a:r>
+            <a:r>
+              <a:rPr kumimoji="1" lang="en-US" altLang="ja-JP" dirty="0">
+                <a:solidFill>
+                  <a:srgbClr val="FF0000"/>
+                </a:solidFill>
+              </a:rPr>
+              <a:t>『</a:t>
+            </a:r>
+            <a:r>
+              <a:rPr kumimoji="1" lang="ja-JP" altLang="en-US" dirty="0">
+                <a:solidFill>
+                  <a:srgbClr val="FF0000"/>
+                </a:solidFill>
+              </a:rPr>
+              <a:t>逃げる</a:t>
+            </a:r>
+            <a:r>
+              <a:rPr kumimoji="1" lang="en-US" altLang="ja-JP" dirty="0">
+                <a:solidFill>
+                  <a:srgbClr val="FF0000"/>
+                </a:solidFill>
+              </a:rPr>
+              <a:t>!!』</a:t>
+            </a:r>
+            <a:r>
+              <a:rPr kumimoji="1" lang="ja-JP" altLang="en-US" dirty="0">
+                <a:solidFill>
+                  <a:srgbClr val="FF0000"/>
+                </a:solidFill>
+              </a:rPr>
+              <a:t>を</a:t>
+            </a:r>
+            <a:endParaRPr kumimoji="1" lang="en-US" altLang="ja-JP" dirty="0">
+              <a:solidFill>
+                <a:srgbClr val="FF0000"/>
+              </a:solidFill>
+            </a:endParaRPr>
+          </a:p>
+          <a:p>
+            <a:r>
+              <a:rPr kumimoji="1" lang="ja-JP" altLang="en-US" dirty="0">
+                <a:solidFill>
+                  <a:srgbClr val="FF0000"/>
+                </a:solidFill>
+              </a:rPr>
+              <a:t>中心にしないと発想が凝り固まって面白くなくなる。</a:t>
+            </a:r>
+          </a:p>
+        </p:txBody>
+      </p:sp>
+      <p:sp>
+        <p:nvSpPr>
+          <p:cNvPr id="4" name="テキスト ボックス 3">
+            <a:extLst>
+              <a:ext uri="{FF2B5EF4-FFF2-40B4-BE49-F238E27FC236}">
+                <a16:creationId xmlns:a16="http://schemas.microsoft.com/office/drawing/2014/main" id="{BA27A1F9-0827-E9DB-6279-7A47D5626B56}"/>
               </a:ext>
             </a:extLst>
           </p:cNvPr>
@@ -6990,9 +5390,9 @@
           <p:nvPr/>
         </p:nvSpPr>
         <p:spPr>
-          <a:xfrm rot="21246098">
-            <a:off x="9019901" y="1878223"/>
-            <a:ext cx="2920992" cy="523220"/>
+          <a:xfrm>
+            <a:off x="9165148" y="917085"/>
+            <a:ext cx="6417141" cy="646331"/>
           </a:xfrm>
           <a:prstGeom prst="rect">
             <a:avLst/>
@@ -7006,146 +5406,37 @@
           <a:lstStyle/>
           <a:p>
             <a:r>
-              <a:rPr lang="ja-JP" altLang="en-US" sz="2800" dirty="0">
-                <a:ln w="3175">
-                  <a:solidFill>
-                    <a:schemeClr val="bg1"/>
-                  </a:solidFill>
-                </a:ln>
-                <a:gradFill>
-                  <a:gsLst>
-                    <a:gs pos="0">
-                      <a:schemeClr val="accent2">
-                        <a:lumMod val="40000"/>
-                        <a:lumOff val="60000"/>
-                      </a:schemeClr>
-                    </a:gs>
-                    <a:gs pos="62000">
-                      <a:schemeClr val="accent2"/>
-                    </a:gs>
-                  </a:gsLst>
-                  <a:lin ang="5400000" scaled="1"/>
-                </a:gradFill>
-                <a:effectLst>
-                  <a:glow rad="127000">
-                    <a:schemeClr val="tx1">
-                      <a:alpha val="80000"/>
-                    </a:schemeClr>
-                  </a:glow>
-                </a:effectLst>
-                <a:latin typeface="851チカラヅヨク-かなB" panose="02000600000000000000" pitchFamily="2" charset="-128"/>
-                <a:ea typeface="851チカラヅヨク-かなB" panose="02000600000000000000" pitchFamily="2" charset="-128"/>
+              <a:rPr kumimoji="1" lang="ja-JP" altLang="en-US" dirty="0">
+                <a:solidFill>
+                  <a:srgbClr val="FF0000"/>
+                </a:solidFill>
               </a:rPr>
-              <a:t>土に還るでござる</a:t>
-            </a:r>
-            <a:r>
-              <a:rPr lang="en-US" altLang="ja-JP" sz="2800" dirty="0">
-                <a:ln w="3175">
-                  <a:solidFill>
-                    <a:schemeClr val="bg1"/>
-                  </a:solidFill>
-                </a:ln>
-                <a:gradFill>
-                  <a:gsLst>
-                    <a:gs pos="0">
-                      <a:schemeClr val="accent2">
-                        <a:lumMod val="40000"/>
-                        <a:lumOff val="60000"/>
-                      </a:schemeClr>
-                    </a:gs>
-                    <a:gs pos="62000">
-                      <a:schemeClr val="accent2"/>
-                    </a:gs>
-                  </a:gsLst>
-                  <a:lin ang="5400000" scaled="1"/>
-                </a:gradFill>
-                <a:effectLst>
-                  <a:glow rad="127000">
-                    <a:schemeClr val="tx1">
-                      <a:alpha val="80000"/>
-                    </a:schemeClr>
-                  </a:glow>
-                </a:effectLst>
-                <a:latin typeface="851チカラヅヨク-かなB" panose="02000600000000000000" pitchFamily="2" charset="-128"/>
-                <a:ea typeface="851チカラヅヨク-かなB" panose="02000600000000000000" pitchFamily="2" charset="-128"/>
+              <a:t>地味なゲームにならないようにプレイヤーがハマれる要素と</a:t>
+            </a:r>
+            <a:endParaRPr kumimoji="1" lang="en-US" altLang="ja-JP" dirty="0">
+              <a:solidFill>
+                <a:srgbClr val="FF0000"/>
+              </a:solidFill>
+            </a:endParaRPr>
+          </a:p>
+          <a:p>
+            <a:r>
+              <a:rPr kumimoji="1" lang="ja-JP" altLang="en-US" dirty="0">
+                <a:solidFill>
+                  <a:srgbClr val="FF0000"/>
+                </a:solidFill>
               </a:rPr>
-              <a:t>!!</a:t>
-            </a:r>
-          </a:p>
-        </p:txBody>
-      </p:sp>
-      <p:pic>
-        <p:nvPicPr>
-          <p:cNvPr id="66" name="図 65" descr="アイコン&#10;&#10;自動的に生成された説明">
-            <a:extLst>
-              <a:ext uri="{FF2B5EF4-FFF2-40B4-BE49-F238E27FC236}">
-                <a16:creationId xmlns:a16="http://schemas.microsoft.com/office/drawing/2014/main" id="{B2BCA52D-6F56-5F70-F30B-7D53F81640FD}"/>
-              </a:ext>
-            </a:extLst>
-          </p:cNvPr>
-          <p:cNvPicPr>
-            <a:picLocks noChangeAspect="1"/>
-          </p:cNvPicPr>
-          <p:nvPr/>
-        </p:nvPicPr>
-        <p:blipFill>
-          <a:blip r:embed="rId12">
-            <a:extLst>
-              <a:ext uri="{28A0092B-C50C-407E-A947-70E740481C1C}">
-                <a14:useLocalDpi xmlns:a14="http://schemas.microsoft.com/office/drawing/2010/main" val="0"/>
-              </a:ext>
-            </a:extLst>
-          </a:blip>
-          <a:stretch>
-            <a:fillRect/>
-          </a:stretch>
-        </p:blipFill>
-        <p:spPr>
-          <a:xfrm rot="1036306">
-            <a:off x="9761189" y="5170172"/>
-            <a:ext cx="956341" cy="820678"/>
-          </a:xfrm>
-          <a:prstGeom prst="rect">
-            <a:avLst/>
-          </a:prstGeom>
-        </p:spPr>
-      </p:pic>
-    </p:spTree>
-    <p:extLst>
-      <p:ext uri="{BB962C8B-B14F-4D97-AF65-F5344CB8AC3E}">
-        <p14:creationId xmlns:p14="http://schemas.microsoft.com/office/powerpoint/2010/main" val="940005390"/>
-      </p:ext>
-    </p:extLst>
-  </p:cSld>
-  <p:clrMapOvr>
-    <a:masterClrMapping/>
-  </p:clrMapOvr>
-</p:sld>
-</file>
-
-<file path=ppt/slides/slide2.xml><?xml version="1.0" encoding="utf-8"?>
-<p:sld xmlns:a="http://schemas.openxmlformats.org/drawingml/2006/main" xmlns:r="http://schemas.openxmlformats.org/officeDocument/2006/relationships" xmlns:p="http://schemas.openxmlformats.org/presentationml/2006/main">
-  <p:cSld>
-    <p:spTree>
-      <p:nvGrpSpPr>
-        <p:cNvPr id="1" name=""/>
-        <p:cNvGrpSpPr/>
-        <p:nvPr/>
-      </p:nvGrpSpPr>
-      <p:grpSpPr>
-        <a:xfrm>
-          <a:off x="0" y="0"/>
-          <a:ext cx="0" cy="0"/>
-          <a:chOff x="0" y="0"/>
-          <a:chExt cx="0" cy="0"/>
-        </a:xfrm>
-      </p:grpSpPr>
-      <p:sp>
-        <p:nvSpPr>
-          <p:cNvPr id="8" name="テキスト ボックス 7">
-            <a:extLst>
-              <a:ext uri="{FF2B5EF4-FFF2-40B4-BE49-F238E27FC236}">
-                <a16:creationId xmlns:a16="http://schemas.microsoft.com/office/drawing/2014/main" id="{A0D77B55-0550-18AE-4E2D-75D8D5F6598B}"/>
+              <a:t>忍者らしさを感じられる要素を</a:t>
+            </a:r>
+          </a:p>
+        </p:txBody>
+      </p:sp>
+      <p:sp>
+        <p:nvSpPr>
+          <p:cNvPr id="5" name="テキスト ボックス 4">
+            <a:extLst>
+              <a:ext uri="{FF2B5EF4-FFF2-40B4-BE49-F238E27FC236}">
+                <a16:creationId xmlns:a16="http://schemas.microsoft.com/office/drawing/2014/main" id="{CE0221DD-E36C-2604-5A83-710C4655EF9E}"/>
               </a:ext>
             </a:extLst>
           </p:cNvPr>
@@ -7154,8 +5445,8 @@
         </p:nvSpPr>
         <p:spPr>
           <a:xfrm>
-            <a:off x="4859924" y="0"/>
-            <a:ext cx="2472152" cy="1107996"/>
+            <a:off x="9165147" y="1597113"/>
+            <a:ext cx="6571030" cy="923330"/>
           </a:xfrm>
           <a:prstGeom prst="rect">
             <a:avLst/>
@@ -7169,346 +5460,98 @@
           <a:lstStyle/>
           <a:p>
             <a:r>
-              <a:rPr kumimoji="1" lang="ja-JP" altLang="en-US" sz="6600" dirty="0">
-                <a:latin typeface="851チカラヅヨク-かなB" panose="02000600000000000000" pitchFamily="2" charset="-128"/>
-                <a:ea typeface="851チカラヅヨク-かなB" panose="02000600000000000000" pitchFamily="2" charset="-128"/>
+              <a:rPr kumimoji="1" lang="ja-JP" altLang="en-US" dirty="0">
+                <a:solidFill>
+                  <a:srgbClr val="FF0000"/>
+                </a:solidFill>
               </a:rPr>
-              <a:t>ダサ忍</a:t>
-            </a:r>
-          </a:p>
-        </p:txBody>
-      </p:sp>
-      <p:sp>
-        <p:nvSpPr>
-          <p:cNvPr id="9" name="テキスト ボックス 8">
-            <a:extLst>
-              <a:ext uri="{FF2B5EF4-FFF2-40B4-BE49-F238E27FC236}">
-                <a16:creationId xmlns:a16="http://schemas.microsoft.com/office/drawing/2014/main" id="{D9CF93B9-13E4-10D6-D1F1-E401AFD10550}"/>
-              </a:ext>
-            </a:extLst>
-          </p:cNvPr>
-          <p:cNvSpPr txBox="1"/>
-          <p:nvPr/>
-        </p:nvSpPr>
-        <p:spPr>
-          <a:xfrm>
-            <a:off x="4308169" y="5392026"/>
-            <a:ext cx="3416320" cy="369332"/>
-          </a:xfrm>
-          <a:prstGeom prst="rect">
-            <a:avLst/>
-          </a:prstGeom>
-          <a:noFill/>
-        </p:spPr>
-        <p:txBody>
-          <a:bodyPr wrap="none" rtlCol="0">
-            <a:spAutoFit/>
-          </a:bodyPr>
-          <a:lstStyle/>
-          <a:p>
-            <a:r>
-              <a:rPr lang="ja-JP" altLang="en-US" dirty="0"/>
-              <a:t>画面外から出てくるけどグキる</a:t>
-            </a:r>
-            <a:endParaRPr kumimoji="1" lang="ja-JP" altLang="en-US" dirty="0"/>
-          </a:p>
-        </p:txBody>
-      </p:sp>
-      <p:sp>
-        <p:nvSpPr>
-          <p:cNvPr id="11" name="テキスト ボックス 10">
-            <a:extLst>
-              <a:ext uri="{FF2B5EF4-FFF2-40B4-BE49-F238E27FC236}">
-                <a16:creationId xmlns:a16="http://schemas.microsoft.com/office/drawing/2014/main" id="{0CE27122-0B92-3032-87AB-EBF14AE325E2}"/>
-              </a:ext>
-            </a:extLst>
-          </p:cNvPr>
-          <p:cNvSpPr txBox="1"/>
-          <p:nvPr/>
-        </p:nvSpPr>
-        <p:spPr>
-          <a:xfrm>
-            <a:off x="6590236" y="4244775"/>
-            <a:ext cx="3185487" cy="369332"/>
-          </a:xfrm>
-          <a:prstGeom prst="rect">
-            <a:avLst/>
-          </a:prstGeom>
-          <a:noFill/>
-        </p:spPr>
-        <p:txBody>
-          <a:bodyPr wrap="none" rtlCol="0">
-            <a:spAutoFit/>
-          </a:bodyPr>
-          <a:lstStyle/>
-          <a:p>
-            <a:r>
-              <a:rPr kumimoji="1" lang="ja-JP" altLang="en-US" dirty="0"/>
-              <a:t>高いところから落ちたら死ぬ</a:t>
-            </a:r>
-          </a:p>
-        </p:txBody>
-      </p:sp>
-      <p:sp>
-        <p:nvSpPr>
-          <p:cNvPr id="12" name="テキスト ボックス 11">
-            <a:extLst>
-              <a:ext uri="{FF2B5EF4-FFF2-40B4-BE49-F238E27FC236}">
-                <a16:creationId xmlns:a16="http://schemas.microsoft.com/office/drawing/2014/main" id="{83855213-7703-F97A-C5EC-353D35D11B01}"/>
-              </a:ext>
-            </a:extLst>
-          </p:cNvPr>
-          <p:cNvSpPr txBox="1"/>
-          <p:nvPr/>
-        </p:nvSpPr>
-        <p:spPr>
-          <a:xfrm>
-            <a:off x="1991033" y="2423653"/>
-            <a:ext cx="2262158" cy="369332"/>
-          </a:xfrm>
-          <a:prstGeom prst="rect">
-            <a:avLst/>
-          </a:prstGeom>
-          <a:noFill/>
-        </p:spPr>
-        <p:txBody>
-          <a:bodyPr wrap="none" rtlCol="0">
-            <a:spAutoFit/>
-          </a:bodyPr>
-          <a:lstStyle/>
-          <a:p>
-            <a:r>
-              <a:rPr kumimoji="1" lang="ja-JP" altLang="en-US" dirty="0"/>
-              <a:t>手裏剣掠ったら死ぬ</a:t>
-            </a:r>
-          </a:p>
-        </p:txBody>
-      </p:sp>
-      <p:sp>
-        <p:nvSpPr>
-          <p:cNvPr id="13" name="テキスト ボックス 12">
-            <a:extLst>
-              <a:ext uri="{FF2B5EF4-FFF2-40B4-BE49-F238E27FC236}">
-                <a16:creationId xmlns:a16="http://schemas.microsoft.com/office/drawing/2014/main" id="{B11276B9-4CF5-B31A-043D-225A637A7023}"/>
-              </a:ext>
-            </a:extLst>
-          </p:cNvPr>
-          <p:cNvSpPr txBox="1"/>
-          <p:nvPr/>
-        </p:nvSpPr>
-        <p:spPr>
-          <a:xfrm>
-            <a:off x="2315498" y="2939847"/>
-            <a:ext cx="3185487" cy="369332"/>
-          </a:xfrm>
-          <a:prstGeom prst="rect">
-            <a:avLst/>
-          </a:prstGeom>
-          <a:noFill/>
-        </p:spPr>
-        <p:txBody>
-          <a:bodyPr wrap="none" rtlCol="0">
-            <a:spAutoFit/>
-          </a:bodyPr>
-          <a:lstStyle/>
-          <a:p>
-            <a:r>
-              <a:rPr kumimoji="1" lang="ja-JP" altLang="en-US" dirty="0"/>
-              <a:t>近くで大きな音鳴ったら死ぬ</a:t>
-            </a:r>
-          </a:p>
-        </p:txBody>
-      </p:sp>
-      <p:sp>
-        <p:nvSpPr>
-          <p:cNvPr id="14" name="テキスト ボックス 13">
-            <a:extLst>
-              <a:ext uri="{FF2B5EF4-FFF2-40B4-BE49-F238E27FC236}">
-                <a16:creationId xmlns:a16="http://schemas.microsoft.com/office/drawing/2014/main" id="{5C61C8FA-22AD-3CA4-4307-7D01E22A2DF1}"/>
-              </a:ext>
-            </a:extLst>
-          </p:cNvPr>
-          <p:cNvSpPr txBox="1"/>
-          <p:nvPr/>
-        </p:nvSpPr>
-        <p:spPr>
-          <a:xfrm>
-            <a:off x="1529368" y="3456041"/>
-            <a:ext cx="4108817" cy="369332"/>
-          </a:xfrm>
-          <a:prstGeom prst="rect">
-            <a:avLst/>
-          </a:prstGeom>
-          <a:noFill/>
-        </p:spPr>
-        <p:txBody>
-          <a:bodyPr wrap="none" rtlCol="0">
-            <a:spAutoFit/>
-          </a:bodyPr>
-          <a:lstStyle/>
-          <a:p>
-            <a:r>
-              <a:rPr kumimoji="1" lang="ja-JP" altLang="en-US" dirty="0"/>
-              <a:t>吹き矢した後息切れでしばらく動けん</a:t>
-            </a:r>
-          </a:p>
-        </p:txBody>
-      </p:sp>
-      <p:sp>
-        <p:nvSpPr>
-          <p:cNvPr id="15" name="テキスト ボックス 14">
-            <a:extLst>
-              <a:ext uri="{FF2B5EF4-FFF2-40B4-BE49-F238E27FC236}">
-                <a16:creationId xmlns:a16="http://schemas.microsoft.com/office/drawing/2014/main" id="{430CF6D1-CC51-C37F-2399-F7EA427FBDF8}"/>
-              </a:ext>
-            </a:extLst>
-          </p:cNvPr>
-          <p:cNvSpPr txBox="1"/>
-          <p:nvPr/>
-        </p:nvSpPr>
-        <p:spPr>
-          <a:xfrm>
-            <a:off x="1883248" y="3942741"/>
-            <a:ext cx="1800493" cy="369332"/>
-          </a:xfrm>
-          <a:prstGeom prst="rect">
-            <a:avLst/>
-          </a:prstGeom>
-          <a:noFill/>
-        </p:spPr>
-        <p:txBody>
-          <a:bodyPr wrap="none" rtlCol="0">
-            <a:spAutoFit/>
-          </a:bodyPr>
-          <a:lstStyle/>
-          <a:p>
-            <a:r>
-              <a:rPr kumimoji="1" lang="ja-JP" altLang="en-US" dirty="0"/>
-              <a:t>煙玉でせき込む</a:t>
-            </a:r>
-          </a:p>
-        </p:txBody>
-      </p:sp>
-      <p:sp>
-        <p:nvSpPr>
-          <p:cNvPr id="16" name="テキスト ボックス 15">
-            <a:extLst>
-              <a:ext uri="{FF2B5EF4-FFF2-40B4-BE49-F238E27FC236}">
-                <a16:creationId xmlns:a16="http://schemas.microsoft.com/office/drawing/2014/main" id="{7BE18561-31F7-6DB3-14D1-8A4490550E20}"/>
-              </a:ext>
-            </a:extLst>
-          </p:cNvPr>
-          <p:cNvSpPr txBox="1"/>
-          <p:nvPr/>
-        </p:nvSpPr>
-        <p:spPr>
-          <a:xfrm>
-            <a:off x="2507676" y="4429441"/>
-            <a:ext cx="1800493" cy="369332"/>
-          </a:xfrm>
-          <a:prstGeom prst="rect">
-            <a:avLst/>
-          </a:prstGeom>
-          <a:noFill/>
-        </p:spPr>
-        <p:txBody>
-          <a:bodyPr wrap="none" rtlCol="0">
-            <a:spAutoFit/>
-          </a:bodyPr>
-          <a:lstStyle/>
-          <a:p>
-            <a:r>
-              <a:rPr lang="ja-JP" altLang="en-US" dirty="0"/>
-              <a:t>狸寝入りが得意</a:t>
-            </a:r>
-            <a:endParaRPr kumimoji="1" lang="ja-JP" altLang="en-US" dirty="0"/>
-          </a:p>
-        </p:txBody>
-      </p:sp>
-      <p:sp>
-        <p:nvSpPr>
-          <p:cNvPr id="17" name="テキスト ボックス 16">
-            <a:extLst>
-              <a:ext uri="{FF2B5EF4-FFF2-40B4-BE49-F238E27FC236}">
-                <a16:creationId xmlns:a16="http://schemas.microsoft.com/office/drawing/2014/main" id="{958DBD0C-7EE4-8A03-742C-0E1FF1A331CE}"/>
-              </a:ext>
-            </a:extLst>
-          </p:cNvPr>
-          <p:cNvSpPr txBox="1"/>
-          <p:nvPr/>
-        </p:nvSpPr>
-        <p:spPr>
-          <a:xfrm>
-            <a:off x="1607429" y="4916141"/>
-            <a:ext cx="1800493" cy="369332"/>
-          </a:xfrm>
-          <a:prstGeom prst="rect">
-            <a:avLst/>
-          </a:prstGeom>
-          <a:noFill/>
-        </p:spPr>
-        <p:txBody>
-          <a:bodyPr wrap="none" rtlCol="0">
-            <a:spAutoFit/>
-          </a:bodyPr>
-          <a:lstStyle/>
-          <a:p>
-            <a:r>
-              <a:rPr lang="ja-JP" altLang="en-US" dirty="0"/>
-              <a:t>狸寝入りが得意</a:t>
-            </a:r>
-            <a:endParaRPr kumimoji="1" lang="ja-JP" altLang="en-US" dirty="0"/>
-          </a:p>
-        </p:txBody>
-      </p:sp>
-      <p:sp>
-        <p:nvSpPr>
-          <p:cNvPr id="18" name="テキスト ボックス 17">
-            <a:extLst>
-              <a:ext uri="{FF2B5EF4-FFF2-40B4-BE49-F238E27FC236}">
-                <a16:creationId xmlns:a16="http://schemas.microsoft.com/office/drawing/2014/main" id="{A9AAE1D5-9E93-7116-0121-1D52F69086CE}"/>
-              </a:ext>
-            </a:extLst>
-          </p:cNvPr>
-          <p:cNvSpPr txBox="1"/>
-          <p:nvPr/>
-        </p:nvSpPr>
-        <p:spPr>
-          <a:xfrm>
-            <a:off x="2599690" y="941182"/>
-            <a:ext cx="6992620" cy="769441"/>
-          </a:xfrm>
-          <a:prstGeom prst="rect">
-            <a:avLst/>
-          </a:prstGeom>
-          <a:noFill/>
-        </p:spPr>
-        <p:txBody>
-          <a:bodyPr wrap="none" rtlCol="0">
-            <a:spAutoFit/>
-          </a:bodyPr>
-          <a:lstStyle/>
-          <a:p>
-            <a:r>
-              <a:rPr kumimoji="1" lang="ja-JP" altLang="en-US" sz="4400" dirty="0">
-                <a:latin typeface="851チカラヅヨク-かなB" panose="02000600000000000000" pitchFamily="2" charset="-128"/>
-                <a:ea typeface="851チカラヅヨク-かなB" panose="02000600000000000000" pitchFamily="2" charset="-128"/>
+              <a:t>ギミックを使うのは良いが、プレイヤーが</a:t>
+            </a:r>
+            <a:endParaRPr kumimoji="1" lang="en-US" altLang="ja-JP" dirty="0">
+              <a:solidFill>
+                <a:srgbClr val="FF0000"/>
+              </a:solidFill>
+            </a:endParaRPr>
+          </a:p>
+          <a:p>
+            <a:r>
+              <a:rPr lang="ja-JP" altLang="en-US" dirty="0">
+                <a:solidFill>
+                  <a:srgbClr val="FF0000"/>
+                </a:solidFill>
               </a:rPr>
-              <a:t>ダサい忍者</a:t>
-            </a:r>
-            <a:r>
-              <a:rPr kumimoji="1" lang="en-US" altLang="ja-JP" sz="4400" dirty="0">
-                <a:latin typeface="851チカラヅヨク-かなB" panose="02000600000000000000" pitchFamily="2" charset="-128"/>
-                <a:ea typeface="851チカラヅヨク-かなB" panose="02000600000000000000" pitchFamily="2" charset="-128"/>
+              <a:t>パッと見で気付けるギミックを作ろう</a:t>
+            </a:r>
+            <a:endParaRPr lang="en-US" altLang="ja-JP" dirty="0">
+              <a:solidFill>
+                <a:srgbClr val="FF0000"/>
+              </a:solidFill>
+            </a:endParaRPr>
+          </a:p>
+          <a:p>
+            <a:r>
+              <a:rPr lang="ja-JP" altLang="en-US" dirty="0">
+                <a:solidFill>
+                  <a:srgbClr val="FF0000"/>
+                </a:solidFill>
+              </a:rPr>
+              <a:t>そこから</a:t>
+            </a:r>
+            <a:r>
+              <a:rPr lang="en-US" altLang="ja-JP" dirty="0">
+                <a:solidFill>
+                  <a:srgbClr val="FF0000"/>
+                </a:solidFill>
+              </a:rPr>
+              <a:t>『</a:t>
+            </a:r>
+            <a:r>
+              <a:rPr lang="ja-JP" altLang="en-US" dirty="0">
+                <a:solidFill>
+                  <a:srgbClr val="FF0000"/>
+                </a:solidFill>
+              </a:rPr>
+              <a:t>こうすれば良い具合に行ける</a:t>
+            </a:r>
+            <a:r>
+              <a:rPr lang="en-US" altLang="ja-JP" dirty="0">
+                <a:solidFill>
+                  <a:srgbClr val="FF0000"/>
+                </a:solidFill>
               </a:rPr>
               <a:t>…</a:t>
             </a:r>
             <a:r>
-              <a:rPr kumimoji="1" lang="ja-JP" altLang="en-US" sz="4400" dirty="0">
-                <a:latin typeface="851チカラヅヨク-かなB" panose="02000600000000000000" pitchFamily="2" charset="-128"/>
-                <a:ea typeface="851チカラヅヨク-かなB" panose="02000600000000000000" pitchFamily="2" charset="-128"/>
+              <a:rPr lang="ja-JP" altLang="en-US" dirty="0">
+                <a:solidFill>
+                  <a:srgbClr val="FF0000"/>
+                </a:solidFill>
               </a:rPr>
-              <a:t>いてもいいじゃない</a:t>
+              <a:t>？</a:t>
+            </a:r>
+            <a:r>
+              <a:rPr lang="en-US" altLang="ja-JP" dirty="0">
+                <a:solidFill>
+                  <a:srgbClr val="FF0000"/>
+                </a:solidFill>
+              </a:rPr>
+              <a:t>』</a:t>
+            </a:r>
+            <a:r>
+              <a:rPr lang="ja-JP" altLang="en-US" dirty="0">
+                <a:solidFill>
+                  <a:srgbClr val="FF0000"/>
+                </a:solidFill>
+              </a:rPr>
+              <a:t>に転換させて</a:t>
+            </a:r>
+            <a:r>
+              <a:rPr lang="en-US" altLang="ja-JP" dirty="0">
+                <a:solidFill>
+                  <a:srgbClr val="FF0000"/>
+                </a:solidFill>
+              </a:rPr>
+              <a:t>!!</a:t>
             </a:r>
           </a:p>
         </p:txBody>
@@ -7516,7 +5559,7 @@
     </p:spTree>
     <p:extLst>
       <p:ext uri="{BB962C8B-B14F-4D97-AF65-F5344CB8AC3E}">
-        <p14:creationId xmlns:p14="http://schemas.microsoft.com/office/powerpoint/2010/main" val="986454947"/>
+        <p14:creationId xmlns:p14="http://schemas.microsoft.com/office/powerpoint/2010/main" val="4031597523"/>
       </p:ext>
     </p:extLst>
   </p:cSld>

--- a/98_plan/00_pptx/06_MninCraft.pptx
+++ b/98_plan/00_pptx/06_MninCraft.pptx
@@ -259,7 +259,7 @@
           <a:p>
             <a:fld id="{846CE23E-733E-4794-AFAC-F15591D885D5}" type="datetimeFigureOut">
               <a:rPr kumimoji="1" lang="ja-JP" altLang="en-US" smtClean="0"/>
-              <a:t>2024/4/24</a:t>
+              <a:t>2024/4/25</a:t>
             </a:fld>
             <a:endParaRPr kumimoji="1" lang="ja-JP" altLang="en-US"/>
           </a:p>
@@ -489,7 +489,7 @@
           <a:p>
             <a:fld id="{846CE23E-733E-4794-AFAC-F15591D885D5}" type="datetimeFigureOut">
               <a:rPr kumimoji="1" lang="ja-JP" altLang="en-US" smtClean="0"/>
-              <a:t>2024/4/24</a:t>
+              <a:t>2024/4/25</a:t>
             </a:fld>
             <a:endParaRPr kumimoji="1" lang="ja-JP" altLang="en-US"/>
           </a:p>
@@ -729,7 +729,7 @@
           <a:p>
             <a:fld id="{846CE23E-733E-4794-AFAC-F15591D885D5}" type="datetimeFigureOut">
               <a:rPr kumimoji="1" lang="ja-JP" altLang="en-US" smtClean="0"/>
-              <a:t>2024/4/24</a:t>
+              <a:t>2024/4/25</a:t>
             </a:fld>
             <a:endParaRPr kumimoji="1" lang="ja-JP" altLang="en-US"/>
           </a:p>
@@ -959,7 +959,7 @@
           <a:p>
             <a:fld id="{846CE23E-733E-4794-AFAC-F15591D885D5}" type="datetimeFigureOut">
               <a:rPr kumimoji="1" lang="ja-JP" altLang="en-US" smtClean="0"/>
-              <a:t>2024/4/24</a:t>
+              <a:t>2024/4/25</a:t>
             </a:fld>
             <a:endParaRPr kumimoji="1" lang="ja-JP" altLang="en-US"/>
           </a:p>
@@ -1234,7 +1234,7 @@
           <a:p>
             <a:fld id="{846CE23E-733E-4794-AFAC-F15591D885D5}" type="datetimeFigureOut">
               <a:rPr kumimoji="1" lang="ja-JP" altLang="en-US" smtClean="0"/>
-              <a:t>2024/4/24</a:t>
+              <a:t>2024/4/25</a:t>
             </a:fld>
             <a:endParaRPr kumimoji="1" lang="ja-JP" altLang="en-US"/>
           </a:p>
@@ -1563,7 +1563,7 @@
           <a:p>
             <a:fld id="{846CE23E-733E-4794-AFAC-F15591D885D5}" type="datetimeFigureOut">
               <a:rPr kumimoji="1" lang="ja-JP" altLang="en-US" smtClean="0"/>
-              <a:t>2024/4/24</a:t>
+              <a:t>2024/4/25</a:t>
             </a:fld>
             <a:endParaRPr kumimoji="1" lang="ja-JP" altLang="en-US"/>
           </a:p>
@@ -2039,7 +2039,7 @@
           <a:p>
             <a:fld id="{846CE23E-733E-4794-AFAC-F15591D885D5}" type="datetimeFigureOut">
               <a:rPr kumimoji="1" lang="ja-JP" altLang="en-US" smtClean="0"/>
-              <a:t>2024/4/24</a:t>
+              <a:t>2024/4/25</a:t>
             </a:fld>
             <a:endParaRPr kumimoji="1" lang="ja-JP" altLang="en-US"/>
           </a:p>
@@ -2180,7 +2180,7 @@
           <a:p>
             <a:fld id="{846CE23E-733E-4794-AFAC-F15591D885D5}" type="datetimeFigureOut">
               <a:rPr kumimoji="1" lang="ja-JP" altLang="en-US" smtClean="0"/>
-              <a:t>2024/4/24</a:t>
+              <a:t>2024/4/25</a:t>
             </a:fld>
             <a:endParaRPr kumimoji="1" lang="ja-JP" altLang="en-US"/>
           </a:p>
@@ -2293,7 +2293,7 @@
           <a:p>
             <a:fld id="{846CE23E-733E-4794-AFAC-F15591D885D5}" type="datetimeFigureOut">
               <a:rPr kumimoji="1" lang="ja-JP" altLang="en-US" smtClean="0"/>
-              <a:t>2024/4/24</a:t>
+              <a:t>2024/4/25</a:t>
             </a:fld>
             <a:endParaRPr kumimoji="1" lang="ja-JP" altLang="en-US"/>
           </a:p>
@@ -2636,7 +2636,7 @@
           <a:p>
             <a:fld id="{846CE23E-733E-4794-AFAC-F15591D885D5}" type="datetimeFigureOut">
               <a:rPr kumimoji="1" lang="ja-JP" altLang="en-US" smtClean="0"/>
-              <a:t>2024/4/24</a:t>
+              <a:t>2024/4/25</a:t>
             </a:fld>
             <a:endParaRPr kumimoji="1" lang="ja-JP" altLang="en-US"/>
           </a:p>
@@ -2924,7 +2924,7 @@
           <a:p>
             <a:fld id="{846CE23E-733E-4794-AFAC-F15591D885D5}" type="datetimeFigureOut">
               <a:rPr kumimoji="1" lang="ja-JP" altLang="en-US" smtClean="0"/>
-              <a:t>2024/4/24</a:t>
+              <a:t>2024/4/25</a:t>
             </a:fld>
             <a:endParaRPr kumimoji="1" lang="ja-JP" altLang="en-US"/>
           </a:p>
@@ -3197,7 +3197,7 @@
           <a:p>
             <a:fld id="{846CE23E-733E-4794-AFAC-F15591D885D5}" type="datetimeFigureOut">
               <a:rPr kumimoji="1" lang="ja-JP" altLang="en-US" smtClean="0"/>
-              <a:t>2024/4/24</a:t>
+              <a:t>2024/4/25</a:t>
             </a:fld>
             <a:endParaRPr kumimoji="1" lang="ja-JP" altLang="en-US"/>
           </a:p>
@@ -3632,12 +3632,597 @@
           <a:chExt cx="0" cy="0"/>
         </a:xfrm>
       </p:grpSpPr>
+      <p:grpSp>
+        <p:nvGrpSpPr>
+          <p:cNvPr id="89" name="グループ化 88">
+            <a:extLst>
+              <a:ext uri="{FF2B5EF4-FFF2-40B4-BE49-F238E27FC236}">
+                <a16:creationId xmlns:a16="http://schemas.microsoft.com/office/drawing/2014/main" id="{6E4AFD68-B556-7ADE-0A86-EED9BD4D20C0}"/>
+              </a:ext>
+            </a:extLst>
+          </p:cNvPr>
+          <p:cNvGrpSpPr/>
+          <p:nvPr/>
+        </p:nvGrpSpPr>
+        <p:grpSpPr>
+          <a:xfrm>
+            <a:off x="5703253" y="3763193"/>
+            <a:ext cx="3055480" cy="3117874"/>
+            <a:chOff x="6010807" y="3895241"/>
+            <a:chExt cx="3055480" cy="3117874"/>
+          </a:xfrm>
+        </p:grpSpPr>
+        <p:pic>
+          <p:nvPicPr>
+            <p:cNvPr id="62" name="図 61" descr="アイコン&#10;&#10;自動的に生成された説明">
+              <a:extLst>
+                <a:ext uri="{FF2B5EF4-FFF2-40B4-BE49-F238E27FC236}">
+                  <a16:creationId xmlns:a16="http://schemas.microsoft.com/office/drawing/2014/main" id="{5AD044B2-82B4-C81C-FCCF-524F25445E82}"/>
+                </a:ext>
+              </a:extLst>
+            </p:cNvPr>
+            <p:cNvPicPr>
+              <a:picLocks noChangeAspect="1"/>
+            </p:cNvPicPr>
+            <p:nvPr/>
+          </p:nvPicPr>
+          <p:blipFill>
+            <a:blip r:embed="rId2">
+              <a:extLst>
+                <a:ext uri="{28A0092B-C50C-407E-A947-70E740481C1C}">
+                  <a14:useLocalDpi xmlns:a14="http://schemas.microsoft.com/office/drawing/2010/main" val="0"/>
+                </a:ext>
+              </a:extLst>
+            </a:blip>
+            <a:stretch>
+              <a:fillRect/>
+            </a:stretch>
+          </p:blipFill>
+          <p:spPr>
+            <a:xfrm>
+              <a:off x="6010807" y="3895241"/>
+              <a:ext cx="3055480" cy="2962759"/>
+            </a:xfrm>
+            <a:prstGeom prst="rect">
+              <a:avLst/>
+            </a:prstGeom>
+            <a:effectLst>
+              <a:glow rad="190500">
+                <a:srgbClr val="00B0F0">
+                  <a:alpha val="70000"/>
+                </a:srgbClr>
+              </a:glow>
+            </a:effectLst>
+          </p:spPr>
+        </p:pic>
+        <p:cxnSp>
+          <p:nvCxnSpPr>
+            <p:cNvPr id="54" name="直線コネクタ 53">
+              <a:extLst>
+                <a:ext uri="{FF2B5EF4-FFF2-40B4-BE49-F238E27FC236}">
+                  <a16:creationId xmlns:a16="http://schemas.microsoft.com/office/drawing/2014/main" id="{BD0FF17F-37AF-25E9-B5CD-43211B02438D}"/>
+                </a:ext>
+              </a:extLst>
+            </p:cNvPr>
+            <p:cNvCxnSpPr>
+              <a:cxnSpLocks/>
+            </p:cNvCxnSpPr>
+            <p:nvPr/>
+          </p:nvCxnSpPr>
+          <p:spPr>
+            <a:xfrm>
+              <a:off x="7401461" y="5575217"/>
+              <a:ext cx="1722" cy="107398"/>
+            </a:xfrm>
+            <a:prstGeom prst="line">
+              <a:avLst/>
+            </a:prstGeom>
+            <a:ln>
+              <a:solidFill>
+                <a:schemeClr val="tx1"/>
+              </a:solidFill>
+            </a:ln>
+          </p:spPr>
+          <p:style>
+            <a:lnRef idx="2">
+              <a:schemeClr val="accent1"/>
+            </a:lnRef>
+            <a:fillRef idx="0">
+              <a:schemeClr val="accent1"/>
+            </a:fillRef>
+            <a:effectRef idx="1">
+              <a:schemeClr val="accent1"/>
+            </a:effectRef>
+            <a:fontRef idx="minor">
+              <a:schemeClr val="tx1"/>
+            </a:fontRef>
+          </p:style>
+        </p:cxnSp>
+        <p:pic>
+          <p:nvPicPr>
+            <p:cNvPr id="67" name="図 66" descr="座る, 自転車, 水, ミラー が含まれている画像&#10;&#10;自動的に生成された説明">
+              <a:extLst>
+                <a:ext uri="{FF2B5EF4-FFF2-40B4-BE49-F238E27FC236}">
+                  <a16:creationId xmlns:a16="http://schemas.microsoft.com/office/drawing/2014/main" id="{6898C8EB-898F-19AE-ECF8-545163D84745}"/>
+                </a:ext>
+              </a:extLst>
+            </p:cNvPr>
+            <p:cNvPicPr>
+              <a:picLocks noChangeAspect="1"/>
+            </p:cNvPicPr>
+            <p:nvPr/>
+          </p:nvPicPr>
+          <p:blipFill rotWithShape="1">
+            <a:blip r:embed="rId3">
+              <a:extLst>
+                <a:ext uri="{28A0092B-C50C-407E-A947-70E740481C1C}">
+                  <a14:useLocalDpi xmlns:a14="http://schemas.microsoft.com/office/drawing/2010/main" val="0"/>
+                </a:ext>
+              </a:extLst>
+            </a:blip>
+            <a:srcRect t="54128"/>
+            <a:stretch/>
+          </p:blipFill>
+          <p:spPr>
+            <a:xfrm rot="4968186">
+              <a:off x="6641301" y="6503047"/>
+              <a:ext cx="699336" cy="320800"/>
+            </a:xfrm>
+            <a:prstGeom prst="rect">
+              <a:avLst/>
+            </a:prstGeom>
+            <a:effectLst>
+              <a:glow rad="139700">
+                <a:srgbClr val="FFFF00">
+                  <a:alpha val="54000"/>
+                </a:srgbClr>
+              </a:glow>
+            </a:effectLst>
+          </p:spPr>
+        </p:pic>
+        <p:cxnSp>
+          <p:nvCxnSpPr>
+            <p:cNvPr id="72" name="直線コネクタ 71">
+              <a:extLst>
+                <a:ext uri="{FF2B5EF4-FFF2-40B4-BE49-F238E27FC236}">
+                  <a16:creationId xmlns:a16="http://schemas.microsoft.com/office/drawing/2014/main" id="{7E938172-7864-429A-A475-628C58B4F56A}"/>
+                </a:ext>
+              </a:extLst>
+            </p:cNvPr>
+            <p:cNvCxnSpPr>
+              <a:cxnSpLocks/>
+            </p:cNvCxnSpPr>
+            <p:nvPr/>
+          </p:nvCxnSpPr>
+          <p:spPr>
+            <a:xfrm flipH="1">
+              <a:off x="7419477" y="6429375"/>
+              <a:ext cx="119070" cy="80125"/>
+            </a:xfrm>
+            <a:prstGeom prst="line">
+              <a:avLst/>
+            </a:prstGeom>
+            <a:ln>
+              <a:solidFill>
+                <a:schemeClr val="tx1"/>
+              </a:solidFill>
+            </a:ln>
+          </p:spPr>
+          <p:style>
+            <a:lnRef idx="2">
+              <a:schemeClr val="accent1"/>
+            </a:lnRef>
+            <a:fillRef idx="0">
+              <a:schemeClr val="accent1"/>
+            </a:fillRef>
+            <a:effectRef idx="1">
+              <a:schemeClr val="accent1"/>
+            </a:effectRef>
+            <a:fontRef idx="minor">
+              <a:schemeClr val="tx1"/>
+            </a:fontRef>
+          </p:style>
+        </p:cxnSp>
+        <p:pic>
+          <p:nvPicPr>
+            <p:cNvPr id="51" name="図 50" descr="座る, 自転車, 水, ミラー が含まれている画像&#10;&#10;自動的に生成された説明">
+              <a:extLst>
+                <a:ext uri="{FF2B5EF4-FFF2-40B4-BE49-F238E27FC236}">
+                  <a16:creationId xmlns:a16="http://schemas.microsoft.com/office/drawing/2014/main" id="{19249447-5A77-C69A-457F-77DCF0FB490A}"/>
+                </a:ext>
+              </a:extLst>
+            </p:cNvPr>
+            <p:cNvPicPr>
+              <a:picLocks noChangeAspect="1"/>
+            </p:cNvPicPr>
+            <p:nvPr/>
+          </p:nvPicPr>
+          <p:blipFill rotWithShape="1">
+            <a:blip r:embed="rId3">
+              <a:extLst>
+                <a:ext uri="{28A0092B-C50C-407E-A947-70E740481C1C}">
+                  <a14:useLocalDpi xmlns:a14="http://schemas.microsoft.com/office/drawing/2010/main" val="0"/>
+                </a:ext>
+              </a:extLst>
+            </a:blip>
+            <a:srcRect t="1" b="36469"/>
+            <a:stretch/>
+          </p:blipFill>
+          <p:spPr>
+            <a:xfrm rot="3266095">
+              <a:off x="6983702" y="6352008"/>
+              <a:ext cx="699336" cy="444289"/>
+            </a:xfrm>
+            <a:prstGeom prst="rect">
+              <a:avLst/>
+            </a:prstGeom>
+            <a:effectLst>
+              <a:glow rad="139700">
+                <a:srgbClr val="FFFF00">
+                  <a:alpha val="54000"/>
+                </a:srgbClr>
+              </a:glow>
+            </a:effectLst>
+          </p:spPr>
+        </p:pic>
+        <p:pic>
+          <p:nvPicPr>
+            <p:cNvPr id="75" name="図 74" descr="座る, 自転車, 水, ミラー が含まれている画像&#10;&#10;自動的に生成された説明">
+              <a:extLst>
+                <a:ext uri="{FF2B5EF4-FFF2-40B4-BE49-F238E27FC236}">
+                  <a16:creationId xmlns:a16="http://schemas.microsoft.com/office/drawing/2014/main" id="{F248116C-EAF6-7BC5-BAA1-214A1529B216}"/>
+                </a:ext>
+              </a:extLst>
+            </p:cNvPr>
+            <p:cNvPicPr>
+              <a:picLocks noChangeAspect="1"/>
+            </p:cNvPicPr>
+            <p:nvPr/>
+          </p:nvPicPr>
+          <p:blipFill>
+            <a:blip r:embed="rId3">
+              <a:alphaModFix amt="36000"/>
+              <a:extLst>
+                <a:ext uri="{28A0092B-C50C-407E-A947-70E740481C1C}">
+                  <a14:useLocalDpi xmlns:a14="http://schemas.microsoft.com/office/drawing/2010/main" val="0"/>
+                </a:ext>
+              </a:extLst>
+            </a:blip>
+            <a:stretch>
+              <a:fillRect/>
+            </a:stretch>
+          </p:blipFill>
+          <p:spPr>
+            <a:xfrm>
+              <a:off x="7095227" y="5610449"/>
+              <a:ext cx="622225" cy="622225"/>
+            </a:xfrm>
+            <a:prstGeom prst="rect">
+              <a:avLst/>
+            </a:prstGeom>
+          </p:spPr>
+        </p:pic>
+        <p:pic>
+          <p:nvPicPr>
+            <p:cNvPr id="80" name="図 79" descr="アイコン&#10;&#10;自動的に生成された説明">
+              <a:extLst>
+                <a:ext uri="{FF2B5EF4-FFF2-40B4-BE49-F238E27FC236}">
+                  <a16:creationId xmlns:a16="http://schemas.microsoft.com/office/drawing/2014/main" id="{0A3D75B8-99CD-0517-CF58-B26ABE257B62}"/>
+                </a:ext>
+              </a:extLst>
+            </p:cNvPr>
+            <p:cNvPicPr>
+              <a:picLocks noChangeAspect="1"/>
+            </p:cNvPicPr>
+            <p:nvPr/>
+          </p:nvPicPr>
+          <p:blipFill rotWithShape="1">
+            <a:blip r:embed="rId4">
+              <a:extLst>
+                <a:ext uri="{28A0092B-C50C-407E-A947-70E740481C1C}">
+                  <a14:useLocalDpi xmlns:a14="http://schemas.microsoft.com/office/drawing/2010/main" val="0"/>
+                </a:ext>
+              </a:extLst>
+            </a:blip>
+            <a:srcRect l="1" t="1" r="46030" b="-1"/>
+            <a:stretch/>
+          </p:blipFill>
+          <p:spPr>
+            <a:xfrm rot="4500728">
+              <a:off x="7785684" y="5548579"/>
+              <a:ext cx="246183" cy="330213"/>
+            </a:xfrm>
+            <a:prstGeom prst="rect">
+              <a:avLst/>
+            </a:prstGeom>
+            <a:effectLst>
+              <a:glow rad="101600">
+                <a:srgbClr val="00B0F0">
+                  <a:alpha val="70000"/>
+                </a:srgbClr>
+              </a:glow>
+            </a:effectLst>
+          </p:spPr>
+        </p:pic>
+        <p:cxnSp>
+          <p:nvCxnSpPr>
+            <p:cNvPr id="82" name="直線コネクタ 81">
+              <a:extLst>
+                <a:ext uri="{FF2B5EF4-FFF2-40B4-BE49-F238E27FC236}">
+                  <a16:creationId xmlns:a16="http://schemas.microsoft.com/office/drawing/2014/main" id="{59CE586C-5FA0-028C-0E16-5518C3DD83F6}"/>
+                </a:ext>
+              </a:extLst>
+            </p:cNvPr>
+            <p:cNvCxnSpPr/>
+            <p:nvPr/>
+          </p:nvCxnSpPr>
+          <p:spPr>
+            <a:xfrm flipV="1">
+              <a:off x="7515059" y="5644359"/>
+              <a:ext cx="275833" cy="24786"/>
+            </a:xfrm>
+            <a:prstGeom prst="line">
+              <a:avLst/>
+            </a:prstGeom>
+            <a:ln>
+              <a:solidFill>
+                <a:schemeClr val="tx1"/>
+              </a:solidFill>
+            </a:ln>
+            <a:effectLst>
+              <a:glow rad="101600">
+                <a:srgbClr val="00B0F0">
+                  <a:alpha val="70000"/>
+                </a:srgbClr>
+              </a:glow>
+            </a:effectLst>
+          </p:spPr>
+          <p:style>
+            <a:lnRef idx="2">
+              <a:schemeClr val="accent1"/>
+            </a:lnRef>
+            <a:fillRef idx="0">
+              <a:schemeClr val="accent1"/>
+            </a:fillRef>
+            <a:effectRef idx="1">
+              <a:schemeClr val="accent1"/>
+            </a:effectRef>
+            <a:fontRef idx="minor">
+              <a:schemeClr val="tx1"/>
+            </a:fontRef>
+          </p:style>
+        </p:cxnSp>
+        <p:cxnSp>
+          <p:nvCxnSpPr>
+            <p:cNvPr id="83" name="直線コネクタ 82">
+              <a:extLst>
+                <a:ext uri="{FF2B5EF4-FFF2-40B4-BE49-F238E27FC236}">
+                  <a16:creationId xmlns:a16="http://schemas.microsoft.com/office/drawing/2014/main" id="{026BA445-A7F5-9181-CDFB-5AF9DE2BED90}"/>
+                </a:ext>
+              </a:extLst>
+            </p:cNvPr>
+            <p:cNvCxnSpPr>
+              <a:cxnSpLocks/>
+            </p:cNvCxnSpPr>
+            <p:nvPr/>
+          </p:nvCxnSpPr>
+          <p:spPr>
+            <a:xfrm flipV="1">
+              <a:off x="7616256" y="5721651"/>
+              <a:ext cx="210988" cy="21328"/>
+            </a:xfrm>
+            <a:prstGeom prst="line">
+              <a:avLst/>
+            </a:prstGeom>
+            <a:ln>
+              <a:solidFill>
+                <a:schemeClr val="tx1"/>
+              </a:solidFill>
+            </a:ln>
+            <a:effectLst>
+              <a:glow rad="101600">
+                <a:srgbClr val="00B0F0">
+                  <a:alpha val="70000"/>
+                </a:srgbClr>
+              </a:glow>
+            </a:effectLst>
+          </p:spPr>
+          <p:style>
+            <a:lnRef idx="2">
+              <a:schemeClr val="accent1"/>
+            </a:lnRef>
+            <a:fillRef idx="0">
+              <a:schemeClr val="accent1"/>
+            </a:fillRef>
+            <a:effectRef idx="1">
+              <a:schemeClr val="accent1"/>
+            </a:effectRef>
+            <a:fontRef idx="minor">
+              <a:schemeClr val="tx1"/>
+            </a:fontRef>
+          </p:style>
+        </p:cxnSp>
+        <p:cxnSp>
+          <p:nvCxnSpPr>
+            <p:cNvPr id="85" name="直線コネクタ 84">
+              <a:extLst>
+                <a:ext uri="{FF2B5EF4-FFF2-40B4-BE49-F238E27FC236}">
+                  <a16:creationId xmlns:a16="http://schemas.microsoft.com/office/drawing/2014/main" id="{761650B8-E0FC-C95E-802F-317817DBC6E0}"/>
+                </a:ext>
+              </a:extLst>
+            </p:cNvPr>
+            <p:cNvCxnSpPr>
+              <a:cxnSpLocks/>
+            </p:cNvCxnSpPr>
+            <p:nvPr/>
+          </p:nvCxnSpPr>
+          <p:spPr>
+            <a:xfrm flipV="1">
+              <a:off x="7510762" y="5815845"/>
+              <a:ext cx="252269" cy="14820"/>
+            </a:xfrm>
+            <a:prstGeom prst="line">
+              <a:avLst/>
+            </a:prstGeom>
+            <a:ln>
+              <a:solidFill>
+                <a:schemeClr val="tx1"/>
+              </a:solidFill>
+            </a:ln>
+            <a:effectLst>
+              <a:glow rad="101600">
+                <a:srgbClr val="00B0F0">
+                  <a:alpha val="70000"/>
+                </a:srgbClr>
+              </a:glow>
+            </a:effectLst>
+          </p:spPr>
+          <p:style>
+            <a:lnRef idx="2">
+              <a:schemeClr val="accent1"/>
+            </a:lnRef>
+            <a:fillRef idx="0">
+              <a:schemeClr val="accent1"/>
+            </a:fillRef>
+            <a:effectRef idx="1">
+              <a:schemeClr val="accent1"/>
+            </a:effectRef>
+            <a:fontRef idx="minor">
+              <a:schemeClr val="tx1"/>
+            </a:fontRef>
+          </p:style>
+        </p:cxnSp>
+      </p:grpSp>
+      <p:grpSp>
+        <p:nvGrpSpPr>
+          <p:cNvPr id="43" name="グループ化 42">
+            <a:extLst>
+              <a:ext uri="{FF2B5EF4-FFF2-40B4-BE49-F238E27FC236}">
+                <a16:creationId xmlns:a16="http://schemas.microsoft.com/office/drawing/2014/main" id="{61BD84CF-50E9-6A1D-3CA3-92D184131E88}"/>
+              </a:ext>
+            </a:extLst>
+          </p:cNvPr>
+          <p:cNvGrpSpPr/>
+          <p:nvPr/>
+        </p:nvGrpSpPr>
+        <p:grpSpPr>
+          <a:xfrm>
+            <a:off x="239792" y="3654974"/>
+            <a:ext cx="2100746" cy="1292600"/>
+            <a:chOff x="170181" y="4023554"/>
+            <a:chExt cx="2726444" cy="1551531"/>
+          </a:xfrm>
+          <a:effectLst>
+            <a:glow rad="190500">
+              <a:srgbClr val="00B0F0">
+                <a:alpha val="50000"/>
+              </a:srgbClr>
+            </a:glow>
+          </a:effectLst>
+        </p:grpSpPr>
+        <p:pic>
+          <p:nvPicPr>
+            <p:cNvPr id="40" name="図 39" descr="建物, テーブル, ウィンドウ が含まれている画像&#10;&#10;自動的に生成された説明">
+              <a:extLst>
+                <a:ext uri="{FF2B5EF4-FFF2-40B4-BE49-F238E27FC236}">
+                  <a16:creationId xmlns:a16="http://schemas.microsoft.com/office/drawing/2014/main" id="{AB61059D-A6EB-8F59-61DE-CC7A7ECD9718}"/>
+                </a:ext>
+              </a:extLst>
+            </p:cNvPr>
+            <p:cNvPicPr>
+              <a:picLocks noChangeAspect="1"/>
+            </p:cNvPicPr>
+            <p:nvPr/>
+          </p:nvPicPr>
+          <p:blipFill>
+            <a:blip r:embed="rId5">
+              <a:extLst>
+                <a:ext uri="{28A0092B-C50C-407E-A947-70E740481C1C}">
+                  <a14:useLocalDpi xmlns:a14="http://schemas.microsoft.com/office/drawing/2010/main" val="0"/>
+                </a:ext>
+              </a:extLst>
+            </a:blip>
+            <a:stretch>
+              <a:fillRect/>
+            </a:stretch>
+          </p:blipFill>
+          <p:spPr>
+            <a:xfrm>
+              <a:off x="170181" y="4023554"/>
+              <a:ext cx="2726444" cy="1551531"/>
+            </a:xfrm>
+            <a:prstGeom prst="rect">
+              <a:avLst/>
+            </a:prstGeom>
+          </p:spPr>
+        </p:pic>
+        <p:sp>
+          <p:nvSpPr>
+            <p:cNvPr id="41" name="正方形/長方形 40">
+              <a:extLst>
+                <a:ext uri="{FF2B5EF4-FFF2-40B4-BE49-F238E27FC236}">
+                  <a16:creationId xmlns:a16="http://schemas.microsoft.com/office/drawing/2014/main" id="{6EF39513-E566-56E1-9726-9D92381E3AF2}"/>
+                </a:ext>
+              </a:extLst>
+            </p:cNvPr>
+            <p:cNvSpPr/>
+            <p:nvPr/>
+          </p:nvSpPr>
+          <p:spPr>
+            <a:xfrm>
+              <a:off x="909807" y="4325062"/>
+              <a:ext cx="723463" cy="541448"/>
+            </a:xfrm>
+            <a:prstGeom prst="rect">
+              <a:avLst/>
+            </a:prstGeom>
+            <a:noFill/>
+            <a:ln w="19050">
+              <a:solidFill>
+                <a:srgbClr val="FF0000"/>
+              </a:solidFill>
+              <a:prstDash val="sysDash"/>
+            </a:ln>
+          </p:spPr>
+          <p:style>
+            <a:lnRef idx="2">
+              <a:schemeClr val="accent1">
+                <a:shade val="15000"/>
+              </a:schemeClr>
+            </a:lnRef>
+            <a:fillRef idx="1">
+              <a:schemeClr val="accent1"/>
+            </a:fillRef>
+            <a:effectRef idx="0">
+              <a:schemeClr val="accent1"/>
+            </a:effectRef>
+            <a:fontRef idx="minor">
+              <a:schemeClr val="lt1"/>
+            </a:fontRef>
+          </p:style>
+          <p:txBody>
+            <a:bodyPr rtlCol="0" anchor="ctr"/>
+            <a:lstStyle/>
+            <a:p>
+              <a:pPr algn="ctr"/>
+              <a:endParaRPr kumimoji="1" lang="ja-JP" altLang="en-US">
+                <a:ln>
+                  <a:solidFill>
+                    <a:schemeClr val="tx1"/>
+                  </a:solidFill>
+                </a:ln>
+                <a:noFill/>
+              </a:endParaRPr>
+            </a:p>
+          </p:txBody>
+        </p:sp>
+      </p:grpSp>
       <p:pic>
         <p:nvPicPr>
-          <p:cNvPr id="59" name="図 58" descr="建物, テーブル, ウィンドウ が含まれている画像&#10;&#10;自動的に生成された説明">
-            <a:extLst>
-              <a:ext uri="{FF2B5EF4-FFF2-40B4-BE49-F238E27FC236}">
-                <a16:creationId xmlns:a16="http://schemas.microsoft.com/office/drawing/2014/main" id="{19D165ED-70E7-1B99-EBE9-96D088B20092}"/>
+          <p:cNvPr id="38" name="図 37" descr="テーブル, ネックレス, 結び目 が含まれている画像&#10;&#10;自動的に生成された説明">
+            <a:extLst>
+              <a:ext uri="{FF2B5EF4-FFF2-40B4-BE49-F238E27FC236}">
+                <a16:creationId xmlns:a16="http://schemas.microsoft.com/office/drawing/2014/main" id="{422E8AAF-C6D6-9A66-DE8F-02BBC1859355}"/>
               </a:ext>
             </a:extLst>
           </p:cNvPr>
@@ -3647,7 +4232,7 @@
           <p:nvPr/>
         </p:nvPicPr>
         <p:blipFill>
-          <a:blip r:embed="rId2">
+          <a:blip r:embed="rId6">
             <a:extLst>
               <a:ext uri="{28A0092B-C50C-407E-A947-70E740481C1C}">
                 <a14:useLocalDpi xmlns:a14="http://schemas.microsoft.com/office/drawing/2010/main" val="0"/>
@@ -3660,20 +4245,27 @@
         </p:blipFill>
         <p:spPr>
           <a:xfrm>
-            <a:off x="8917076" y="4132735"/>
-            <a:ext cx="3147168" cy="1790951"/>
+            <a:off x="9825124" y="4922436"/>
+            <a:ext cx="2474537" cy="1855902"/>
           </a:xfrm>
           <a:prstGeom prst="rect">
             <a:avLst/>
           </a:prstGeom>
+          <a:effectLst>
+            <a:glow rad="228600">
+              <a:srgbClr val="FF0000">
+                <a:alpha val="70000"/>
+              </a:srgbClr>
+            </a:glow>
+          </a:effectLst>
         </p:spPr>
       </p:pic>
       <p:pic>
         <p:nvPicPr>
-          <p:cNvPr id="23" name="図 22" descr="黒い背景と白い文字&#10;&#10;中程度の精度で自動的に生成された説明">
-            <a:extLst>
-              <a:ext uri="{FF2B5EF4-FFF2-40B4-BE49-F238E27FC236}">
-                <a16:creationId xmlns:a16="http://schemas.microsoft.com/office/drawing/2014/main" id="{6008091D-CB87-DE3F-9046-05A11F325C06}"/>
+          <p:cNvPr id="29" name="図 28" descr="光 が含まれている画像&#10;&#10;自動的に生成された説明">
+            <a:extLst>
+              <a:ext uri="{FF2B5EF4-FFF2-40B4-BE49-F238E27FC236}">
+                <a16:creationId xmlns:a16="http://schemas.microsoft.com/office/drawing/2014/main" id="{6A15B133-497A-6A0E-C41E-5E7EF0D6DFB3}"/>
               </a:ext>
             </a:extLst>
           </p:cNvPr>
@@ -3683,7 +4275,7 @@
           <p:nvPr/>
         </p:nvPicPr>
         <p:blipFill>
-          <a:blip r:embed="rId3">
+          <a:blip r:embed="rId7">
             <a:extLst>
               <a:ext uri="{28A0092B-C50C-407E-A947-70E740481C1C}">
                 <a14:useLocalDpi xmlns:a14="http://schemas.microsoft.com/office/drawing/2010/main" val="0"/>
@@ -3696,20 +4288,27 @@
         </p:blipFill>
         <p:spPr>
           <a:xfrm>
-            <a:off x="8749553" y="162890"/>
-            <a:ext cx="2196923" cy="2010185"/>
+            <a:off x="9706171" y="3395215"/>
+            <a:ext cx="1888623" cy="1757097"/>
           </a:xfrm>
           <a:prstGeom prst="rect">
             <a:avLst/>
           </a:prstGeom>
+          <a:effectLst>
+            <a:glow rad="228600">
+              <a:srgbClr val="FF0000">
+                <a:alpha val="70000"/>
+              </a:srgbClr>
+            </a:glow>
+          </a:effectLst>
         </p:spPr>
       </p:pic>
       <p:pic>
         <p:nvPicPr>
-          <p:cNvPr id="21" name="図 20" descr="女の子, 子供, 持つ, クマ が含まれている画像&#10;&#10;自動的に生成された説明">
-            <a:extLst>
-              <a:ext uri="{FF2B5EF4-FFF2-40B4-BE49-F238E27FC236}">
-                <a16:creationId xmlns:a16="http://schemas.microsoft.com/office/drawing/2014/main" id="{56735338-E65C-05A2-4E00-1175E3099DC8}"/>
+          <p:cNvPr id="25" name="図 24" descr="カーテン が含まれている画像&#10;&#10;自動的に生成された説明">
+            <a:extLst>
+              <a:ext uri="{FF2B5EF4-FFF2-40B4-BE49-F238E27FC236}">
+                <a16:creationId xmlns:a16="http://schemas.microsoft.com/office/drawing/2014/main" id="{6EF6FE48-BA0D-A7CF-100A-1339D64B7F14}"/>
               </a:ext>
             </a:extLst>
           </p:cNvPr>
@@ -3719,7 +4318,93 @@
           <p:nvPr/>
         </p:nvPicPr>
         <p:blipFill>
-          <a:blip r:embed="rId4">
+          <a:blip r:embed="rId8">
+            <a:extLst>
+              <a:ext uri="{28A0092B-C50C-407E-A947-70E740481C1C}">
+                <a14:useLocalDpi xmlns:a14="http://schemas.microsoft.com/office/drawing/2010/main" val="0"/>
+              </a:ext>
+            </a:extLst>
+          </a:blip>
+          <a:stretch>
+            <a:fillRect/>
+          </a:stretch>
+        </p:blipFill>
+        <p:spPr>
+          <a:xfrm rot="821367">
+            <a:off x="8647377" y="126684"/>
+            <a:ext cx="1929026" cy="1446770"/>
+          </a:xfrm>
+          <a:prstGeom prst="rect">
+            <a:avLst/>
+          </a:prstGeom>
+          <a:effectLst>
+            <a:glow rad="228600">
+              <a:schemeClr val="accent2">
+                <a:alpha val="65000"/>
+              </a:schemeClr>
+            </a:glow>
+          </a:effectLst>
+        </p:spPr>
+      </p:pic>
+      <p:pic>
+        <p:nvPicPr>
+          <p:cNvPr id="16" name="図 15" descr="黒い背景と白い文字&#10;&#10;中程度の精度で自動的に生成された説明">
+            <a:extLst>
+              <a:ext uri="{FF2B5EF4-FFF2-40B4-BE49-F238E27FC236}">
+                <a16:creationId xmlns:a16="http://schemas.microsoft.com/office/drawing/2014/main" id="{018F2C2F-538C-651F-F7A3-1C49C2697AFF}"/>
+              </a:ext>
+            </a:extLst>
+          </p:cNvPr>
+          <p:cNvPicPr>
+            <a:picLocks noChangeAspect="1"/>
+          </p:cNvPicPr>
+          <p:nvPr/>
+        </p:nvPicPr>
+        <p:blipFill>
+          <a:blip r:embed="rId9">
+            <a:extLst>
+              <a:ext uri="{28A0092B-C50C-407E-A947-70E740481C1C}">
+                <a14:useLocalDpi xmlns:a14="http://schemas.microsoft.com/office/drawing/2010/main" val="0"/>
+              </a:ext>
+            </a:extLst>
+          </a:blip>
+          <a:stretch>
+            <a:fillRect/>
+          </a:stretch>
+        </p:blipFill>
+        <p:spPr>
+          <a:xfrm>
+            <a:off x="4025164" y="3337270"/>
+            <a:ext cx="1846185" cy="1689259"/>
+          </a:xfrm>
+          <a:prstGeom prst="rect">
+            <a:avLst/>
+          </a:prstGeom>
+          <a:effectLst>
+            <a:glow rad="190500">
+              <a:srgbClr val="00B0F0">
+                <a:alpha val="70000"/>
+              </a:srgbClr>
+            </a:glow>
+          </a:effectLst>
+        </p:spPr>
+      </p:pic>
+      <p:pic>
+        <p:nvPicPr>
+          <p:cNvPr id="21" name="図 20" descr="女の子, 子供, 持つ, クマ が含まれている画像&#10;&#10;自動的に生成された説明">
+            <a:extLst>
+              <a:ext uri="{FF2B5EF4-FFF2-40B4-BE49-F238E27FC236}">
+                <a16:creationId xmlns:a16="http://schemas.microsoft.com/office/drawing/2014/main" id="{56735338-E65C-05A2-4E00-1175E3099DC8}"/>
+              </a:ext>
+            </a:extLst>
+          </p:cNvPr>
+          <p:cNvPicPr>
+            <a:picLocks noChangeAspect="1"/>
+          </p:cNvPicPr>
+          <p:nvPr/>
+        </p:nvPicPr>
+        <p:blipFill>
+          <a:blip r:embed="rId10">
             <a:extLst>
               <a:ext uri="{28A0092B-C50C-407E-A947-70E740481C1C}">
                 <a14:useLocalDpi xmlns:a14="http://schemas.microsoft.com/office/drawing/2010/main" val="0"/>
@@ -3732,8 +4417,8 @@
         </p:blipFill>
         <p:spPr>
           <a:xfrm flipH="1">
-            <a:off x="2226061" y="2173075"/>
-            <a:ext cx="1445617" cy="1445617"/>
+            <a:off x="1633270" y="1802854"/>
+            <a:ext cx="1188369" cy="1188369"/>
           </a:xfrm>
           <a:prstGeom prst="rect">
             <a:avLst/>
@@ -3762,7 +4447,7 @@
           <p:nvPr/>
         </p:nvPicPr>
         <p:blipFill>
-          <a:blip r:embed="rId5">
+          <a:blip r:embed="rId11">
             <a:extLst>
               <a:ext uri="{28A0092B-C50C-407E-A947-70E740481C1C}">
                 <a14:useLocalDpi xmlns:a14="http://schemas.microsoft.com/office/drawing/2010/main" val="0"/>
@@ -3775,7 +4460,7 @@
         </p:blipFill>
         <p:spPr>
           <a:xfrm rot="21023180">
-            <a:off x="1946391" y="98508"/>
+            <a:off x="3269492" y="84489"/>
             <a:ext cx="693952" cy="1745790"/>
           </a:xfrm>
           <a:prstGeom prst="rect">
@@ -3792,10 +4477,10 @@
       </p:pic>
       <p:sp>
         <p:nvSpPr>
-          <p:cNvPr id="8" name="テキスト ボックス 7">
-            <a:extLst>
-              <a:ext uri="{FF2B5EF4-FFF2-40B4-BE49-F238E27FC236}">
-                <a16:creationId xmlns:a16="http://schemas.microsoft.com/office/drawing/2014/main" id="{A0D77B55-0550-18AE-4E2D-75D8D5F6598B}"/>
+          <p:cNvPr id="18" name="テキスト ボックス 17">
+            <a:extLst>
+              <a:ext uri="{FF2B5EF4-FFF2-40B4-BE49-F238E27FC236}">
+                <a16:creationId xmlns:a16="http://schemas.microsoft.com/office/drawing/2014/main" id="{A9AAE1D5-9E93-7116-0121-1D52F69086CE}"/>
               </a:ext>
             </a:extLst>
           </p:cNvPr>
@@ -3804,8 +4489,8 @@
         </p:nvSpPr>
         <p:spPr>
           <a:xfrm>
-            <a:off x="3442448" y="-3245"/>
-            <a:ext cx="5297426" cy="1200329"/>
+            <a:off x="2654349" y="2905690"/>
+            <a:ext cx="3405099" cy="646331"/>
           </a:xfrm>
           <a:prstGeom prst="rect">
             <a:avLst/>
@@ -3813,137 +4498,13 @@
           <a:noFill/>
         </p:spPr>
         <p:txBody>
-          <a:bodyPr wrap="square" rtlCol="0">
-            <a:spAutoFit/>
-          </a:bodyPr>
-          <a:lstStyle/>
-          <a:p>
-            <a:r>
-              <a:rPr lang="ja-JP" altLang="en-US" sz="7200" b="1" dirty="0">
-                <a:ln>
-                  <a:solidFill>
-                    <a:sysClr val="windowText" lastClr="000000"/>
-                  </a:solidFill>
-                </a:ln>
-                <a:solidFill>
-                  <a:schemeClr val="bg1"/>
-                </a:solidFill>
-                <a:effectLst>
-                  <a:glow rad="177800">
-                    <a:schemeClr val="accent1">
-                      <a:lumMod val="40000"/>
-                      <a:lumOff val="60000"/>
-                      <a:alpha val="70000"/>
-                    </a:schemeClr>
-                  </a:glow>
-                </a:effectLst>
-                <a:latin typeface="HGP行書体" panose="03000600000000000000" pitchFamily="66" charset="-128"/>
-                <a:ea typeface="HGP行書体" panose="03000600000000000000" pitchFamily="66" charset="-128"/>
-              </a:rPr>
-              <a:t>逃げる</a:t>
-            </a:r>
-            <a:r>
-              <a:rPr lang="en-US" altLang="ja-JP" sz="7200" b="1" dirty="0">
-                <a:ln>
-                  <a:solidFill>
-                    <a:sysClr val="windowText" lastClr="000000"/>
-                  </a:solidFill>
-                </a:ln>
-                <a:solidFill>
-                  <a:schemeClr val="bg1"/>
-                </a:solidFill>
-                <a:effectLst>
-                  <a:glow rad="177800">
-                    <a:schemeClr val="accent1">
-                      <a:lumMod val="40000"/>
-                      <a:lumOff val="60000"/>
-                      <a:alpha val="70000"/>
-                    </a:schemeClr>
-                  </a:glow>
-                </a:effectLst>
-                <a:latin typeface="HGP行書体" panose="03000600000000000000" pitchFamily="66" charset="-128"/>
-                <a:ea typeface="HGP行書体" panose="03000600000000000000" pitchFamily="66" charset="-128"/>
-              </a:rPr>
-              <a:t>!!!</a:t>
-            </a:r>
-            <a:r>
-              <a:rPr kumimoji="1" lang="ja-JP" altLang="en-US" sz="7200" b="1" dirty="0">
-                <a:ln>
-                  <a:solidFill>
-                    <a:sysClr val="windowText" lastClr="000000"/>
-                  </a:solidFill>
-                </a:ln>
-                <a:solidFill>
-                  <a:schemeClr val="bg1"/>
-                </a:solidFill>
-                <a:effectLst>
-                  <a:glow rad="177800">
-                    <a:schemeClr val="accent1">
-                      <a:lumMod val="40000"/>
-                      <a:lumOff val="60000"/>
-                      <a:alpha val="70000"/>
-                    </a:schemeClr>
-                  </a:glow>
-                </a:effectLst>
-                <a:latin typeface="HGP行書体" panose="03000600000000000000" pitchFamily="66" charset="-128"/>
-                <a:ea typeface="HGP行書体" panose="03000600000000000000" pitchFamily="66" charset="-128"/>
-              </a:rPr>
-              <a:t>やつ</a:t>
-            </a:r>
-            <a:endParaRPr kumimoji="1" lang="en-US" altLang="ja-JP" sz="7200" b="1" dirty="0">
-              <a:ln>
-                <a:solidFill>
-                  <a:sysClr val="windowText" lastClr="000000"/>
-                </a:solidFill>
-              </a:ln>
-              <a:solidFill>
-                <a:schemeClr val="bg1"/>
-              </a:solidFill>
-              <a:effectLst>
-                <a:glow rad="177800">
-                  <a:schemeClr val="accent1">
-                    <a:lumMod val="40000"/>
-                    <a:lumOff val="60000"/>
-                    <a:alpha val="70000"/>
-                  </a:schemeClr>
-                </a:glow>
-              </a:effectLst>
-              <a:latin typeface="HGP行書体" panose="03000600000000000000" pitchFamily="66" charset="-128"/>
-              <a:ea typeface="HGP行書体" panose="03000600000000000000" pitchFamily="66" charset="-128"/>
-            </a:endParaRPr>
-          </a:p>
-        </p:txBody>
-      </p:sp>
-      <p:sp>
-        <p:nvSpPr>
-          <p:cNvPr id="18" name="テキスト ボックス 17">
-            <a:extLst>
-              <a:ext uri="{FF2B5EF4-FFF2-40B4-BE49-F238E27FC236}">
-                <a16:creationId xmlns:a16="http://schemas.microsoft.com/office/drawing/2014/main" id="{A9AAE1D5-9E93-7116-0121-1D52F69086CE}"/>
-              </a:ext>
-            </a:extLst>
-          </p:cNvPr>
-          <p:cNvSpPr txBox="1"/>
-          <p:nvPr/>
-        </p:nvSpPr>
-        <p:spPr>
-          <a:xfrm>
-            <a:off x="2590072" y="1021073"/>
-            <a:ext cx="7548861" cy="769441"/>
-          </a:xfrm>
-          <a:prstGeom prst="rect">
-            <a:avLst/>
-          </a:prstGeom>
-          <a:noFill/>
-        </p:spPr>
-        <p:txBody>
           <a:bodyPr wrap="none" rtlCol="0">
             <a:spAutoFit/>
           </a:bodyPr>
           <a:lstStyle/>
           <a:p>
             <a:r>
-              <a:rPr lang="ja-JP" altLang="en-US" sz="4400" b="1" dirty="0">
+              <a:rPr lang="ja-JP" altLang="en-US" sz="3600" b="1" dirty="0">
                 <a:ln w="3175">
                   <a:solidFill>
                     <a:schemeClr val="tx1"/>
@@ -3970,107 +4531,27 @@
                 <a:latin typeface="HGP行書体" panose="03000600000000000000" pitchFamily="66" charset="-128"/>
                 <a:ea typeface="HGP行書体" panose="03000600000000000000" pitchFamily="66" charset="-128"/>
               </a:rPr>
-              <a:t>からくりを利用して</a:t>
-            </a:r>
-            <a:r>
-              <a:rPr lang="ja-JP" altLang="en-US" sz="4400" b="1" dirty="0">
-                <a:ln w="6350">
-                  <a:solidFill>
-                    <a:sysClr val="windowText" lastClr="000000"/>
-                  </a:solidFill>
-                </a:ln>
+              <a:t>からくりを利用せよ</a:t>
+            </a:r>
+            <a:endParaRPr kumimoji="1" lang="ja-JP" altLang="en-US" sz="3600" b="1" dirty="0">
+              <a:ln w="6350">
                 <a:solidFill>
-                  <a:schemeClr val="bg1"/>
+                  <a:sysClr val="windowText" lastClr="000000"/>
                 </a:solidFill>
-                <a:effectLst>
-                  <a:glow rad="190500">
-                    <a:schemeClr val="bg1">
-                      <a:alpha val="70000"/>
-                    </a:schemeClr>
-                  </a:glow>
-                </a:effectLst>
-                <a:latin typeface="HGP行書体" panose="03000600000000000000" pitchFamily="66" charset="-128"/>
-                <a:ea typeface="HGP行書体" panose="03000600000000000000" pitchFamily="66" charset="-128"/>
-              </a:rPr>
-              <a:t>里</a:t>
-            </a:r>
-            <a:r>
-              <a:rPr kumimoji="1" lang="ja-JP" altLang="en-US" sz="4400" b="1" dirty="0">
-                <a:ln w="6350">
-                  <a:solidFill>
-                    <a:sysClr val="windowText" lastClr="000000"/>
-                  </a:solidFill>
-                </a:ln>
-                <a:solidFill>
-                  <a:schemeClr val="bg1"/>
-                </a:solidFill>
-                <a:effectLst>
-                  <a:glow rad="190500">
-                    <a:schemeClr val="bg1">
-                      <a:alpha val="70000"/>
-                    </a:schemeClr>
-                  </a:glow>
-                </a:effectLst>
-                <a:latin typeface="HGP行書体" panose="03000600000000000000" pitchFamily="66" charset="-128"/>
-                <a:ea typeface="HGP行書体" panose="03000600000000000000" pitchFamily="66" charset="-128"/>
-              </a:rPr>
-              <a:t>から</a:t>
-            </a:r>
-            <a:r>
-              <a:rPr kumimoji="1" lang="ja-JP" altLang="en-US" sz="4400" b="1" dirty="0">
-                <a:ln w="6350">
-                  <a:solidFill>
-                    <a:sysClr val="windowText" lastClr="000000"/>
-                  </a:solidFill>
-                </a:ln>
-                <a:gradFill>
-                  <a:gsLst>
-                    <a:gs pos="0">
-                      <a:srgbClr val="00B0F0"/>
-                    </a:gs>
-                    <a:gs pos="100000">
-                      <a:schemeClr val="accent1">
-                        <a:lumMod val="20000"/>
-                        <a:lumOff val="80000"/>
-                      </a:schemeClr>
-                    </a:gs>
-                  </a:gsLst>
-                  <a:lin ang="5400000" scaled="1"/>
-                </a:gradFill>
-                <a:effectLst>
-                  <a:glow rad="190500">
-                    <a:schemeClr val="bg1">
-                      <a:alpha val="70000"/>
-                    </a:schemeClr>
-                  </a:glow>
-                </a:effectLst>
-                <a:latin typeface="HGP行書体" panose="03000600000000000000" pitchFamily="66" charset="-128"/>
-                <a:ea typeface="HGP行書体" panose="03000600000000000000" pitchFamily="66" charset="-128"/>
-              </a:rPr>
-              <a:t>脱出</a:t>
-            </a:r>
-            <a:r>
-              <a:rPr kumimoji="1" lang="ja-JP" altLang="en-US" sz="4400" b="1" dirty="0">
-                <a:ln w="6350">
-                  <a:solidFill>
-                    <a:sysClr val="windowText" lastClr="000000"/>
-                  </a:solidFill>
-                </a:ln>
-                <a:solidFill>
-                  <a:schemeClr val="bg1"/>
-                </a:solidFill>
-                <a:effectLst>
-                  <a:glow rad="190500">
-                    <a:schemeClr val="bg1">
-                      <a:alpha val="70000"/>
-                    </a:schemeClr>
-                  </a:glow>
-                </a:effectLst>
-                <a:latin typeface="HGP行書体" panose="03000600000000000000" pitchFamily="66" charset="-128"/>
-                <a:ea typeface="HGP行書体" panose="03000600000000000000" pitchFamily="66" charset="-128"/>
-              </a:rPr>
-              <a:t>しろ。</a:t>
-            </a:r>
+              </a:ln>
+              <a:solidFill>
+                <a:schemeClr val="bg1"/>
+              </a:solidFill>
+              <a:effectLst>
+                <a:glow rad="190500">
+                  <a:schemeClr val="bg1">
+                    <a:alpha val="70000"/>
+                  </a:schemeClr>
+                </a:glow>
+              </a:effectLst>
+              <a:latin typeface="HGP行書体" panose="03000600000000000000" pitchFamily="66" charset="-128"/>
+              <a:ea typeface="HGP行書体" panose="03000600000000000000" pitchFamily="66" charset="-128"/>
+            </a:endParaRPr>
           </a:p>
         </p:txBody>
       </p:sp>
@@ -4089,7 +4570,7 @@
           <p:nvPr/>
         </p:nvPicPr>
         <p:blipFill>
-          <a:blip r:embed="rId4">
+          <a:blip r:embed="rId10">
             <a:duotone>
               <a:schemeClr val="accent2">
                 <a:shade val="45000"/>
@@ -4109,8 +4590,8 @@
         </p:blipFill>
         <p:spPr>
           <a:xfrm flipH="1">
-            <a:off x="390222" y="2185875"/>
-            <a:ext cx="1445617" cy="1445617"/>
+            <a:off x="100226" y="2167858"/>
+            <a:ext cx="1159333" cy="1159333"/>
           </a:xfrm>
           <a:prstGeom prst="rect">
             <a:avLst/>
@@ -4126,10 +4607,10 @@
       </p:pic>
       <p:sp>
         <p:nvSpPr>
-          <p:cNvPr id="20" name="テキスト ボックス 19">
-            <a:extLst>
-              <a:ext uri="{FF2B5EF4-FFF2-40B4-BE49-F238E27FC236}">
-                <a16:creationId xmlns:a16="http://schemas.microsoft.com/office/drawing/2014/main" id="{6CDAE000-A69B-5CF1-D917-F7B95E5C331A}"/>
+          <p:cNvPr id="52" name="テキスト ボックス 51">
+            <a:extLst>
+              <a:ext uri="{FF2B5EF4-FFF2-40B4-BE49-F238E27FC236}">
+                <a16:creationId xmlns:a16="http://schemas.microsoft.com/office/drawing/2014/main" id="{F9514EFF-0625-7211-7C8E-BE914D25584F}"/>
               </a:ext>
             </a:extLst>
           </p:cNvPr>
@@ -4137,9 +4618,9 @@
           <p:nvPr/>
         </p:nvSpPr>
         <p:spPr>
-          <a:xfrm>
-            <a:off x="22555" y="3498921"/>
-            <a:ext cx="2762295" cy="523220"/>
+          <a:xfrm rot="21328145">
+            <a:off x="2747591" y="1444357"/>
+            <a:ext cx="9512540" cy="1200329"/>
           </a:xfrm>
           <a:prstGeom prst="rect">
             <a:avLst/>
@@ -4153,7 +4634,448 @@
           <a:lstStyle/>
           <a:p>
             <a:r>
+              <a:rPr lang="ja-JP" altLang="en-US" sz="7200" b="1" dirty="0">
+                <a:ln w="3175">
+                  <a:solidFill>
+                    <a:schemeClr val="tx1"/>
+                  </a:solidFill>
+                </a:ln>
+                <a:gradFill>
+                  <a:gsLst>
+                    <a:gs pos="0">
+                      <a:srgbClr val="00B0F0"/>
+                    </a:gs>
+                    <a:gs pos="100000">
+                      <a:schemeClr val="accent4">
+                        <a:lumMod val="20000"/>
+                        <a:lumOff val="80000"/>
+                      </a:schemeClr>
+                    </a:gs>
+                  </a:gsLst>
+                  <a:lin ang="5400000" scaled="1"/>
+                </a:gradFill>
+                <a:effectLst>
+                  <a:glow rad="228600">
+                    <a:srgbClr val="FFFF00">
+                      <a:alpha val="78000"/>
+                    </a:srgbClr>
+                  </a:glow>
+                </a:effectLst>
+                <a:latin typeface="HGP行書体" panose="03000600000000000000" pitchFamily="66" charset="-128"/>
+                <a:ea typeface="HGP行書体" panose="03000600000000000000" pitchFamily="66" charset="-128"/>
+              </a:rPr>
+              <a:t>追手を撒き、巻物を盗る</a:t>
+            </a:r>
+            <a:r>
+              <a:rPr lang="en-US" altLang="ja-JP" sz="7200" b="1" dirty="0">
+                <a:ln w="3175">
+                  <a:solidFill>
+                    <a:schemeClr val="tx1"/>
+                  </a:solidFill>
+                </a:ln>
+                <a:gradFill>
+                  <a:gsLst>
+                    <a:gs pos="0">
+                      <a:srgbClr val="00B0F0"/>
+                    </a:gs>
+                    <a:gs pos="100000">
+                      <a:schemeClr val="accent4">
+                        <a:lumMod val="20000"/>
+                        <a:lumOff val="80000"/>
+                      </a:schemeClr>
+                    </a:gs>
+                  </a:gsLst>
+                  <a:lin ang="5400000" scaled="1"/>
+                </a:gradFill>
+                <a:effectLst>
+                  <a:glow rad="228600">
+                    <a:srgbClr val="FFFF00">
+                      <a:alpha val="78000"/>
+                    </a:srgbClr>
+                  </a:glow>
+                </a:effectLst>
+                <a:latin typeface="HGP行書体" panose="03000600000000000000" pitchFamily="66" charset="-128"/>
+                <a:ea typeface="HGP行書体" panose="03000600000000000000" pitchFamily="66" charset="-128"/>
+              </a:rPr>
+              <a:t>!!</a:t>
+            </a:r>
+            <a:endParaRPr kumimoji="1" lang="ja-JP" altLang="en-US" sz="7200" b="1" dirty="0">
+              <a:ln w="3175">
+                <a:solidFill>
+                  <a:schemeClr val="tx1"/>
+                </a:solidFill>
+              </a:ln>
+              <a:solidFill>
+                <a:schemeClr val="bg1"/>
+              </a:solidFill>
+              <a:effectLst>
+                <a:glow rad="228600">
+                  <a:srgbClr val="FFFF00">
+                    <a:alpha val="78000"/>
+                  </a:srgbClr>
+                </a:glow>
+              </a:effectLst>
+              <a:latin typeface="HGP行書体" panose="03000600000000000000" pitchFamily="66" charset="-128"/>
+              <a:ea typeface="HGP行書体" panose="03000600000000000000" pitchFamily="66" charset="-128"/>
+            </a:endParaRPr>
+          </a:p>
+        </p:txBody>
+      </p:sp>
+      <p:sp>
+        <p:nvSpPr>
+          <p:cNvPr id="7" name="テキスト ボックス 6">
+            <a:extLst>
+              <a:ext uri="{FF2B5EF4-FFF2-40B4-BE49-F238E27FC236}">
+                <a16:creationId xmlns:a16="http://schemas.microsoft.com/office/drawing/2014/main" id="{9FD079F6-F215-2D83-0F73-9AEC6A658D77}"/>
+              </a:ext>
+            </a:extLst>
+          </p:cNvPr>
+          <p:cNvSpPr txBox="1"/>
+          <p:nvPr/>
+        </p:nvSpPr>
+        <p:spPr>
+          <a:xfrm>
+            <a:off x="4000988" y="957384"/>
+            <a:ext cx="5004896" cy="769441"/>
+          </a:xfrm>
+          <a:prstGeom prst="rect">
+            <a:avLst/>
+          </a:prstGeom>
+          <a:noFill/>
+        </p:spPr>
+        <p:txBody>
+          <a:bodyPr wrap="none" rtlCol="0">
+            <a:spAutoFit/>
+          </a:bodyPr>
+          <a:lstStyle/>
+          <a:p>
+            <a:r>
+              <a:rPr lang="ja-JP" altLang="en-US" sz="4400" dirty="0">
+                <a:solidFill>
+                  <a:schemeClr val="bg1"/>
+                </a:solidFill>
+                <a:effectLst>
+                  <a:glow rad="203200">
+                    <a:schemeClr val="tx1"/>
+                  </a:glow>
+                </a:effectLst>
+                <a:latin typeface="HGP行書体" panose="03000600000000000000" pitchFamily="66" charset="-128"/>
+                <a:ea typeface="HGP行書体" panose="03000600000000000000" pitchFamily="66" charset="-128"/>
+              </a:rPr>
+              <a:t>頭を捻って</a:t>
+            </a:r>
+            <a:r>
+              <a:rPr lang="en-US" altLang="ja-JP" sz="4400" dirty="0">
+                <a:solidFill>
+                  <a:schemeClr val="bg1"/>
+                </a:solidFill>
+                <a:effectLst>
+                  <a:glow rad="203200">
+                    <a:schemeClr val="tx1"/>
+                  </a:glow>
+                </a:effectLst>
+                <a:latin typeface="HGP行書体" panose="03000600000000000000" pitchFamily="66" charset="-128"/>
+                <a:ea typeface="HGP行書体" panose="03000600000000000000" pitchFamily="66" charset="-128"/>
+              </a:rPr>
+              <a:t>”</a:t>
+            </a:r>
+            <a:r>
+              <a:rPr lang="ja-JP" altLang="en-US" sz="4400" dirty="0">
+                <a:solidFill>
+                  <a:schemeClr val="bg1"/>
+                </a:solidFill>
+                <a:effectLst>
+                  <a:glow rad="203200">
+                    <a:schemeClr val="tx1"/>
+                  </a:glow>
+                </a:effectLst>
+                <a:latin typeface="HGP行書体" panose="03000600000000000000" pitchFamily="66" charset="-128"/>
+                <a:ea typeface="HGP行書体" panose="03000600000000000000" pitchFamily="66" charset="-128"/>
+              </a:rPr>
+              <a:t>欺き</a:t>
+            </a:r>
+            <a:r>
+              <a:rPr lang="en-US" altLang="ja-JP" sz="4400" dirty="0">
+                <a:solidFill>
+                  <a:schemeClr val="bg1"/>
+                </a:solidFill>
+                <a:effectLst>
+                  <a:glow rad="203200">
+                    <a:schemeClr val="tx1"/>
+                  </a:glow>
+                </a:effectLst>
+                <a:latin typeface="HGP行書体" panose="03000600000000000000" pitchFamily="66" charset="-128"/>
+                <a:ea typeface="HGP行書体" panose="03000600000000000000" pitchFamily="66" charset="-128"/>
+              </a:rPr>
+              <a:t>”</a:t>
+            </a:r>
+            <a:r>
+              <a:rPr lang="ja-JP" altLang="en-US" sz="4400" dirty="0">
+                <a:solidFill>
+                  <a:schemeClr val="bg1"/>
+                </a:solidFill>
+                <a:effectLst>
+                  <a:glow rad="203200">
+                    <a:schemeClr val="tx1"/>
+                  </a:glow>
+                </a:effectLst>
+                <a:latin typeface="HGP行書体" panose="03000600000000000000" pitchFamily="66" charset="-128"/>
+                <a:ea typeface="HGP行書体" panose="03000600000000000000" pitchFamily="66" charset="-128"/>
+              </a:rPr>
+              <a:t>を</a:t>
+            </a:r>
+            <a:r>
+              <a:rPr lang="en-US" altLang="ja-JP" sz="4400" dirty="0">
+                <a:solidFill>
+                  <a:schemeClr val="bg1"/>
+                </a:solidFill>
+                <a:effectLst>
+                  <a:glow rad="203200">
+                    <a:schemeClr val="tx1"/>
+                  </a:glow>
+                </a:effectLst>
+                <a:latin typeface="HGP行書体" panose="03000600000000000000" pitchFamily="66" charset="-128"/>
+                <a:ea typeface="HGP行書体" panose="03000600000000000000" pitchFamily="66" charset="-128"/>
+              </a:rPr>
+              <a:t>…</a:t>
+            </a:r>
+            <a:endParaRPr kumimoji="1" lang="ja-JP" altLang="en-US" sz="4400" dirty="0">
+              <a:solidFill>
+                <a:schemeClr val="bg1"/>
+              </a:solidFill>
+              <a:effectLst>
+                <a:glow rad="203200">
+                  <a:schemeClr val="tx1"/>
+                </a:glow>
+              </a:effectLst>
+              <a:latin typeface="HGP行書体" panose="03000600000000000000" pitchFamily="66" charset="-128"/>
+              <a:ea typeface="HGP行書体" panose="03000600000000000000" pitchFamily="66" charset="-128"/>
+            </a:endParaRPr>
+          </a:p>
+        </p:txBody>
+      </p:sp>
+      <p:sp>
+        <p:nvSpPr>
+          <p:cNvPr id="10" name="テキスト ボックス 9">
+            <a:extLst>
+              <a:ext uri="{FF2B5EF4-FFF2-40B4-BE49-F238E27FC236}">
+                <a16:creationId xmlns:a16="http://schemas.microsoft.com/office/drawing/2014/main" id="{A422D9D6-7A47-6306-CEA0-D726B63B0F5A}"/>
+              </a:ext>
+            </a:extLst>
+          </p:cNvPr>
+          <p:cNvSpPr txBox="1"/>
+          <p:nvPr/>
+        </p:nvSpPr>
+        <p:spPr>
+          <a:xfrm>
+            <a:off x="4500324" y="-16229"/>
+            <a:ext cx="4006225" cy="1107996"/>
+          </a:xfrm>
+          <a:prstGeom prst="rect">
+            <a:avLst/>
+          </a:prstGeom>
+          <a:noFill/>
+        </p:spPr>
+        <p:txBody>
+          <a:bodyPr wrap="none" rtlCol="0">
+            <a:spAutoFit/>
+          </a:bodyPr>
+          <a:lstStyle/>
+          <a:p>
+            <a:r>
+              <a:rPr lang="ja-JP" altLang="en-US" sz="6600" b="1" dirty="0">
+                <a:ln>
+                  <a:solidFill>
+                    <a:sysClr val="windowText" lastClr="000000"/>
+                  </a:solidFill>
+                </a:ln>
+                <a:solidFill>
+                  <a:schemeClr val="bg1"/>
+                </a:solidFill>
+                <a:effectLst>
+                  <a:glow rad="177800">
+                    <a:schemeClr val="accent1">
+                      <a:lumMod val="40000"/>
+                      <a:lumOff val="60000"/>
+                      <a:alpha val="70000"/>
+                    </a:schemeClr>
+                  </a:glow>
+                </a:effectLst>
+                <a:latin typeface="HGP行書体" panose="03000600000000000000" pitchFamily="66" charset="-128"/>
+                <a:ea typeface="HGP行書体" panose="03000600000000000000" pitchFamily="66" charset="-128"/>
+              </a:rPr>
+              <a:t>逃げるやつ</a:t>
+            </a:r>
+            <a:endParaRPr kumimoji="1" lang="en-US" altLang="ja-JP" sz="6600" b="1" dirty="0">
+              <a:ln>
+                <a:solidFill>
+                  <a:sysClr val="windowText" lastClr="000000"/>
+                </a:solidFill>
+              </a:ln>
+              <a:solidFill>
+                <a:schemeClr val="bg1"/>
+              </a:solidFill>
+              <a:effectLst>
+                <a:glow rad="177800">
+                  <a:schemeClr val="accent1">
+                    <a:lumMod val="40000"/>
+                    <a:lumOff val="60000"/>
+                    <a:alpha val="70000"/>
+                  </a:schemeClr>
+                </a:glow>
+              </a:effectLst>
+              <a:latin typeface="HGP行書体" panose="03000600000000000000" pitchFamily="66" charset="-128"/>
+              <a:ea typeface="HGP行書体" panose="03000600000000000000" pitchFamily="66" charset="-128"/>
+            </a:endParaRPr>
+          </a:p>
+        </p:txBody>
+      </p:sp>
+      <p:sp>
+        <p:nvSpPr>
+          <p:cNvPr id="11" name="テキスト ボックス 10">
+            <a:extLst>
+              <a:ext uri="{FF2B5EF4-FFF2-40B4-BE49-F238E27FC236}">
+                <a16:creationId xmlns:a16="http://schemas.microsoft.com/office/drawing/2014/main" id="{8FC12603-D655-18A6-FB6F-290EF774C69F}"/>
+              </a:ext>
+            </a:extLst>
+          </p:cNvPr>
+          <p:cNvSpPr txBox="1"/>
+          <p:nvPr/>
+        </p:nvSpPr>
+        <p:spPr>
+          <a:xfrm>
+            <a:off x="32398" y="1461339"/>
+            <a:ext cx="4071949" cy="523220"/>
+          </a:xfrm>
+          <a:prstGeom prst="rect">
+            <a:avLst/>
+          </a:prstGeom>
+          <a:noFill/>
+        </p:spPr>
+        <p:txBody>
+          <a:bodyPr wrap="none" rtlCol="0">
+            <a:spAutoFit/>
+          </a:bodyPr>
+          <a:lstStyle/>
+          <a:p>
+            <a:r>
               <a:rPr kumimoji="1" lang="ja-JP" altLang="en-US" sz="2400" b="1" dirty="0">
+                <a:ln w="3175">
+                  <a:noFill/>
+                </a:ln>
+                <a:solidFill>
+                  <a:schemeClr val="bg1"/>
+                </a:solidFill>
+                <a:effectLst>
+                  <a:glow rad="177800">
+                    <a:schemeClr val="tx1">
+                      <a:alpha val="70000"/>
+                    </a:schemeClr>
+                  </a:glow>
+                </a:effectLst>
+                <a:latin typeface="HGP行書体" panose="03000600000000000000" pitchFamily="66" charset="-128"/>
+                <a:ea typeface="HGP行書体" panose="03000600000000000000" pitchFamily="66" charset="-128"/>
+              </a:rPr>
+              <a:t>汝、他の流派の里に</a:t>
+            </a:r>
+            <a:r>
+              <a:rPr lang="ja-JP" altLang="en-US" sz="2800" b="1" dirty="0">
+                <a:ln w="3175">
+                  <a:noFill/>
+                </a:ln>
+                <a:gradFill>
+                  <a:gsLst>
+                    <a:gs pos="0">
+                      <a:srgbClr val="FF0000"/>
+                    </a:gs>
+                    <a:gs pos="100000">
+                      <a:srgbClr val="FF8989"/>
+                    </a:gs>
+                  </a:gsLst>
+                  <a:lin ang="5400000" scaled="1"/>
+                </a:gradFill>
+                <a:effectLst>
+                  <a:glow rad="177800">
+                    <a:schemeClr val="tx1">
+                      <a:alpha val="70000"/>
+                    </a:schemeClr>
+                  </a:glow>
+                </a:effectLst>
+                <a:latin typeface="HGP行書体" panose="03000600000000000000" pitchFamily="66" charset="-128"/>
+                <a:ea typeface="HGP行書体" panose="03000600000000000000" pitchFamily="66" charset="-128"/>
+              </a:rPr>
+              <a:t>侵入</a:t>
+            </a:r>
+            <a:r>
+              <a:rPr lang="ja-JP" altLang="en-US" sz="2400" b="1" dirty="0">
+                <a:ln w="3175">
+                  <a:noFill/>
+                </a:ln>
+                <a:solidFill>
+                  <a:schemeClr val="bg1"/>
+                </a:solidFill>
+                <a:effectLst>
+                  <a:glow rad="177800">
+                    <a:schemeClr val="tx1">
+                      <a:alpha val="70000"/>
+                    </a:schemeClr>
+                  </a:glow>
+                </a:effectLst>
+                <a:latin typeface="HGP行書体" panose="03000600000000000000" pitchFamily="66" charset="-128"/>
+                <a:ea typeface="HGP行書体" panose="03000600000000000000" pitchFamily="66" charset="-128"/>
+              </a:rPr>
+              <a:t>したれ</a:t>
+            </a:r>
+            <a:endParaRPr kumimoji="1" lang="ja-JP" altLang="en-US" sz="2400" b="1" dirty="0">
+              <a:ln w="3175">
+                <a:noFill/>
+              </a:ln>
+              <a:solidFill>
+                <a:schemeClr val="bg1"/>
+              </a:solidFill>
+              <a:effectLst>
+                <a:glow rad="177800">
+                  <a:schemeClr val="tx1">
+                    <a:alpha val="70000"/>
+                  </a:schemeClr>
+                </a:glow>
+              </a:effectLst>
+              <a:latin typeface="HGP行書体" panose="03000600000000000000" pitchFamily="66" charset="-128"/>
+              <a:ea typeface="HGP行書体" panose="03000600000000000000" pitchFamily="66" charset="-128"/>
+            </a:endParaRPr>
+          </a:p>
+        </p:txBody>
+      </p:sp>
+      <p:sp>
+        <p:nvSpPr>
+          <p:cNvPr id="17" name="テキスト ボックス 16">
+            <a:extLst>
+              <a:ext uri="{FF2B5EF4-FFF2-40B4-BE49-F238E27FC236}">
+                <a16:creationId xmlns:a16="http://schemas.microsoft.com/office/drawing/2014/main" id="{49D37DA0-4B50-3B0B-15E2-D813531ECDA6}"/>
+              </a:ext>
+            </a:extLst>
+          </p:cNvPr>
+          <p:cNvSpPr txBox="1"/>
+          <p:nvPr/>
+        </p:nvSpPr>
+        <p:spPr>
+          <a:xfrm>
+            <a:off x="4319176" y="4700601"/>
+            <a:ext cx="1075936" cy="523220"/>
+          </a:xfrm>
+          <a:prstGeom prst="rect">
+            <a:avLst/>
+          </a:prstGeom>
+          <a:noFill/>
+        </p:spPr>
+        <p:txBody>
+          <a:bodyPr wrap="none" rtlCol="0">
+            <a:spAutoFit/>
+          </a:bodyPr>
+          <a:lstStyle/>
+          <a:p>
+            <a:r>
+              <a:rPr lang="ja-JP" altLang="en-US" sz="2800" b="1" dirty="0">
                 <a:ln w="3175">
                   <a:solidFill>
                     <a:schemeClr val="tx1"/>
@@ -4172,10 +5094,125 @@
                 <a:latin typeface="HGP行書体" panose="03000600000000000000" pitchFamily="66" charset="-128"/>
                 <a:ea typeface="HGP行書体" panose="03000600000000000000" pitchFamily="66" charset="-128"/>
               </a:rPr>
-              <a:t>後ろからは</a:t>
-            </a:r>
-            <a:r>
-              <a:rPr kumimoji="1" lang="ja-JP" altLang="en-US" sz="2800" b="1" dirty="0">
+              <a:t>返し畳</a:t>
+            </a:r>
+            <a:endParaRPr kumimoji="1" lang="ja-JP" altLang="en-US" sz="2800" b="1" dirty="0">
+              <a:ln w="3175">
+                <a:solidFill>
+                  <a:schemeClr val="tx1"/>
+                </a:solidFill>
+              </a:ln>
+              <a:solidFill>
+                <a:schemeClr val="bg1"/>
+              </a:solidFill>
+              <a:effectLst>
+                <a:glow rad="177800">
+                  <a:schemeClr val="bg1">
+                    <a:alpha val="70000"/>
+                  </a:schemeClr>
+                </a:glow>
+              </a:effectLst>
+              <a:latin typeface="HGP行書体" panose="03000600000000000000" pitchFamily="66" charset="-128"/>
+              <a:ea typeface="HGP行書体" panose="03000600000000000000" pitchFamily="66" charset="-128"/>
+            </a:endParaRPr>
+          </a:p>
+        </p:txBody>
+      </p:sp>
+      <p:sp>
+        <p:nvSpPr>
+          <p:cNvPr id="22" name="テキスト ボックス 21">
+            <a:extLst>
+              <a:ext uri="{FF2B5EF4-FFF2-40B4-BE49-F238E27FC236}">
+                <a16:creationId xmlns:a16="http://schemas.microsoft.com/office/drawing/2014/main" id="{1C8215D9-E6F2-E859-C56D-BEEC23554E02}"/>
+              </a:ext>
+            </a:extLst>
+          </p:cNvPr>
+          <p:cNvSpPr txBox="1"/>
+          <p:nvPr/>
+        </p:nvSpPr>
+        <p:spPr>
+          <a:xfrm rot="21156777">
+            <a:off x="3018837" y="3433571"/>
+            <a:ext cx="3493264" cy="1077218"/>
+          </a:xfrm>
+          <a:prstGeom prst="rect">
+            <a:avLst/>
+          </a:prstGeom>
+          <a:noFill/>
+        </p:spPr>
+        <p:txBody>
+          <a:bodyPr wrap="none" rtlCol="0">
+            <a:spAutoFit/>
+          </a:bodyPr>
+          <a:lstStyle/>
+          <a:p>
+            <a:r>
+              <a:rPr lang="ja-JP" altLang="en-US" sz="2400" b="1" dirty="0">
+                <a:ln w="3175">
+                  <a:solidFill>
+                    <a:schemeClr val="tx1"/>
+                  </a:solidFill>
+                </a:ln>
+                <a:solidFill>
+                  <a:schemeClr val="bg1"/>
+                </a:solidFill>
+                <a:effectLst>
+                  <a:glow rad="177800">
+                    <a:schemeClr val="bg1">
+                      <a:alpha val="70000"/>
+                    </a:schemeClr>
+                  </a:glow>
+                </a:effectLst>
+                <a:latin typeface="HGP行書体" panose="03000600000000000000" pitchFamily="66" charset="-128"/>
+                <a:ea typeface="HGP行書体" panose="03000600000000000000" pitchFamily="66" charset="-128"/>
+              </a:rPr>
+              <a:t>返した勢いで</a:t>
+            </a:r>
+            <a:endParaRPr lang="en-US" altLang="ja-JP" sz="2400" b="1" dirty="0">
+              <a:ln w="3175">
+                <a:solidFill>
+                  <a:schemeClr val="tx1"/>
+                </a:solidFill>
+              </a:ln>
+              <a:solidFill>
+                <a:schemeClr val="bg1"/>
+              </a:solidFill>
+              <a:effectLst>
+                <a:glow rad="177800">
+                  <a:schemeClr val="bg1">
+                    <a:alpha val="70000"/>
+                  </a:schemeClr>
+                </a:glow>
+              </a:effectLst>
+              <a:latin typeface="HGP行書体" panose="03000600000000000000" pitchFamily="66" charset="-128"/>
+              <a:ea typeface="HGP行書体" panose="03000600000000000000" pitchFamily="66" charset="-128"/>
+            </a:endParaRPr>
+          </a:p>
+          <a:p>
+            <a:r>
+              <a:rPr lang="ja-JP" altLang="en-US" sz="2400" b="1" dirty="0">
+                <a:ln w="3175">
+                  <a:solidFill>
+                    <a:schemeClr val="tx1"/>
+                  </a:solidFill>
+                </a:ln>
+                <a:solidFill>
+                  <a:schemeClr val="bg1"/>
+                </a:solidFill>
+                <a:effectLst>
+                  <a:glow rad="177800">
+                    <a:schemeClr val="bg1">
+                      <a:alpha val="70000"/>
+                    </a:schemeClr>
+                  </a:glow>
+                </a:effectLst>
+                <a:latin typeface="HGP行書体" panose="03000600000000000000" pitchFamily="66" charset="-128"/>
+                <a:ea typeface="HGP行書体" panose="03000600000000000000" pitchFamily="66" charset="-128"/>
+              </a:rPr>
+              <a:t>　　　</a:t>
+            </a:r>
+            <a:r>
+              <a:rPr lang="ja-JP" altLang="en-US" sz="4000" b="1" dirty="0">
                 <a:ln w="3175">
                   <a:solidFill>
                     <a:schemeClr val="tx1"/>
@@ -4194,18 +5231,18 @@
                 </a:gradFill>
                 <a:effectLst>
                   <a:glow rad="177800">
-                    <a:schemeClr val="bg1">
+                    <a:srgbClr val="FFC000">
                       <a:alpha val="70000"/>
-                    </a:schemeClr>
+                    </a:srgbClr>
                   </a:glow>
                 </a:effectLst>
                 <a:latin typeface="HGP行書体" panose="03000600000000000000" pitchFamily="66" charset="-128"/>
                 <a:ea typeface="HGP行書体" panose="03000600000000000000" pitchFamily="66" charset="-128"/>
               </a:rPr>
-              <a:t>追手</a:t>
-            </a:r>
-            <a:r>
-              <a:rPr kumimoji="1" lang="ja-JP" altLang="en-US" sz="2400" b="1" dirty="0">
+              <a:t>遠くに飛ぶ</a:t>
+            </a:r>
+            <a:r>
+              <a:rPr lang="ja-JP" altLang="en-US" sz="2400" b="1" dirty="0">
                 <a:ln w="3175">
                   <a:solidFill>
                     <a:schemeClr val="tx1"/>
@@ -4224,10 +5261,200 @@
                 <a:latin typeface="HGP行書体" panose="03000600000000000000" pitchFamily="66" charset="-128"/>
                 <a:ea typeface="HGP行書体" panose="03000600000000000000" pitchFamily="66" charset="-128"/>
               </a:rPr>
-              <a:t>が</a:t>
-            </a:r>
-            <a:r>
-              <a:rPr kumimoji="1" lang="en-US" altLang="ja-JP" sz="2400" b="1" dirty="0">
+              <a:t>しか</a:t>
+            </a:r>
+            <a:endParaRPr kumimoji="1" lang="ja-JP" altLang="en-US" sz="2400" b="1" dirty="0">
+              <a:ln w="3175">
+                <a:solidFill>
+                  <a:schemeClr val="tx1"/>
+                </a:solidFill>
+              </a:ln>
+              <a:solidFill>
+                <a:schemeClr val="bg1"/>
+              </a:solidFill>
+              <a:effectLst>
+                <a:glow rad="177800">
+                  <a:schemeClr val="bg1">
+                    <a:alpha val="70000"/>
+                  </a:schemeClr>
+                </a:glow>
+              </a:effectLst>
+              <a:latin typeface="HGP行書体" panose="03000600000000000000" pitchFamily="66" charset="-128"/>
+              <a:ea typeface="HGP行書体" panose="03000600000000000000" pitchFamily="66" charset="-128"/>
+            </a:endParaRPr>
+          </a:p>
+        </p:txBody>
+      </p:sp>
+      <p:sp>
+        <p:nvSpPr>
+          <p:cNvPr id="27" name="テキスト ボックス 26">
+            <a:extLst>
+              <a:ext uri="{FF2B5EF4-FFF2-40B4-BE49-F238E27FC236}">
+                <a16:creationId xmlns:a16="http://schemas.microsoft.com/office/drawing/2014/main" id="{5862B37E-348F-E579-E5DD-3F8623B2FCB8}"/>
+              </a:ext>
+            </a:extLst>
+          </p:cNvPr>
+          <p:cNvSpPr txBox="1"/>
+          <p:nvPr/>
+        </p:nvSpPr>
+        <p:spPr>
+          <a:xfrm rot="610017">
+            <a:off x="9651891" y="3839992"/>
+            <a:ext cx="2170787" cy="646331"/>
+          </a:xfrm>
+          <a:prstGeom prst="rect">
+            <a:avLst/>
+          </a:prstGeom>
+          <a:noFill/>
+        </p:spPr>
+        <p:txBody>
+          <a:bodyPr wrap="none" rtlCol="0">
+            <a:spAutoFit/>
+          </a:bodyPr>
+          <a:lstStyle/>
+          <a:p>
+            <a:r>
+              <a:rPr lang="ja-JP" altLang="en-US" sz="3600" b="1" dirty="0">
+                <a:ln w="3175">
+                  <a:solidFill>
+                    <a:schemeClr val="tx1"/>
+                  </a:solidFill>
+                </a:ln>
+                <a:gradFill>
+                  <a:gsLst>
+                    <a:gs pos="0">
+                      <a:srgbClr val="BC0000"/>
+                    </a:gs>
+                    <a:gs pos="100000">
+                      <a:srgbClr val="FF0000"/>
+                    </a:gs>
+                  </a:gsLst>
+                  <a:lin ang="5400000" scaled="1"/>
+                </a:gradFill>
+                <a:effectLst>
+                  <a:glow rad="177800">
+                    <a:srgbClr val="FFC000">
+                      <a:alpha val="70000"/>
+                    </a:srgbClr>
+                  </a:glow>
+                </a:effectLst>
+                <a:latin typeface="HGP行書体" panose="03000600000000000000" pitchFamily="66" charset="-128"/>
+                <a:ea typeface="HGP行書体" panose="03000600000000000000" pitchFamily="66" charset="-128"/>
+              </a:rPr>
+              <a:t>敵が消える</a:t>
+            </a:r>
+            <a:endParaRPr kumimoji="1" lang="ja-JP" altLang="en-US" sz="2400" b="1" dirty="0">
+              <a:ln w="3175">
+                <a:solidFill>
+                  <a:schemeClr val="tx1"/>
+                </a:solidFill>
+              </a:ln>
+              <a:gradFill>
+                <a:gsLst>
+                  <a:gs pos="0">
+                    <a:srgbClr val="BC0000"/>
+                  </a:gs>
+                  <a:gs pos="100000">
+                    <a:srgbClr val="FF0000"/>
+                  </a:gs>
+                </a:gsLst>
+                <a:lin ang="5400000" scaled="1"/>
+              </a:gradFill>
+              <a:effectLst>
+                <a:glow rad="177800">
+                  <a:srgbClr val="FFC000">
+                    <a:alpha val="70000"/>
+                  </a:srgbClr>
+                </a:glow>
+              </a:effectLst>
+              <a:latin typeface="HGP行書体" panose="03000600000000000000" pitchFamily="66" charset="-128"/>
+              <a:ea typeface="HGP行書体" panose="03000600000000000000" pitchFamily="66" charset="-128"/>
+            </a:endParaRPr>
+          </a:p>
+        </p:txBody>
+      </p:sp>
+      <p:sp>
+        <p:nvSpPr>
+          <p:cNvPr id="32" name="テキスト ボックス 31">
+            <a:extLst>
+              <a:ext uri="{FF2B5EF4-FFF2-40B4-BE49-F238E27FC236}">
+                <a16:creationId xmlns:a16="http://schemas.microsoft.com/office/drawing/2014/main" id="{D6567E53-C860-1898-2456-82F6216A2D85}"/>
+              </a:ext>
+            </a:extLst>
+          </p:cNvPr>
+          <p:cNvSpPr txBox="1"/>
+          <p:nvPr/>
+        </p:nvSpPr>
+        <p:spPr>
+          <a:xfrm rot="20809849">
+            <a:off x="8031538" y="2620432"/>
+            <a:ext cx="4392549" cy="769441"/>
+          </a:xfrm>
+          <a:prstGeom prst="rect">
+            <a:avLst/>
+          </a:prstGeom>
+          <a:noFill/>
+        </p:spPr>
+        <p:txBody>
+          <a:bodyPr wrap="none" rtlCol="0">
+            <a:spAutoFit/>
+          </a:bodyPr>
+          <a:lstStyle/>
+          <a:p>
+            <a:r>
+              <a:rPr lang="ja-JP" altLang="en-US" sz="3200" b="1" dirty="0">
+                <a:ln w="3175">
+                  <a:solidFill>
+                    <a:schemeClr val="tx1"/>
+                  </a:solidFill>
+                </a:ln>
+                <a:solidFill>
+                  <a:schemeClr val="bg1"/>
+                </a:solidFill>
+                <a:effectLst>
+                  <a:glow rad="177800">
+                    <a:schemeClr val="bg1">
+                      <a:alpha val="70000"/>
+                    </a:schemeClr>
+                  </a:glow>
+                </a:effectLst>
+                <a:latin typeface="HGP行書体" panose="03000600000000000000" pitchFamily="66" charset="-128"/>
+                <a:ea typeface="HGP行書体" panose="03000600000000000000" pitchFamily="66" charset="-128"/>
+              </a:rPr>
+              <a:t>しかし</a:t>
+            </a:r>
+            <a:r>
+              <a:rPr lang="ja-JP" altLang="en-US" sz="4400" b="1" dirty="0">
+                <a:ln w="3175">
+                  <a:solidFill>
+                    <a:schemeClr val="tx1"/>
+                  </a:solidFill>
+                </a:ln>
+                <a:gradFill>
+                  <a:gsLst>
+                    <a:gs pos="0">
+                      <a:srgbClr val="BC0000"/>
+                    </a:gs>
+                    <a:gs pos="100000">
+                      <a:srgbClr val="FF0000"/>
+                    </a:gs>
+                  </a:gsLst>
+                  <a:lin ang="5400000" scaled="1"/>
+                </a:gradFill>
+                <a:effectLst>
+                  <a:glow rad="177800">
+                    <a:schemeClr val="bg1">
+                      <a:alpha val="70000"/>
+                    </a:schemeClr>
+                  </a:glow>
+                </a:effectLst>
+                <a:latin typeface="HGP行書体" panose="03000600000000000000" pitchFamily="66" charset="-128"/>
+                <a:ea typeface="HGP行書体" panose="03000600000000000000" pitchFamily="66" charset="-128"/>
+              </a:rPr>
+              <a:t>敵も手ごわい</a:t>
+            </a:r>
+            <a:r>
+              <a:rPr lang="en-US" altLang="ja-JP" sz="3200" b="1" dirty="0">
                 <a:ln w="3175">
                   <a:solidFill>
                     <a:schemeClr val="tx1"/>
@@ -4248,6 +5475,268 @@
               </a:rPr>
               <a:t>…</a:t>
             </a:r>
+            <a:endParaRPr kumimoji="1" lang="ja-JP" altLang="en-US" sz="3600" b="1" dirty="0">
+              <a:ln w="3175">
+                <a:solidFill>
+                  <a:schemeClr val="tx1"/>
+                </a:solidFill>
+              </a:ln>
+              <a:solidFill>
+                <a:schemeClr val="bg1"/>
+              </a:solidFill>
+              <a:effectLst>
+                <a:glow rad="177800">
+                  <a:schemeClr val="bg1">
+                    <a:alpha val="70000"/>
+                  </a:schemeClr>
+                </a:glow>
+              </a:effectLst>
+              <a:latin typeface="HGP行書体" panose="03000600000000000000" pitchFamily="66" charset="-128"/>
+              <a:ea typeface="HGP行書体" panose="03000600000000000000" pitchFamily="66" charset="-128"/>
+            </a:endParaRPr>
+          </a:p>
+        </p:txBody>
+      </p:sp>
+      <p:sp>
+        <p:nvSpPr>
+          <p:cNvPr id="36" name="テキスト ボックス 35">
+            <a:extLst>
+              <a:ext uri="{FF2B5EF4-FFF2-40B4-BE49-F238E27FC236}">
+                <a16:creationId xmlns:a16="http://schemas.microsoft.com/office/drawing/2014/main" id="{C2332001-6D0D-03A0-ECD6-20DEED9B8E72}"/>
+              </a:ext>
+            </a:extLst>
+          </p:cNvPr>
+          <p:cNvSpPr txBox="1"/>
+          <p:nvPr/>
+        </p:nvSpPr>
+        <p:spPr>
+          <a:xfrm rot="21256375">
+            <a:off x="9973515" y="5252052"/>
+            <a:ext cx="2031325" cy="646331"/>
+          </a:xfrm>
+          <a:prstGeom prst="rect">
+            <a:avLst/>
+          </a:prstGeom>
+          <a:noFill/>
+        </p:spPr>
+        <p:txBody>
+          <a:bodyPr wrap="none" rtlCol="0">
+            <a:spAutoFit/>
+          </a:bodyPr>
+          <a:lstStyle/>
+          <a:p>
+            <a:r>
+              <a:rPr kumimoji="1" lang="ja-JP" altLang="en-US" sz="3600" b="1" dirty="0">
+                <a:ln w="3175">
+                  <a:solidFill>
+                    <a:schemeClr val="tx1"/>
+                  </a:solidFill>
+                </a:ln>
+                <a:gradFill>
+                  <a:gsLst>
+                    <a:gs pos="0">
+                      <a:srgbClr val="BC0000"/>
+                    </a:gs>
+                    <a:gs pos="100000">
+                      <a:srgbClr val="FF0000"/>
+                    </a:gs>
+                  </a:gsLst>
+                  <a:lin ang="5400000" scaled="1"/>
+                </a:gradFill>
+                <a:effectLst>
+                  <a:glow rad="177800">
+                    <a:srgbClr val="FFC000">
+                      <a:alpha val="70000"/>
+                    </a:srgbClr>
+                  </a:glow>
+                </a:effectLst>
+                <a:latin typeface="HGP行書体" panose="03000600000000000000" pitchFamily="66" charset="-128"/>
+                <a:ea typeface="HGP行書体" panose="03000600000000000000" pitchFamily="66" charset="-128"/>
+              </a:rPr>
+              <a:t>捉えられる</a:t>
+            </a:r>
+            <a:endParaRPr kumimoji="1" lang="ja-JP" altLang="en-US" sz="2400" b="1" dirty="0">
+              <a:ln w="3175">
+                <a:solidFill>
+                  <a:schemeClr val="tx1"/>
+                </a:solidFill>
+              </a:ln>
+              <a:gradFill>
+                <a:gsLst>
+                  <a:gs pos="0">
+                    <a:srgbClr val="BC0000"/>
+                  </a:gs>
+                  <a:gs pos="100000">
+                    <a:srgbClr val="FF0000"/>
+                  </a:gs>
+                </a:gsLst>
+                <a:lin ang="5400000" scaled="1"/>
+              </a:gradFill>
+              <a:effectLst>
+                <a:glow rad="177800">
+                  <a:srgbClr val="FFC000">
+                    <a:alpha val="70000"/>
+                  </a:srgbClr>
+                </a:glow>
+              </a:effectLst>
+              <a:latin typeface="HGP行書体" panose="03000600000000000000" pitchFamily="66" charset="-128"/>
+              <a:ea typeface="HGP行書体" panose="03000600000000000000" pitchFamily="66" charset="-128"/>
+            </a:endParaRPr>
+          </a:p>
+        </p:txBody>
+      </p:sp>
+      <p:sp>
+        <p:nvSpPr>
+          <p:cNvPr id="42" name="テキスト ボックス 41">
+            <a:extLst>
+              <a:ext uri="{FF2B5EF4-FFF2-40B4-BE49-F238E27FC236}">
+                <a16:creationId xmlns:a16="http://schemas.microsoft.com/office/drawing/2014/main" id="{AA66B027-3A4E-516A-C38D-E22626BAE219}"/>
+              </a:ext>
+            </a:extLst>
+          </p:cNvPr>
+          <p:cNvSpPr txBox="1"/>
+          <p:nvPr/>
+        </p:nvSpPr>
+        <p:spPr>
+          <a:xfrm>
+            <a:off x="626212" y="5004424"/>
+            <a:ext cx="1266693" cy="523220"/>
+          </a:xfrm>
+          <a:prstGeom prst="rect">
+            <a:avLst/>
+          </a:prstGeom>
+          <a:noFill/>
+        </p:spPr>
+        <p:txBody>
+          <a:bodyPr wrap="none" rtlCol="0">
+            <a:spAutoFit/>
+          </a:bodyPr>
+          <a:lstStyle/>
+          <a:p>
+            <a:r>
+              <a:rPr lang="ja-JP" altLang="en-US" sz="2800" b="1" dirty="0">
+                <a:ln w="3175">
+                  <a:solidFill>
+                    <a:schemeClr val="tx1"/>
+                  </a:solidFill>
+                </a:ln>
+                <a:solidFill>
+                  <a:schemeClr val="bg1"/>
+                </a:solidFill>
+                <a:effectLst>
+                  <a:glow rad="177800">
+                    <a:schemeClr val="bg1">
+                      <a:alpha val="70000"/>
+                    </a:schemeClr>
+                  </a:glow>
+                </a:effectLst>
+                <a:latin typeface="HGP行書体" panose="03000600000000000000" pitchFamily="66" charset="-128"/>
+                <a:ea typeface="HGP行書体" panose="03000600000000000000" pitchFamily="66" charset="-128"/>
+              </a:rPr>
+              <a:t>回転壁</a:t>
+            </a:r>
+            <a:endParaRPr kumimoji="1" lang="ja-JP" altLang="en-US" sz="2800" b="1" dirty="0">
+              <a:ln w="3175">
+                <a:solidFill>
+                  <a:schemeClr val="tx1"/>
+                </a:solidFill>
+              </a:ln>
+              <a:solidFill>
+                <a:schemeClr val="bg1"/>
+              </a:solidFill>
+              <a:effectLst>
+                <a:glow rad="177800">
+                  <a:schemeClr val="bg1">
+                    <a:alpha val="70000"/>
+                  </a:schemeClr>
+                </a:glow>
+              </a:effectLst>
+              <a:latin typeface="HGP行書体" panose="03000600000000000000" pitchFamily="66" charset="-128"/>
+              <a:ea typeface="HGP行書体" panose="03000600000000000000" pitchFamily="66" charset="-128"/>
+            </a:endParaRPr>
+          </a:p>
+        </p:txBody>
+      </p:sp>
+      <p:sp>
+        <p:nvSpPr>
+          <p:cNvPr id="44" name="テキスト ボックス 43">
+            <a:extLst>
+              <a:ext uri="{FF2B5EF4-FFF2-40B4-BE49-F238E27FC236}">
+                <a16:creationId xmlns:a16="http://schemas.microsoft.com/office/drawing/2014/main" id="{3AF6EA22-DBF8-A68D-2D1C-013050474EE9}"/>
+              </a:ext>
+            </a:extLst>
+          </p:cNvPr>
+          <p:cNvSpPr txBox="1"/>
+          <p:nvPr/>
+        </p:nvSpPr>
+        <p:spPr>
+          <a:xfrm rot="21099145">
+            <a:off x="-82130" y="4123509"/>
+            <a:ext cx="3340979" cy="707886"/>
+          </a:xfrm>
+          <a:prstGeom prst="rect">
+            <a:avLst/>
+          </a:prstGeom>
+          <a:noFill/>
+        </p:spPr>
+        <p:txBody>
+          <a:bodyPr wrap="none" rtlCol="0">
+            <a:spAutoFit/>
+          </a:bodyPr>
+          <a:lstStyle/>
+          <a:p>
+            <a:r>
+              <a:rPr lang="ja-JP" altLang="en-US" sz="2400" b="1" dirty="0">
+                <a:ln w="3175">
+                  <a:solidFill>
+                    <a:schemeClr val="tx1"/>
+                  </a:solidFill>
+                </a:ln>
+                <a:solidFill>
+                  <a:schemeClr val="bg1"/>
+                </a:solidFill>
+                <a:effectLst>
+                  <a:glow rad="177800">
+                    <a:schemeClr val="bg1">
+                      <a:alpha val="70000"/>
+                    </a:schemeClr>
+                  </a:glow>
+                </a:effectLst>
+                <a:latin typeface="HGP行書体" panose="03000600000000000000" pitchFamily="66" charset="-128"/>
+                <a:ea typeface="HGP行書体" panose="03000600000000000000" pitchFamily="66" charset="-128"/>
+              </a:rPr>
+              <a:t>向こうの部屋に</a:t>
+            </a:r>
+            <a:r>
+              <a:rPr lang="ja-JP" altLang="en-US" sz="4000" b="1" dirty="0">
+                <a:ln w="3175">
+                  <a:solidFill>
+                    <a:schemeClr val="tx1"/>
+                  </a:solidFill>
+                </a:ln>
+                <a:gradFill>
+                  <a:gsLst>
+                    <a:gs pos="0">
+                      <a:srgbClr val="FF0000"/>
+                    </a:gs>
+                    <a:gs pos="100000">
+                      <a:srgbClr val="FF8989"/>
+                    </a:gs>
+                  </a:gsLst>
+                  <a:lin ang="5400000" scaled="1"/>
+                </a:gradFill>
+                <a:effectLst>
+                  <a:glow rad="177800">
+                    <a:srgbClr val="FFC000">
+                      <a:alpha val="70000"/>
+                    </a:srgbClr>
+                  </a:glow>
+                </a:effectLst>
+                <a:latin typeface="HGP行書体" panose="03000600000000000000" pitchFamily="66" charset="-128"/>
+                <a:ea typeface="HGP行書体" panose="03000600000000000000" pitchFamily="66" charset="-128"/>
+              </a:rPr>
+              <a:t>逃げろ</a:t>
+            </a:r>
             <a:endParaRPr kumimoji="1" lang="ja-JP" altLang="en-US" sz="2400" b="1" dirty="0">
               <a:ln w="3175">
                 <a:solidFill>
@@ -4272,10 +5761,10 @@
       </p:sp>
       <p:pic>
         <p:nvPicPr>
-          <p:cNvPr id="49" name="図 48" descr="コーヒー, テーブル, 座る, 小さい が含まれている画像&#10;&#10;自動的に生成された説明">
-            <a:extLst>
-              <a:ext uri="{FF2B5EF4-FFF2-40B4-BE49-F238E27FC236}">
-                <a16:creationId xmlns:a16="http://schemas.microsoft.com/office/drawing/2014/main" id="{C1BFE807-0690-4564-44B8-9B387C6508DD}"/>
+          <p:cNvPr id="46" name="図 45" descr="グラフィカル ユーザー インターフェイス, アプリケーション&#10;&#10;自動的に生成された説明">
+            <a:extLst>
+              <a:ext uri="{FF2B5EF4-FFF2-40B4-BE49-F238E27FC236}">
+                <a16:creationId xmlns:a16="http://schemas.microsoft.com/office/drawing/2014/main" id="{75984028-1C5B-122F-0A2D-D7029B1FE32C}"/>
               </a:ext>
             </a:extLst>
           </p:cNvPr>
@@ -4285,7 +5774,7 @@
           <p:nvPr/>
         </p:nvPicPr>
         <p:blipFill>
-          <a:blip r:embed="rId6">
+          <a:blip r:embed="rId12">
             <a:extLst>
               <a:ext uri="{28A0092B-C50C-407E-A947-70E740481C1C}">
                 <a14:useLocalDpi xmlns:a14="http://schemas.microsoft.com/office/drawing/2010/main" val="0"/>
@@ -4298,20 +5787,27 @@
         </p:blipFill>
         <p:spPr>
           <a:xfrm>
-            <a:off x="6314062" y="3594644"/>
-            <a:ext cx="2017019" cy="2606741"/>
+            <a:off x="2003388" y="4851893"/>
+            <a:ext cx="1889488" cy="1886465"/>
           </a:xfrm>
           <a:prstGeom prst="rect">
             <a:avLst/>
           </a:prstGeom>
+          <a:effectLst>
+            <a:glow rad="190500">
+              <a:srgbClr val="00B0F0">
+                <a:alpha val="70000"/>
+              </a:srgbClr>
+            </a:glow>
+          </a:effectLst>
         </p:spPr>
       </p:pic>
       <p:sp>
         <p:nvSpPr>
-          <p:cNvPr id="52" name="テキスト ボックス 51">
-            <a:extLst>
-              <a:ext uri="{FF2B5EF4-FFF2-40B4-BE49-F238E27FC236}">
-                <a16:creationId xmlns:a16="http://schemas.microsoft.com/office/drawing/2014/main" id="{F9514EFF-0625-7211-7C8E-BE914D25584F}"/>
+          <p:cNvPr id="47" name="テキスト ボックス 46">
+            <a:extLst>
+              <a:ext uri="{FF2B5EF4-FFF2-40B4-BE49-F238E27FC236}">
+                <a16:creationId xmlns:a16="http://schemas.microsoft.com/office/drawing/2014/main" id="{36B59B90-7E85-C933-2A4C-182D1EF01ACD}"/>
               </a:ext>
             </a:extLst>
           </p:cNvPr>
@@ -4319,9 +5815,9 @@
           <p:nvPr/>
         </p:nvSpPr>
         <p:spPr>
-          <a:xfrm rot="21285254">
-            <a:off x="2804704" y="2478824"/>
-            <a:ext cx="8637301" cy="923330"/>
+          <a:xfrm>
+            <a:off x="2671507" y="4674578"/>
+            <a:ext cx="1463862" cy="523220"/>
           </a:xfrm>
           <a:prstGeom prst="rect">
             <a:avLst/>
@@ -4335,7 +5831,7 @@
           <a:lstStyle/>
           <a:p>
             <a:r>
-              <a:rPr lang="ja-JP" altLang="en-US" sz="4800" b="1" dirty="0">
+              <a:rPr lang="ja-JP" altLang="en-US" sz="2800" b="1" dirty="0">
                 <a:ln w="3175">
                   <a:solidFill>
                     <a:schemeClr val="tx1"/>
@@ -4354,40 +5850,60 @@
                 <a:latin typeface="HGP行書体" panose="03000600000000000000" pitchFamily="66" charset="-128"/>
                 <a:ea typeface="HGP行書体" panose="03000600000000000000" pitchFamily="66" charset="-128"/>
               </a:rPr>
-              <a:t>からくりを使い</a:t>
-            </a:r>
-            <a:r>
-              <a:rPr lang="ja-JP" altLang="en-US" sz="5400" b="1" dirty="0">
-                <a:ln w="3175">
-                  <a:solidFill>
-                    <a:schemeClr val="tx1"/>
-                  </a:solidFill>
-                </a:ln>
-                <a:gradFill>
-                  <a:gsLst>
-                    <a:gs pos="0">
-                      <a:srgbClr val="FF0000"/>
-                    </a:gs>
-                    <a:gs pos="100000">
-                      <a:srgbClr val="FF8989"/>
-                    </a:gs>
-                  </a:gsLst>
-                  <a:lin ang="5400000" scaled="1"/>
-                </a:gradFill>
-                <a:effectLst>
-                  <a:glow rad="215900">
-                    <a:schemeClr val="bg1">
-                      <a:alpha val="90000"/>
-                    </a:schemeClr>
-                  </a:glow>
-                </a:effectLst>
-                <a:latin typeface="HGP行書体" panose="03000600000000000000" pitchFamily="66" charset="-128"/>
-                <a:ea typeface="HGP行書体" panose="03000600000000000000" pitchFamily="66" charset="-128"/>
-              </a:rPr>
-              <a:t>追手を撒く</a:t>
-            </a:r>
-            <a:r>
-              <a:rPr lang="ja-JP" altLang="en-US" sz="4800" b="1" dirty="0">
+              <a:t>高台登り</a:t>
+            </a:r>
+            <a:endParaRPr kumimoji="1" lang="ja-JP" altLang="en-US" sz="2800" b="1" dirty="0">
+              <a:ln w="3175">
+                <a:solidFill>
+                  <a:schemeClr val="tx1"/>
+                </a:solidFill>
+              </a:ln>
+              <a:solidFill>
+                <a:schemeClr val="bg1"/>
+              </a:solidFill>
+              <a:effectLst>
+                <a:glow rad="177800">
+                  <a:schemeClr val="bg1">
+                    <a:alpha val="70000"/>
+                  </a:schemeClr>
+                </a:glow>
+              </a:effectLst>
+              <a:latin typeface="HGP行書体" panose="03000600000000000000" pitchFamily="66" charset="-128"/>
+              <a:ea typeface="HGP行書体" panose="03000600000000000000" pitchFamily="66" charset="-128"/>
+            </a:endParaRPr>
+          </a:p>
+        </p:txBody>
+      </p:sp>
+      <p:sp>
+        <p:nvSpPr>
+          <p:cNvPr id="48" name="テキスト ボックス 47">
+            <a:extLst>
+              <a:ext uri="{FF2B5EF4-FFF2-40B4-BE49-F238E27FC236}">
+                <a16:creationId xmlns:a16="http://schemas.microsoft.com/office/drawing/2014/main" id="{E2EF44B9-6205-4724-1475-411EF7F611A1}"/>
+              </a:ext>
+            </a:extLst>
+          </p:cNvPr>
+          <p:cNvSpPr txBox="1"/>
+          <p:nvPr/>
+        </p:nvSpPr>
+        <p:spPr>
+          <a:xfrm rot="306733">
+            <a:off x="1228542" y="6004120"/>
+            <a:ext cx="2925801" cy="707886"/>
+          </a:xfrm>
+          <a:prstGeom prst="rect">
+            <a:avLst/>
+          </a:prstGeom>
+          <a:noFill/>
+        </p:spPr>
+        <p:txBody>
+          <a:bodyPr wrap="none" rtlCol="0">
+            <a:spAutoFit/>
+          </a:bodyPr>
+          <a:lstStyle/>
+          <a:p>
+            <a:r>
+              <a:rPr lang="ja-JP" altLang="en-US" sz="2400" b="1" dirty="0">
                 <a:ln w="3175">
                   <a:solidFill>
                     <a:schemeClr val="tx1"/>
@@ -4406,167 +5922,37 @@
                 <a:latin typeface="HGP行書体" panose="03000600000000000000" pitchFamily="66" charset="-128"/>
                 <a:ea typeface="HGP行書体" panose="03000600000000000000" pitchFamily="66" charset="-128"/>
               </a:rPr>
-              <a:t>でござる</a:t>
-            </a:r>
-            <a:r>
-              <a:rPr lang="en-US" altLang="ja-JP" sz="4800" b="1" dirty="0">
+              <a:t>高台に行き</a:t>
+            </a:r>
+            <a:r>
+              <a:rPr lang="ja-JP" altLang="en-US" sz="4000" b="1" dirty="0">
                 <a:ln w="3175">
                   <a:solidFill>
                     <a:schemeClr val="tx1"/>
                   </a:solidFill>
                 </a:ln>
-                <a:solidFill>
-                  <a:schemeClr val="bg1"/>
-                </a:solidFill>
+                <a:gradFill>
+                  <a:gsLst>
+                    <a:gs pos="0">
+                      <a:srgbClr val="FF0000"/>
+                    </a:gs>
+                    <a:gs pos="100000">
+                      <a:srgbClr val="FF8989"/>
+                    </a:gs>
+                  </a:gsLst>
+                  <a:lin ang="5400000" scaled="1"/>
+                </a:gradFill>
                 <a:effectLst>
                   <a:glow rad="177800">
-                    <a:schemeClr val="bg1">
+                    <a:srgbClr val="FFC000">
                       <a:alpha val="70000"/>
-                    </a:schemeClr>
+                    </a:srgbClr>
                   </a:glow>
                 </a:effectLst>
                 <a:latin typeface="HGP行書体" panose="03000600000000000000" pitchFamily="66" charset="-128"/>
                 <a:ea typeface="HGP行書体" panose="03000600000000000000" pitchFamily="66" charset="-128"/>
               </a:rPr>
-              <a:t>!!</a:t>
-            </a:r>
-            <a:endParaRPr kumimoji="1" lang="ja-JP" altLang="en-US" sz="4800" b="1" dirty="0">
-              <a:ln w="3175">
-                <a:solidFill>
-                  <a:schemeClr val="tx1"/>
-                </a:solidFill>
-              </a:ln>
-              <a:solidFill>
-                <a:schemeClr val="bg1"/>
-              </a:solidFill>
-              <a:effectLst>
-                <a:glow rad="177800">
-                  <a:schemeClr val="bg1">
-                    <a:alpha val="70000"/>
-                  </a:schemeClr>
-                </a:glow>
-              </a:effectLst>
-              <a:latin typeface="HGP行書体" panose="03000600000000000000" pitchFamily="66" charset="-128"/>
-              <a:ea typeface="HGP行書体" panose="03000600000000000000" pitchFamily="66" charset="-128"/>
-            </a:endParaRPr>
-          </a:p>
-        </p:txBody>
-      </p:sp>
-      <p:sp>
-        <p:nvSpPr>
-          <p:cNvPr id="2" name="テキスト ボックス 1">
-            <a:extLst>
-              <a:ext uri="{FF2B5EF4-FFF2-40B4-BE49-F238E27FC236}">
-                <a16:creationId xmlns:a16="http://schemas.microsoft.com/office/drawing/2014/main" id="{2F959C76-9F0F-DA0A-04B9-59E47E805BC1}"/>
-              </a:ext>
-            </a:extLst>
-          </p:cNvPr>
-          <p:cNvSpPr txBox="1"/>
-          <p:nvPr/>
-        </p:nvSpPr>
-        <p:spPr>
-          <a:xfrm>
-            <a:off x="22555" y="1782426"/>
-            <a:ext cx="4783682" cy="646331"/>
-          </a:xfrm>
-          <a:prstGeom prst="rect">
-            <a:avLst/>
-          </a:prstGeom>
-          <a:noFill/>
-        </p:spPr>
-        <p:txBody>
-          <a:bodyPr wrap="none" rtlCol="0">
-            <a:spAutoFit/>
-          </a:bodyPr>
-          <a:lstStyle/>
-          <a:p>
-            <a:r>
-              <a:rPr kumimoji="1" lang="ja-JP" altLang="en-US" sz="2400" b="1" dirty="0">
-                <a:ln w="3175">
-                  <a:solidFill>
-                    <a:schemeClr val="tx1"/>
-                  </a:solidFill>
-                </a:ln>
-                <a:solidFill>
-                  <a:schemeClr val="bg1"/>
-                </a:solidFill>
-                <a:effectLst>
-                  <a:glow rad="177800">
-                    <a:schemeClr val="bg1">
-                      <a:alpha val="70000"/>
-                    </a:schemeClr>
-                  </a:glow>
-                </a:effectLst>
-                <a:latin typeface="HGP行書体" panose="03000600000000000000" pitchFamily="66" charset="-128"/>
-                <a:ea typeface="HGP行書体" panose="03000600000000000000" pitchFamily="66" charset="-128"/>
-              </a:rPr>
-              <a:t>汝、</a:t>
-            </a:r>
-            <a:r>
-              <a:rPr kumimoji="1" lang="ja-JP" altLang="en-US" sz="3600" b="1" dirty="0">
-                <a:ln w="3175">
-                  <a:solidFill>
-                    <a:schemeClr val="tx1"/>
-                  </a:solidFill>
-                </a:ln>
-                <a:solidFill>
-                  <a:schemeClr val="bg1"/>
-                </a:solidFill>
-                <a:effectLst>
-                  <a:glow rad="177800">
-                    <a:schemeClr val="bg1">
-                      <a:alpha val="70000"/>
-                    </a:schemeClr>
-                  </a:glow>
-                </a:effectLst>
-                <a:latin typeface="HGP行書体" panose="03000600000000000000" pitchFamily="66" charset="-128"/>
-                <a:ea typeface="HGP行書体" panose="03000600000000000000" pitchFamily="66" charset="-128"/>
-              </a:rPr>
-              <a:t>裏切りの抜け忍</a:t>
-            </a:r>
-            <a:r>
-              <a:rPr kumimoji="1" lang="ja-JP" altLang="en-US" sz="2400" b="1" dirty="0">
-                <a:ln w="3175">
-                  <a:solidFill>
-                    <a:schemeClr val="tx1"/>
-                  </a:solidFill>
-                </a:ln>
-                <a:solidFill>
-                  <a:schemeClr val="bg1"/>
-                </a:solidFill>
-                <a:effectLst>
-                  <a:glow rad="177800">
-                    <a:schemeClr val="bg1">
-                      <a:alpha val="70000"/>
-                    </a:schemeClr>
-                  </a:glow>
-                </a:effectLst>
-                <a:latin typeface="HGP行書体" panose="03000600000000000000" pitchFamily="66" charset="-128"/>
-                <a:ea typeface="HGP行書体" panose="03000600000000000000" pitchFamily="66" charset="-128"/>
-              </a:rPr>
-              <a:t>にござる</a:t>
-            </a:r>
-            <a:r>
-              <a:rPr kumimoji="1" lang="en-US" altLang="ja-JP" sz="2400" b="1" dirty="0">
-                <a:ln w="3175">
-                  <a:solidFill>
-                    <a:schemeClr val="tx1"/>
-                  </a:solidFill>
-                </a:ln>
-                <a:solidFill>
-                  <a:schemeClr val="bg1"/>
-                </a:solidFill>
-                <a:effectLst>
-                  <a:glow rad="177800">
-                    <a:schemeClr val="bg1">
-                      <a:alpha val="70000"/>
-                    </a:schemeClr>
-                  </a:glow>
-                </a:effectLst>
-                <a:latin typeface="HGP行書体" panose="03000600000000000000" pitchFamily="66" charset="-128"/>
-                <a:ea typeface="HGP行書体" panose="03000600000000000000" pitchFamily="66" charset="-128"/>
-              </a:rPr>
-              <a:t>…</a:t>
+              <a:t>隠れる</a:t>
             </a:r>
             <a:endParaRPr kumimoji="1" lang="ja-JP" altLang="en-US" sz="2400" b="1" dirty="0">
               <a:ln w="3175">
@@ -4592,10 +5978,10 @@
       </p:sp>
       <p:sp>
         <p:nvSpPr>
-          <p:cNvPr id="55" name="テキスト ボックス 54">
-            <a:extLst>
-              <a:ext uri="{FF2B5EF4-FFF2-40B4-BE49-F238E27FC236}">
-                <a16:creationId xmlns:a16="http://schemas.microsoft.com/office/drawing/2014/main" id="{2B57EE00-466A-1CA7-9FA4-3029EBE33508}"/>
+          <p:cNvPr id="87" name="テキスト ボックス 86">
+            <a:extLst>
+              <a:ext uri="{FF2B5EF4-FFF2-40B4-BE49-F238E27FC236}">
+                <a16:creationId xmlns:a16="http://schemas.microsoft.com/office/drawing/2014/main" id="{FBB4C4D0-4D26-0FC4-D401-7FFDFD5D3822}"/>
               </a:ext>
             </a:extLst>
           </p:cNvPr>
@@ -4603,9 +5989,9 @@
           <p:nvPr/>
         </p:nvSpPr>
         <p:spPr>
-          <a:xfrm rot="388970">
-            <a:off x="5060514" y="4974376"/>
-            <a:ext cx="3906839" cy="400110"/>
+          <a:xfrm rot="21064875">
+            <a:off x="5208049" y="4711223"/>
+            <a:ext cx="3565400" cy="707886"/>
           </a:xfrm>
           <a:prstGeom prst="rect">
             <a:avLst/>
@@ -4619,7 +6005,7 @@
           <a:lstStyle/>
           <a:p>
             <a:r>
-              <a:rPr lang="ja-JP" altLang="en-US" sz="2000" b="1" dirty="0">
+              <a:rPr lang="ja-JP" altLang="en-US" sz="2400" b="1" dirty="0">
                 <a:ln w="3175">
                   <a:solidFill>
                     <a:schemeClr val="tx1"/>
@@ -4638,10 +6024,90 @@
                 <a:latin typeface="HGP行書体" panose="03000600000000000000" pitchFamily="66" charset="-128"/>
                 <a:ea typeface="HGP行書体" panose="03000600000000000000" pitchFamily="66" charset="-128"/>
               </a:rPr>
-              <a:t>起動して障害物として利用できぬか</a:t>
-            </a:r>
-            <a:r>
-              <a:rPr lang="en-US" altLang="ja-JP" sz="2000" b="1" dirty="0">
+              <a:t>手裏剣で</a:t>
+            </a:r>
+            <a:r>
+              <a:rPr lang="ja-JP" altLang="en-US" sz="4000" b="1" dirty="0">
+                <a:ln w="3175">
+                  <a:solidFill>
+                    <a:schemeClr val="tx1"/>
+                  </a:solidFill>
+                </a:ln>
+                <a:gradFill>
+                  <a:gsLst>
+                    <a:gs pos="0">
+                      <a:srgbClr val="FF0000"/>
+                    </a:gs>
+                    <a:gs pos="100000">
+                      <a:srgbClr val="FF8989"/>
+                    </a:gs>
+                  </a:gsLst>
+                  <a:lin ang="5400000" scaled="1"/>
+                </a:gradFill>
+                <a:effectLst>
+                  <a:glow rad="177800">
+                    <a:srgbClr val="FFC000">
+                      <a:alpha val="70000"/>
+                    </a:srgbClr>
+                  </a:glow>
+                </a:effectLst>
+                <a:latin typeface="HGP行書体" panose="03000600000000000000" pitchFamily="66" charset="-128"/>
+                <a:ea typeface="HGP行書体" panose="03000600000000000000" pitchFamily="66" charset="-128"/>
+              </a:rPr>
+              <a:t>撃ち落とす</a:t>
+            </a:r>
+            <a:endParaRPr kumimoji="1" lang="ja-JP" altLang="en-US" sz="2400" b="1" dirty="0">
+              <a:ln w="3175">
+                <a:solidFill>
+                  <a:schemeClr val="tx1"/>
+                </a:solidFill>
+              </a:ln>
+              <a:solidFill>
+                <a:schemeClr val="bg1"/>
+              </a:solidFill>
+              <a:effectLst>
+                <a:glow rad="177800">
+                  <a:schemeClr val="bg1">
+                    <a:alpha val="70000"/>
+                  </a:schemeClr>
+                </a:glow>
+              </a:effectLst>
+              <a:latin typeface="HGP行書体" panose="03000600000000000000" pitchFamily="66" charset="-128"/>
+              <a:ea typeface="HGP行書体" panose="03000600000000000000" pitchFamily="66" charset="-128"/>
+            </a:endParaRPr>
+          </a:p>
+        </p:txBody>
+      </p:sp>
+      <p:sp>
+        <p:nvSpPr>
+          <p:cNvPr id="88" name="テキスト ボックス 87">
+            <a:extLst>
+              <a:ext uri="{FF2B5EF4-FFF2-40B4-BE49-F238E27FC236}">
+                <a16:creationId xmlns:a16="http://schemas.microsoft.com/office/drawing/2014/main" id="{BD024444-7EFE-0866-D08D-7F2A925A32D5}"/>
+              </a:ext>
+            </a:extLst>
+          </p:cNvPr>
+          <p:cNvSpPr txBox="1"/>
+          <p:nvPr/>
+        </p:nvSpPr>
+        <p:spPr>
+          <a:xfrm>
+            <a:off x="4576521" y="6317733"/>
+            <a:ext cx="1499128" cy="523220"/>
+          </a:xfrm>
+          <a:prstGeom prst="rect">
+            <a:avLst/>
+          </a:prstGeom>
+          <a:noFill/>
+        </p:spPr>
+        <p:txBody>
+          <a:bodyPr wrap="none" rtlCol="0">
+            <a:spAutoFit/>
+          </a:bodyPr>
+          <a:lstStyle/>
+          <a:p>
+            <a:r>
+              <a:rPr lang="ja-JP" altLang="en-US" sz="2800" b="1" dirty="0">
                 <a:ln w="3175">
                   <a:solidFill>
                     <a:schemeClr val="tx1"/>
@@ -4660,9 +6126,9 @@
                 <a:latin typeface="HGP行書体" panose="03000600000000000000" pitchFamily="66" charset="-128"/>
                 <a:ea typeface="HGP行書体" panose="03000600000000000000" pitchFamily="66" charset="-128"/>
               </a:rPr>
-              <a:t>…</a:t>
-            </a:r>
-            <a:endParaRPr kumimoji="1" lang="ja-JP" altLang="en-US" sz="2000" b="1" dirty="0">
+              <a:t>注意引き</a:t>
+            </a:r>
+            <a:endParaRPr kumimoji="1" lang="ja-JP" altLang="en-US" sz="2800" b="1" dirty="0">
               <a:ln w="3175">
                 <a:solidFill>
                   <a:schemeClr val="tx1"/>
@@ -4686,10 +6152,10 @@
       </p:sp>
       <p:sp>
         <p:nvSpPr>
-          <p:cNvPr id="56" name="テキスト ボックス 55">
-            <a:extLst>
-              <a:ext uri="{FF2B5EF4-FFF2-40B4-BE49-F238E27FC236}">
-                <a16:creationId xmlns:a16="http://schemas.microsoft.com/office/drawing/2014/main" id="{1E3035A1-C95E-C7D7-3AA0-BE2F04A1C65F}"/>
+          <p:cNvPr id="90" name="テキスト ボックス 89">
+            <a:extLst>
+              <a:ext uri="{FF2B5EF4-FFF2-40B4-BE49-F238E27FC236}">
+                <a16:creationId xmlns:a16="http://schemas.microsoft.com/office/drawing/2014/main" id="{C2AFF492-DC5F-8C31-ED7A-366D52461AD5}"/>
               </a:ext>
             </a:extLst>
           </p:cNvPr>
@@ -4697,9 +6163,9 @@
           <p:nvPr/>
         </p:nvSpPr>
         <p:spPr>
-          <a:xfrm>
-            <a:off x="6627148" y="6001330"/>
-            <a:ext cx="1399742" cy="400110"/>
+          <a:xfrm rot="21328145">
+            <a:off x="12484194" y="1342952"/>
+            <a:ext cx="11004936" cy="1200329"/>
           </a:xfrm>
           <a:prstGeom prst="rect">
             <a:avLst/>
@@ -4713,28 +6179,171 @@
           <a:lstStyle/>
           <a:p>
             <a:r>
-              <a:rPr lang="ja-JP" altLang="en-US" sz="2000" b="1" dirty="0">
+              <a:rPr lang="ja-JP" altLang="en-US" sz="7200" b="1" dirty="0">
                 <a:ln w="3175">
                   <a:solidFill>
                     <a:schemeClr val="tx1"/>
                   </a:solidFill>
                 </a:ln>
-                <a:solidFill>
-                  <a:schemeClr val="bg1"/>
-                </a:solidFill>
+                <a:gradFill>
+                  <a:gsLst>
+                    <a:gs pos="0">
+                      <a:srgbClr val="00B0F0"/>
+                    </a:gs>
+                    <a:gs pos="100000">
+                      <a:schemeClr val="accent4">
+                        <a:lumMod val="20000"/>
+                        <a:lumOff val="80000"/>
+                      </a:schemeClr>
+                    </a:gs>
+                  </a:gsLst>
+                  <a:lin ang="5400000" scaled="1"/>
+                </a:gradFill>
                 <a:effectLst>
-                  <a:glow rad="177800">
-                    <a:schemeClr val="bg1">
-                      <a:alpha val="70000"/>
-                    </a:schemeClr>
+                  <a:glow rad="228600">
+                    <a:srgbClr val="FFFF00">
+                      <a:alpha val="78000"/>
+                    </a:srgbClr>
                   </a:glow>
                 </a:effectLst>
                 <a:latin typeface="HGP行書体" panose="03000600000000000000" pitchFamily="66" charset="-128"/>
                 <a:ea typeface="HGP行書体" panose="03000600000000000000" pitchFamily="66" charset="-128"/>
               </a:rPr>
-              <a:t>座敷からくり</a:t>
-            </a:r>
-            <a:endParaRPr kumimoji="1" lang="ja-JP" altLang="en-US" sz="2000" b="1" dirty="0">
+              <a:t>巻物が</a:t>
+            </a:r>
+            <a:r>
+              <a:rPr lang="en-US" altLang="ja-JP" sz="7200" b="1" dirty="0">
+                <a:ln w="3175">
+                  <a:solidFill>
+                    <a:schemeClr val="tx1"/>
+                  </a:solidFill>
+                </a:ln>
+                <a:gradFill>
+                  <a:gsLst>
+                    <a:gs pos="0">
+                      <a:srgbClr val="00B0F0"/>
+                    </a:gs>
+                    <a:gs pos="100000">
+                      <a:schemeClr val="accent4">
+                        <a:lumMod val="20000"/>
+                        <a:lumOff val="80000"/>
+                      </a:schemeClr>
+                    </a:gs>
+                  </a:gsLst>
+                  <a:lin ang="5400000" scaled="1"/>
+                </a:gradFill>
+                <a:effectLst>
+                  <a:glow rad="228600">
+                    <a:srgbClr val="FFFF00">
+                      <a:alpha val="78000"/>
+                    </a:srgbClr>
+                  </a:glow>
+                </a:effectLst>
+                <a:latin typeface="HGP行書体" panose="03000600000000000000" pitchFamily="66" charset="-128"/>
+                <a:ea typeface="HGP行書体" panose="03000600000000000000" pitchFamily="66" charset="-128"/>
+              </a:rPr>
+              <a:t>『</a:t>
+            </a:r>
+            <a:r>
+              <a:rPr lang="ja-JP" altLang="en-US" sz="7200" b="1" dirty="0">
+                <a:ln w="3175">
+                  <a:solidFill>
+                    <a:schemeClr val="tx1"/>
+                  </a:solidFill>
+                </a:ln>
+                <a:gradFill>
+                  <a:gsLst>
+                    <a:gs pos="0">
+                      <a:srgbClr val="00B0F0"/>
+                    </a:gs>
+                    <a:gs pos="100000">
+                      <a:schemeClr val="accent4">
+                        <a:lumMod val="20000"/>
+                        <a:lumOff val="80000"/>
+                      </a:schemeClr>
+                    </a:gs>
+                  </a:gsLst>
+                  <a:lin ang="5400000" scaled="1"/>
+                </a:gradFill>
+                <a:effectLst>
+                  <a:glow rad="228600">
+                    <a:srgbClr val="FFFF00">
+                      <a:alpha val="78000"/>
+                    </a:srgbClr>
+                  </a:glow>
+                </a:effectLst>
+                <a:latin typeface="HGP行書体" panose="03000600000000000000" pitchFamily="66" charset="-128"/>
+                <a:ea typeface="HGP行書体" panose="03000600000000000000" pitchFamily="66" charset="-128"/>
+              </a:rPr>
+              <a:t>ドロンの奴</a:t>
+            </a:r>
+            <a:r>
+              <a:rPr lang="en-US" altLang="ja-JP" sz="7200" b="1" dirty="0">
+                <a:ln w="3175">
+                  <a:solidFill>
+                    <a:schemeClr val="tx1"/>
+                  </a:solidFill>
+                </a:ln>
+                <a:gradFill>
+                  <a:gsLst>
+                    <a:gs pos="0">
+                      <a:srgbClr val="00B0F0"/>
+                    </a:gs>
+                    <a:gs pos="100000">
+                      <a:schemeClr val="accent4">
+                        <a:lumMod val="20000"/>
+                        <a:lumOff val="80000"/>
+                      </a:schemeClr>
+                    </a:gs>
+                  </a:gsLst>
+                  <a:lin ang="5400000" scaled="1"/>
+                </a:gradFill>
+                <a:effectLst>
+                  <a:glow rad="228600">
+                    <a:srgbClr val="FFFF00">
+                      <a:alpha val="78000"/>
+                    </a:srgbClr>
+                  </a:glow>
+                </a:effectLst>
+                <a:latin typeface="HGP行書体" panose="03000600000000000000" pitchFamily="66" charset="-128"/>
+                <a:ea typeface="HGP行書体" panose="03000600000000000000" pitchFamily="66" charset="-128"/>
+              </a:rPr>
+              <a:t>』</a:t>
+            </a:r>
+            <a:r>
+              <a:rPr lang="ja-JP" altLang="en-US" sz="7200" b="1" dirty="0">
+                <a:ln w="3175">
+                  <a:solidFill>
+                    <a:schemeClr val="tx1"/>
+                  </a:solidFill>
+                </a:ln>
+                <a:gradFill>
+                  <a:gsLst>
+                    <a:gs pos="0">
+                      <a:srgbClr val="00B0F0"/>
+                    </a:gs>
+                    <a:gs pos="100000">
+                      <a:schemeClr val="accent4">
+                        <a:lumMod val="20000"/>
+                        <a:lumOff val="80000"/>
+                      </a:schemeClr>
+                    </a:gs>
+                  </a:gsLst>
+                  <a:lin ang="5400000" scaled="1"/>
+                </a:gradFill>
+                <a:effectLst>
+                  <a:glow rad="228600">
+                    <a:srgbClr val="FFFF00">
+                      <a:alpha val="78000"/>
+                    </a:srgbClr>
+                  </a:glow>
+                </a:effectLst>
+                <a:latin typeface="HGP行書体" panose="03000600000000000000" pitchFamily="66" charset="-128"/>
+                <a:ea typeface="HGP行書体" panose="03000600000000000000" pitchFamily="66" charset="-128"/>
+              </a:rPr>
+              <a:t>になってる</a:t>
+            </a:r>
+            <a:endParaRPr kumimoji="1" lang="ja-JP" altLang="en-US" sz="7200" b="1" dirty="0">
               <a:ln w="3175">
                 <a:solidFill>
                   <a:schemeClr val="tx1"/>
@@ -4744,815 +6353,15 @@
                 <a:schemeClr val="bg1"/>
               </a:solidFill>
               <a:effectLst>
-                <a:glow rad="177800">
-                  <a:schemeClr val="bg1">
-                    <a:alpha val="70000"/>
-                  </a:schemeClr>
+                <a:glow rad="228600">
+                  <a:srgbClr val="FFFF00">
+                    <a:alpha val="78000"/>
+                  </a:srgbClr>
                 </a:glow>
               </a:effectLst>
               <a:latin typeface="HGP行書体" panose="03000600000000000000" pitchFamily="66" charset="-128"/>
               <a:ea typeface="HGP行書体" panose="03000600000000000000" pitchFamily="66" charset="-128"/>
             </a:endParaRPr>
-          </a:p>
-        </p:txBody>
-      </p:sp>
-      <p:sp>
-        <p:nvSpPr>
-          <p:cNvPr id="57" name="テキスト ボックス 56">
-            <a:extLst>
-              <a:ext uri="{FF2B5EF4-FFF2-40B4-BE49-F238E27FC236}">
-                <a16:creationId xmlns:a16="http://schemas.microsoft.com/office/drawing/2014/main" id="{BA68067B-2024-FC57-2B25-5F3EDFFBDB0C}"/>
-              </a:ext>
-            </a:extLst>
-          </p:cNvPr>
-          <p:cNvSpPr txBox="1"/>
-          <p:nvPr/>
-        </p:nvSpPr>
-        <p:spPr>
-          <a:xfrm rot="21218522">
-            <a:off x="8064901" y="3676608"/>
-            <a:ext cx="2837636" cy="400110"/>
-          </a:xfrm>
-          <a:prstGeom prst="rect">
-            <a:avLst/>
-          </a:prstGeom>
-          <a:noFill/>
-        </p:spPr>
-        <p:txBody>
-          <a:bodyPr wrap="none" rtlCol="0">
-            <a:spAutoFit/>
-          </a:bodyPr>
-          <a:lstStyle/>
-          <a:p>
-            <a:r>
-              <a:rPr lang="ja-JP" altLang="en-US" sz="2000" b="1" dirty="0">
-                <a:ln w="3175">
-                  <a:solidFill>
-                    <a:schemeClr val="tx1"/>
-                  </a:solidFill>
-                </a:ln>
-                <a:solidFill>
-                  <a:schemeClr val="bg1"/>
-                </a:solidFill>
-                <a:effectLst>
-                  <a:glow rad="177800">
-                    <a:schemeClr val="bg1">
-                      <a:alpha val="70000"/>
-                    </a:schemeClr>
-                  </a:glow>
-                </a:effectLst>
-                <a:latin typeface="HGP行書体" panose="03000600000000000000" pitchFamily="66" charset="-128"/>
-                <a:ea typeface="HGP行書体" panose="03000600000000000000" pitchFamily="66" charset="-128"/>
-              </a:rPr>
-              <a:t>別の部屋に逃げれぬか</a:t>
-            </a:r>
-            <a:r>
-              <a:rPr lang="en-US" altLang="ja-JP" sz="2000" b="1" dirty="0">
-                <a:ln w="3175">
-                  <a:solidFill>
-                    <a:schemeClr val="tx1"/>
-                  </a:solidFill>
-                </a:ln>
-                <a:solidFill>
-                  <a:schemeClr val="bg1"/>
-                </a:solidFill>
-                <a:effectLst>
-                  <a:glow rad="177800">
-                    <a:schemeClr val="bg1">
-                      <a:alpha val="70000"/>
-                    </a:schemeClr>
-                  </a:glow>
-                </a:effectLst>
-                <a:latin typeface="HGP行書体" panose="03000600000000000000" pitchFamily="66" charset="-128"/>
-                <a:ea typeface="HGP行書体" panose="03000600000000000000" pitchFamily="66" charset="-128"/>
-              </a:rPr>
-              <a:t>…</a:t>
-            </a:r>
-            <a:endParaRPr kumimoji="1" lang="ja-JP" altLang="en-US" sz="2000" b="1" dirty="0">
-              <a:ln w="3175">
-                <a:solidFill>
-                  <a:schemeClr val="tx1"/>
-                </a:solidFill>
-              </a:ln>
-              <a:solidFill>
-                <a:schemeClr val="bg1"/>
-              </a:solidFill>
-              <a:effectLst>
-                <a:glow rad="177800">
-                  <a:schemeClr val="bg1">
-                    <a:alpha val="70000"/>
-                  </a:schemeClr>
-                </a:glow>
-              </a:effectLst>
-              <a:latin typeface="HGP行書体" panose="03000600000000000000" pitchFamily="66" charset="-128"/>
-              <a:ea typeface="HGP行書体" panose="03000600000000000000" pitchFamily="66" charset="-128"/>
-            </a:endParaRPr>
-          </a:p>
-        </p:txBody>
-      </p:sp>
-      <p:sp>
-        <p:nvSpPr>
-          <p:cNvPr id="60" name="正方形/長方形 59">
-            <a:extLst>
-              <a:ext uri="{FF2B5EF4-FFF2-40B4-BE49-F238E27FC236}">
-                <a16:creationId xmlns:a16="http://schemas.microsoft.com/office/drawing/2014/main" id="{6586C7F4-D94A-68CC-34B0-FB8A54DE7B7A}"/>
-              </a:ext>
-            </a:extLst>
-          </p:cNvPr>
-          <p:cNvSpPr/>
-          <p:nvPr/>
-        </p:nvSpPr>
-        <p:spPr>
-          <a:xfrm>
-            <a:off x="9753600" y="4337937"/>
-            <a:ext cx="835742" cy="755173"/>
-          </a:xfrm>
-          <a:prstGeom prst="rect">
-            <a:avLst/>
-          </a:prstGeom>
-          <a:noFill/>
-          <a:ln>
-            <a:prstDash val="sysDash"/>
-          </a:ln>
-        </p:spPr>
-        <p:style>
-          <a:lnRef idx="2">
-            <a:schemeClr val="accent1">
-              <a:shade val="15000"/>
-            </a:schemeClr>
-          </a:lnRef>
-          <a:fillRef idx="1">
-            <a:schemeClr val="accent1"/>
-          </a:fillRef>
-          <a:effectRef idx="0">
-            <a:schemeClr val="accent1"/>
-          </a:effectRef>
-          <a:fontRef idx="minor">
-            <a:schemeClr val="lt1"/>
-          </a:fontRef>
-        </p:style>
-        <p:txBody>
-          <a:bodyPr rtlCol="0" anchor="ctr"/>
-          <a:lstStyle/>
-          <a:p>
-            <a:pPr algn="ctr"/>
-            <a:endParaRPr kumimoji="1" lang="ja-JP" altLang="en-US"/>
-          </a:p>
-        </p:txBody>
-      </p:sp>
-      <p:sp>
-        <p:nvSpPr>
-          <p:cNvPr id="61" name="テキスト ボックス 60">
-            <a:extLst>
-              <a:ext uri="{FF2B5EF4-FFF2-40B4-BE49-F238E27FC236}">
-                <a16:creationId xmlns:a16="http://schemas.microsoft.com/office/drawing/2014/main" id="{0456FB90-9C38-58E1-AE7B-783C94C9ED92}"/>
-              </a:ext>
-            </a:extLst>
-          </p:cNvPr>
-          <p:cNvSpPr txBox="1"/>
-          <p:nvPr/>
-        </p:nvSpPr>
-        <p:spPr>
-          <a:xfrm>
-            <a:off x="9957048" y="5917506"/>
-            <a:ext cx="958917" cy="400110"/>
-          </a:xfrm>
-          <a:prstGeom prst="rect">
-            <a:avLst/>
-          </a:prstGeom>
-          <a:noFill/>
-        </p:spPr>
-        <p:txBody>
-          <a:bodyPr wrap="none" rtlCol="0">
-            <a:spAutoFit/>
-          </a:bodyPr>
-          <a:lstStyle/>
-          <a:p>
-            <a:r>
-              <a:rPr lang="ja-JP" altLang="en-US" sz="2000" b="1" dirty="0">
-                <a:ln w="3175">
-                  <a:solidFill>
-                    <a:schemeClr val="tx1"/>
-                  </a:solidFill>
-                </a:ln>
-                <a:solidFill>
-                  <a:schemeClr val="bg1"/>
-                </a:solidFill>
-                <a:effectLst>
-                  <a:glow rad="177800">
-                    <a:schemeClr val="bg1">
-                      <a:alpha val="70000"/>
-                    </a:schemeClr>
-                  </a:glow>
-                </a:effectLst>
-                <a:latin typeface="HGP行書体" panose="03000600000000000000" pitchFamily="66" charset="-128"/>
-                <a:ea typeface="HGP行書体" panose="03000600000000000000" pitchFamily="66" charset="-128"/>
-              </a:rPr>
-              <a:t>回転壁</a:t>
-            </a:r>
-            <a:endParaRPr kumimoji="1" lang="ja-JP" altLang="en-US" sz="2000" b="1" dirty="0">
-              <a:ln w="3175">
-                <a:solidFill>
-                  <a:schemeClr val="tx1"/>
-                </a:solidFill>
-              </a:ln>
-              <a:solidFill>
-                <a:schemeClr val="bg1"/>
-              </a:solidFill>
-              <a:effectLst>
-                <a:glow rad="177800">
-                  <a:schemeClr val="bg1">
-                    <a:alpha val="70000"/>
-                  </a:schemeClr>
-                </a:glow>
-              </a:effectLst>
-              <a:latin typeface="HGP行書体" panose="03000600000000000000" pitchFamily="66" charset="-128"/>
-              <a:ea typeface="HGP行書体" panose="03000600000000000000" pitchFamily="66" charset="-128"/>
-            </a:endParaRPr>
-          </a:p>
-        </p:txBody>
-      </p:sp>
-      <p:pic>
-        <p:nvPicPr>
-          <p:cNvPr id="63" name="図 62" descr="駅のホーム&#10;&#10;自動的に生成された説明">
-            <a:extLst>
-              <a:ext uri="{FF2B5EF4-FFF2-40B4-BE49-F238E27FC236}">
-                <a16:creationId xmlns:a16="http://schemas.microsoft.com/office/drawing/2014/main" id="{CB698C8D-82BA-3F20-8F5F-0082DE8567C6}"/>
-              </a:ext>
-            </a:extLst>
-          </p:cNvPr>
-          <p:cNvPicPr>
-            <a:picLocks noChangeAspect="1"/>
-          </p:cNvPicPr>
-          <p:nvPr/>
-        </p:nvPicPr>
-        <p:blipFill>
-          <a:blip r:embed="rId7">
-            <a:extLst>
-              <a:ext uri="{28A0092B-C50C-407E-A947-70E740481C1C}">
-                <a14:useLocalDpi xmlns:a14="http://schemas.microsoft.com/office/drawing/2010/main" val="0"/>
-              </a:ext>
-            </a:extLst>
-          </a:blip>
-          <a:stretch>
-            <a:fillRect/>
-          </a:stretch>
-        </p:blipFill>
-        <p:spPr>
-          <a:xfrm>
-            <a:off x="120948" y="4034389"/>
-            <a:ext cx="4854175" cy="2730473"/>
-          </a:xfrm>
-          <a:prstGeom prst="rect">
-            <a:avLst/>
-          </a:prstGeom>
-        </p:spPr>
-      </p:pic>
-      <p:pic>
-        <p:nvPicPr>
-          <p:cNvPr id="66" name="図 65" descr="ロゴ&#10;&#10;中程度の精度で自動的に生成された説明">
-            <a:extLst>
-              <a:ext uri="{FF2B5EF4-FFF2-40B4-BE49-F238E27FC236}">
-                <a16:creationId xmlns:a16="http://schemas.microsoft.com/office/drawing/2014/main" id="{08C1BE51-AB64-8ED7-B98F-6C932D93C7DF}"/>
-              </a:ext>
-            </a:extLst>
-          </p:cNvPr>
-          <p:cNvPicPr>
-            <a:picLocks noChangeAspect="1"/>
-          </p:cNvPicPr>
-          <p:nvPr/>
-        </p:nvPicPr>
-        <p:blipFill>
-          <a:blip r:embed="rId8">
-            <a:extLst>
-              <a:ext uri="{28A0092B-C50C-407E-A947-70E740481C1C}">
-                <a14:useLocalDpi xmlns:a14="http://schemas.microsoft.com/office/drawing/2010/main" val="0"/>
-              </a:ext>
-            </a:extLst>
-          </a:blip>
-          <a:stretch>
-            <a:fillRect/>
-          </a:stretch>
-        </p:blipFill>
-        <p:spPr>
-          <a:xfrm>
-            <a:off x="1338802" y="5461305"/>
-            <a:ext cx="643189" cy="940135"/>
-          </a:xfrm>
-          <a:prstGeom prst="rect">
-            <a:avLst/>
-          </a:prstGeom>
-        </p:spPr>
-      </p:pic>
-      <p:pic>
-        <p:nvPicPr>
-          <p:cNvPr id="68" name="図 67" descr="図形&#10;&#10;中程度の精度で自動的に生成された説明">
-            <a:extLst>
-              <a:ext uri="{FF2B5EF4-FFF2-40B4-BE49-F238E27FC236}">
-                <a16:creationId xmlns:a16="http://schemas.microsoft.com/office/drawing/2014/main" id="{B67A1D43-C9EF-819A-A300-EAC57D0C83AE}"/>
-              </a:ext>
-            </a:extLst>
-          </p:cNvPr>
-          <p:cNvPicPr>
-            <a:picLocks noChangeAspect="1"/>
-          </p:cNvPicPr>
-          <p:nvPr/>
-        </p:nvPicPr>
-        <p:blipFill>
-          <a:blip r:embed="rId9">
-            <a:lum bright="70000" contrast="-70000"/>
-            <a:extLst>
-              <a:ext uri="{BEBA8EAE-BF5A-486C-A8C5-ECC9F3942E4B}">
-                <a14:imgProps xmlns:a14="http://schemas.microsoft.com/office/drawing/2010/main">
-                  <a14:imgLayer r:embed="rId10">
-                    <a14:imgEffect>
-                      <a14:sharpenSoften amount="-50000"/>
-                    </a14:imgEffect>
-                    <a14:imgEffect>
-                      <a14:saturation sat="0"/>
-                    </a14:imgEffect>
-                  </a14:imgLayer>
-                </a14:imgProps>
-              </a:ext>
-              <a:ext uri="{28A0092B-C50C-407E-A947-70E740481C1C}">
-                <a14:useLocalDpi xmlns:a14="http://schemas.microsoft.com/office/drawing/2010/main" val="0"/>
-              </a:ext>
-            </a:extLst>
-          </a:blip>
-          <a:stretch>
-            <a:fillRect/>
-          </a:stretch>
-        </p:blipFill>
-        <p:spPr>
-          <a:xfrm>
-            <a:off x="2780582" y="4232608"/>
-            <a:ext cx="548301" cy="539709"/>
-          </a:xfrm>
-          <a:prstGeom prst="rect">
-            <a:avLst/>
-          </a:prstGeom>
-        </p:spPr>
-      </p:pic>
-      <p:pic>
-        <p:nvPicPr>
-          <p:cNvPr id="70" name="図 69">
-            <a:extLst>
-              <a:ext uri="{FF2B5EF4-FFF2-40B4-BE49-F238E27FC236}">
-                <a16:creationId xmlns:a16="http://schemas.microsoft.com/office/drawing/2014/main" id="{AC32CC7B-9E07-A848-276E-0EA99F3433AE}"/>
-              </a:ext>
-            </a:extLst>
-          </p:cNvPr>
-          <p:cNvPicPr>
-            <a:picLocks noChangeAspect="1"/>
-          </p:cNvPicPr>
-          <p:nvPr/>
-        </p:nvPicPr>
-        <p:blipFill>
-          <a:blip r:embed="rId11">
-            <a:extLst>
-              <a:ext uri="{28A0092B-C50C-407E-A947-70E740481C1C}">
-                <a14:useLocalDpi xmlns:a14="http://schemas.microsoft.com/office/drawing/2010/main" val="0"/>
-              </a:ext>
-            </a:extLst>
-          </a:blip>
-          <a:stretch>
-            <a:fillRect/>
-          </a:stretch>
-        </p:blipFill>
-        <p:spPr>
-          <a:xfrm>
-            <a:off x="2939503" y="5224919"/>
-            <a:ext cx="556835" cy="612008"/>
-          </a:xfrm>
-          <a:prstGeom prst="rect">
-            <a:avLst/>
-          </a:prstGeom>
-        </p:spPr>
-      </p:pic>
-      <p:sp>
-        <p:nvSpPr>
-          <p:cNvPr id="71" name="テキスト ボックス 70">
-            <a:extLst>
-              <a:ext uri="{FF2B5EF4-FFF2-40B4-BE49-F238E27FC236}">
-                <a16:creationId xmlns:a16="http://schemas.microsoft.com/office/drawing/2014/main" id="{AA56A801-1221-FA32-ACCE-B50CE9664DE0}"/>
-              </a:ext>
-            </a:extLst>
-          </p:cNvPr>
-          <p:cNvSpPr txBox="1"/>
-          <p:nvPr/>
-        </p:nvSpPr>
-        <p:spPr>
-          <a:xfrm rot="21313364">
-            <a:off x="2028586" y="5843021"/>
-            <a:ext cx="2877711" cy="584775"/>
-          </a:xfrm>
-          <a:prstGeom prst="rect">
-            <a:avLst/>
-          </a:prstGeom>
-          <a:noFill/>
-        </p:spPr>
-        <p:txBody>
-          <a:bodyPr wrap="none" rtlCol="0">
-            <a:spAutoFit/>
-          </a:bodyPr>
-          <a:lstStyle/>
-          <a:p>
-            <a:r>
-              <a:rPr lang="en-US" altLang="ja-JP" sz="3200" b="1" dirty="0">
-                <a:ln w="3175">
-                  <a:solidFill>
-                    <a:schemeClr val="tx1"/>
-                  </a:solidFill>
-                </a:ln>
-                <a:solidFill>
-                  <a:schemeClr val="bg1"/>
-                </a:solidFill>
-                <a:effectLst>
-                  <a:glow rad="177800">
-                    <a:schemeClr val="bg1">
-                      <a:alpha val="70000"/>
-                    </a:schemeClr>
-                  </a:glow>
-                </a:effectLst>
-                <a:latin typeface="HGP行書体" panose="03000600000000000000" pitchFamily="66" charset="-128"/>
-                <a:ea typeface="HGP行書体" panose="03000600000000000000" pitchFamily="66" charset="-128"/>
-              </a:rPr>
-              <a:t>“</a:t>
-            </a:r>
-            <a:r>
-              <a:rPr lang="ja-JP" altLang="en-US" sz="3200" b="1" dirty="0">
-                <a:ln w="3175">
-                  <a:solidFill>
-                    <a:schemeClr val="tx1"/>
-                  </a:solidFill>
-                </a:ln>
-                <a:solidFill>
-                  <a:schemeClr val="bg1"/>
-                </a:solidFill>
-                <a:effectLst>
-                  <a:glow rad="177800">
-                    <a:schemeClr val="bg1">
-                      <a:alpha val="70000"/>
-                    </a:schemeClr>
-                  </a:glow>
-                </a:effectLst>
-                <a:latin typeface="HGP行書体" panose="03000600000000000000" pitchFamily="66" charset="-128"/>
-                <a:ea typeface="HGP行書体" panose="03000600000000000000" pitchFamily="66" charset="-128"/>
-              </a:rPr>
-              <a:t>元</a:t>
-            </a:r>
-            <a:r>
-              <a:rPr lang="en-US" altLang="ja-JP" sz="3200" b="1" dirty="0">
-                <a:ln w="3175">
-                  <a:solidFill>
-                    <a:schemeClr val="tx1"/>
-                  </a:solidFill>
-                </a:ln>
-                <a:solidFill>
-                  <a:schemeClr val="bg1"/>
-                </a:solidFill>
-                <a:effectLst>
-                  <a:glow rad="177800">
-                    <a:schemeClr val="bg1">
-                      <a:alpha val="70000"/>
-                    </a:schemeClr>
-                  </a:glow>
-                </a:effectLst>
-                <a:latin typeface="HGP行書体" panose="03000600000000000000" pitchFamily="66" charset="-128"/>
-                <a:ea typeface="HGP行書体" panose="03000600000000000000" pitchFamily="66" charset="-128"/>
-              </a:rPr>
-              <a:t>”</a:t>
-            </a:r>
-            <a:r>
-              <a:rPr lang="ja-JP" altLang="en-US" sz="3200" b="1" dirty="0">
-                <a:ln w="3175">
-                  <a:solidFill>
-                    <a:schemeClr val="tx1"/>
-                  </a:solidFill>
-                </a:ln>
-                <a:solidFill>
-                  <a:schemeClr val="bg1"/>
-                </a:solidFill>
-                <a:effectLst>
-                  <a:glow rad="177800">
-                    <a:schemeClr val="bg1">
-                      <a:alpha val="70000"/>
-                    </a:schemeClr>
-                  </a:glow>
-                </a:effectLst>
-                <a:latin typeface="HGP行書体" panose="03000600000000000000" pitchFamily="66" charset="-128"/>
-                <a:ea typeface="HGP行書体" panose="03000600000000000000" pitchFamily="66" charset="-128"/>
-              </a:rPr>
-              <a:t>仲間を欺け</a:t>
-            </a:r>
-            <a:endParaRPr kumimoji="1" lang="ja-JP" altLang="en-US" sz="3200" b="1" dirty="0">
-              <a:ln w="3175">
-                <a:solidFill>
-                  <a:schemeClr val="tx1"/>
-                </a:solidFill>
-              </a:ln>
-              <a:solidFill>
-                <a:schemeClr val="bg1"/>
-              </a:solidFill>
-              <a:effectLst>
-                <a:glow rad="177800">
-                  <a:schemeClr val="bg1">
-                    <a:alpha val="70000"/>
-                  </a:schemeClr>
-                </a:glow>
-              </a:effectLst>
-              <a:latin typeface="HGP行書体" panose="03000600000000000000" pitchFamily="66" charset="-128"/>
-              <a:ea typeface="HGP行書体" panose="03000600000000000000" pitchFamily="66" charset="-128"/>
-            </a:endParaRPr>
-          </a:p>
-        </p:txBody>
-      </p:sp>
-      <p:sp>
-        <p:nvSpPr>
-          <p:cNvPr id="3" name="テキスト ボックス 2">
-            <a:extLst>
-              <a:ext uri="{FF2B5EF4-FFF2-40B4-BE49-F238E27FC236}">
-                <a16:creationId xmlns:a16="http://schemas.microsoft.com/office/drawing/2014/main" id="{A19973B1-3C4E-5D6A-DBCC-CB5BB0C8CE28}"/>
-              </a:ext>
-            </a:extLst>
-          </p:cNvPr>
-          <p:cNvSpPr txBox="1"/>
-          <p:nvPr/>
-        </p:nvSpPr>
-        <p:spPr>
-          <a:xfrm>
-            <a:off x="9165148" y="227043"/>
-            <a:ext cx="5724644" cy="646331"/>
-          </a:xfrm>
-          <a:prstGeom prst="rect">
-            <a:avLst/>
-          </a:prstGeom>
-          <a:noFill/>
-        </p:spPr>
-        <p:txBody>
-          <a:bodyPr wrap="none" rtlCol="0">
-            <a:spAutoFit/>
-          </a:bodyPr>
-          <a:lstStyle/>
-          <a:p>
-            <a:r>
-              <a:rPr kumimoji="1" lang="en-US" altLang="ja-JP" dirty="0">
-                <a:solidFill>
-                  <a:srgbClr val="FF0000"/>
-                </a:solidFill>
-              </a:rPr>
-              <a:t>『CELESTE</a:t>
-            </a:r>
-            <a:r>
-              <a:rPr kumimoji="1" lang="ja-JP" altLang="en-US" dirty="0">
-                <a:solidFill>
-                  <a:srgbClr val="FF0000"/>
-                </a:solidFill>
-              </a:rPr>
-              <a:t>っぽい</a:t>
-            </a:r>
-            <a:r>
-              <a:rPr kumimoji="1" lang="en-US" altLang="ja-JP" dirty="0">
-                <a:solidFill>
-                  <a:srgbClr val="FF0000"/>
-                </a:solidFill>
-              </a:rPr>
-              <a:t>』</a:t>
-            </a:r>
-            <a:r>
-              <a:rPr kumimoji="1" lang="ja-JP" altLang="en-US" dirty="0">
-                <a:solidFill>
-                  <a:srgbClr val="FF0000"/>
-                </a:solidFill>
-              </a:rPr>
-              <a:t>じゃなくて</a:t>
-            </a:r>
-            <a:r>
-              <a:rPr kumimoji="1" lang="en-US" altLang="ja-JP" dirty="0">
-                <a:solidFill>
-                  <a:srgbClr val="FF0000"/>
-                </a:solidFill>
-              </a:rPr>
-              <a:t>『</a:t>
-            </a:r>
-            <a:r>
-              <a:rPr kumimoji="1" lang="ja-JP" altLang="en-US" dirty="0">
-                <a:solidFill>
-                  <a:srgbClr val="FF0000"/>
-                </a:solidFill>
-              </a:rPr>
-              <a:t>逃げる</a:t>
-            </a:r>
-            <a:r>
-              <a:rPr kumimoji="1" lang="en-US" altLang="ja-JP" dirty="0">
-                <a:solidFill>
-                  <a:srgbClr val="FF0000"/>
-                </a:solidFill>
-              </a:rPr>
-              <a:t>!!』</a:t>
-            </a:r>
-            <a:r>
-              <a:rPr kumimoji="1" lang="ja-JP" altLang="en-US" dirty="0">
-                <a:solidFill>
-                  <a:srgbClr val="FF0000"/>
-                </a:solidFill>
-              </a:rPr>
-              <a:t>を</a:t>
-            </a:r>
-            <a:endParaRPr kumimoji="1" lang="en-US" altLang="ja-JP" dirty="0">
-              <a:solidFill>
-                <a:srgbClr val="FF0000"/>
-              </a:solidFill>
-            </a:endParaRPr>
-          </a:p>
-          <a:p>
-            <a:r>
-              <a:rPr kumimoji="1" lang="ja-JP" altLang="en-US" dirty="0">
-                <a:solidFill>
-                  <a:srgbClr val="FF0000"/>
-                </a:solidFill>
-              </a:rPr>
-              <a:t>中心にしないと発想が凝り固まって面白くなくなる。</a:t>
-            </a:r>
-          </a:p>
-        </p:txBody>
-      </p:sp>
-      <p:sp>
-        <p:nvSpPr>
-          <p:cNvPr id="4" name="テキスト ボックス 3">
-            <a:extLst>
-              <a:ext uri="{FF2B5EF4-FFF2-40B4-BE49-F238E27FC236}">
-                <a16:creationId xmlns:a16="http://schemas.microsoft.com/office/drawing/2014/main" id="{BA27A1F9-0827-E9DB-6279-7A47D5626B56}"/>
-              </a:ext>
-            </a:extLst>
-          </p:cNvPr>
-          <p:cNvSpPr txBox="1"/>
-          <p:nvPr/>
-        </p:nvSpPr>
-        <p:spPr>
-          <a:xfrm>
-            <a:off x="9165148" y="917085"/>
-            <a:ext cx="6417141" cy="646331"/>
-          </a:xfrm>
-          <a:prstGeom prst="rect">
-            <a:avLst/>
-          </a:prstGeom>
-          <a:noFill/>
-        </p:spPr>
-        <p:txBody>
-          <a:bodyPr wrap="none" rtlCol="0">
-            <a:spAutoFit/>
-          </a:bodyPr>
-          <a:lstStyle/>
-          <a:p>
-            <a:r>
-              <a:rPr kumimoji="1" lang="ja-JP" altLang="en-US" dirty="0">
-                <a:solidFill>
-                  <a:srgbClr val="FF0000"/>
-                </a:solidFill>
-              </a:rPr>
-              <a:t>地味なゲームにならないようにプレイヤーがハマれる要素と</a:t>
-            </a:r>
-            <a:endParaRPr kumimoji="1" lang="en-US" altLang="ja-JP" dirty="0">
-              <a:solidFill>
-                <a:srgbClr val="FF0000"/>
-              </a:solidFill>
-            </a:endParaRPr>
-          </a:p>
-          <a:p>
-            <a:r>
-              <a:rPr kumimoji="1" lang="ja-JP" altLang="en-US" dirty="0">
-                <a:solidFill>
-                  <a:srgbClr val="FF0000"/>
-                </a:solidFill>
-              </a:rPr>
-              <a:t>忍者らしさを感じられる要素を</a:t>
-            </a:r>
-          </a:p>
-        </p:txBody>
-      </p:sp>
-      <p:sp>
-        <p:nvSpPr>
-          <p:cNvPr id="5" name="テキスト ボックス 4">
-            <a:extLst>
-              <a:ext uri="{FF2B5EF4-FFF2-40B4-BE49-F238E27FC236}">
-                <a16:creationId xmlns:a16="http://schemas.microsoft.com/office/drawing/2014/main" id="{CE0221DD-E36C-2604-5A83-710C4655EF9E}"/>
-              </a:ext>
-            </a:extLst>
-          </p:cNvPr>
-          <p:cNvSpPr txBox="1"/>
-          <p:nvPr/>
-        </p:nvSpPr>
-        <p:spPr>
-          <a:xfrm>
-            <a:off x="9165147" y="1597113"/>
-            <a:ext cx="6571030" cy="923330"/>
-          </a:xfrm>
-          <a:prstGeom prst="rect">
-            <a:avLst/>
-          </a:prstGeom>
-          <a:noFill/>
-        </p:spPr>
-        <p:txBody>
-          <a:bodyPr wrap="none" rtlCol="0">
-            <a:spAutoFit/>
-          </a:bodyPr>
-          <a:lstStyle/>
-          <a:p>
-            <a:r>
-              <a:rPr kumimoji="1" lang="ja-JP" altLang="en-US" dirty="0">
-                <a:solidFill>
-                  <a:srgbClr val="FF0000"/>
-                </a:solidFill>
-              </a:rPr>
-              <a:t>ギミックを使うのは良いが、プレイヤーが</a:t>
-            </a:r>
-            <a:endParaRPr kumimoji="1" lang="en-US" altLang="ja-JP" dirty="0">
-              <a:solidFill>
-                <a:srgbClr val="FF0000"/>
-              </a:solidFill>
-            </a:endParaRPr>
-          </a:p>
-          <a:p>
-            <a:r>
-              <a:rPr lang="ja-JP" altLang="en-US" dirty="0">
-                <a:solidFill>
-                  <a:srgbClr val="FF0000"/>
-                </a:solidFill>
-              </a:rPr>
-              <a:t>パッと見で気付けるギミックを作ろう</a:t>
-            </a:r>
-            <a:endParaRPr lang="en-US" altLang="ja-JP" dirty="0">
-              <a:solidFill>
-                <a:srgbClr val="FF0000"/>
-              </a:solidFill>
-            </a:endParaRPr>
-          </a:p>
-          <a:p>
-            <a:r>
-              <a:rPr lang="ja-JP" altLang="en-US" dirty="0">
-                <a:solidFill>
-                  <a:srgbClr val="FF0000"/>
-                </a:solidFill>
-              </a:rPr>
-              <a:t>そこから</a:t>
-            </a:r>
-            <a:r>
-              <a:rPr lang="en-US" altLang="ja-JP" dirty="0">
-                <a:solidFill>
-                  <a:srgbClr val="FF0000"/>
-                </a:solidFill>
-              </a:rPr>
-              <a:t>『</a:t>
-            </a:r>
-            <a:r>
-              <a:rPr lang="ja-JP" altLang="en-US" dirty="0">
-                <a:solidFill>
-                  <a:srgbClr val="FF0000"/>
-                </a:solidFill>
-              </a:rPr>
-              <a:t>こうすれば良い具合に行ける</a:t>
-            </a:r>
-            <a:r>
-              <a:rPr lang="en-US" altLang="ja-JP" dirty="0">
-                <a:solidFill>
-                  <a:srgbClr val="FF0000"/>
-                </a:solidFill>
-              </a:rPr>
-              <a:t>…</a:t>
-            </a:r>
-            <a:r>
-              <a:rPr lang="ja-JP" altLang="en-US" dirty="0">
-                <a:solidFill>
-                  <a:srgbClr val="FF0000"/>
-                </a:solidFill>
-              </a:rPr>
-              <a:t>？</a:t>
-            </a:r>
-            <a:r>
-              <a:rPr lang="en-US" altLang="ja-JP" dirty="0">
-                <a:solidFill>
-                  <a:srgbClr val="FF0000"/>
-                </a:solidFill>
-              </a:rPr>
-              <a:t>』</a:t>
-            </a:r>
-            <a:r>
-              <a:rPr lang="ja-JP" altLang="en-US" dirty="0">
-                <a:solidFill>
-                  <a:srgbClr val="FF0000"/>
-                </a:solidFill>
-              </a:rPr>
-              <a:t>に転換させて</a:t>
-            </a:r>
-            <a:r>
-              <a:rPr lang="en-US" altLang="ja-JP" dirty="0">
-                <a:solidFill>
-                  <a:srgbClr val="FF0000"/>
-                </a:solidFill>
-              </a:rPr>
-              <a:t>!!</a:t>
-            </a:r>
           </a:p>
         </p:txBody>
       </p:sp>
